--- a/癌症/癌症.pptx
+++ b/癌症/癌症.pptx
@@ -14,12 +14,13 @@
     <p:sldId id="262" r:id="rId8"/>
     <p:sldId id="263" r:id="rId9"/>
     <p:sldId id="264" r:id="rId10"/>
-    <p:sldId id="265" r:id="rId11"/>
-    <p:sldId id="266" r:id="rId12"/>
-    <p:sldId id="267" r:id="rId13"/>
-    <p:sldId id="269" r:id="rId14"/>
-    <p:sldId id="270" r:id="rId15"/>
-    <p:sldId id="271" r:id="rId16"/>
+    <p:sldId id="272" r:id="rId11"/>
+    <p:sldId id="265" r:id="rId12"/>
+    <p:sldId id="266" r:id="rId13"/>
+    <p:sldId id="267" r:id="rId14"/>
+    <p:sldId id="273" r:id="rId15"/>
+    <p:sldId id="270" r:id="rId16"/>
+    <p:sldId id="271" r:id="rId17"/>
   </p:sldIdLst>
   <p:sldSz cx="12192000" cy="6858000"/>
   <p:notesSz cx="6858000" cy="9144000"/>
@@ -118,6 +119,11 @@
       </a:defRPr>
     </a:lvl9pPr>
   </p:defaultTextStyle>
+  <p:extLst>
+    <p:ext uri="{EFAFB233-063F-42B5-8137-9DF3F51BA10A}">
+      <p15:sldGuideLst xmlns:p15="http://schemas.microsoft.com/office/powerpoint/2012/main"/>
+    </p:ext>
+  </p:extLst>
 </p:presentation>
 </file>
 
@@ -2473,7 +2479,7 @@
           <a:lstStyle/>
           <a:p>
             <a:r>
-              <a:rPr lang="zh-CN" altLang="en-US"/>
+              <a:rPr lang="zh-CN" altLang="en-US" dirty="0"/>
               <a:t>单击此处编辑母版标题样式</a:t>
             </a:r>
             <a:endParaRPr lang="en-US" dirty="0"/>
@@ -2507,35 +2513,35 @@
           <a:p>
             <a:pPr lvl="0"/>
             <a:r>
-              <a:rPr lang="zh-CN" altLang="en-US"/>
+              <a:rPr lang="zh-CN" altLang="en-US" dirty="0"/>
               <a:t>编辑母版文本样式</a:t>
             </a:r>
           </a:p>
           <a:p>
             <a:pPr lvl="1"/>
             <a:r>
-              <a:rPr lang="zh-CN" altLang="en-US"/>
+              <a:rPr lang="zh-CN" altLang="en-US" dirty="0"/>
               <a:t>第二级</a:t>
             </a:r>
           </a:p>
           <a:p>
             <a:pPr lvl="2"/>
             <a:r>
-              <a:rPr lang="zh-CN" altLang="en-US"/>
+              <a:rPr lang="zh-CN" altLang="en-US" dirty="0"/>
               <a:t>第三级</a:t>
             </a:r>
           </a:p>
           <a:p>
             <a:pPr lvl="3"/>
             <a:r>
-              <a:rPr lang="zh-CN" altLang="en-US"/>
+              <a:rPr lang="zh-CN" altLang="en-US" dirty="0"/>
               <a:t>第四级</a:t>
             </a:r>
           </a:p>
           <a:p>
             <a:pPr lvl="4"/>
             <a:r>
-              <a:rPr lang="zh-CN" altLang="en-US"/>
+              <a:rPr lang="zh-CN" altLang="en-US" dirty="0"/>
               <a:t>第五级</a:t>
             </a:r>
             <a:endParaRPr lang="en-US" dirty="0"/>
@@ -2571,15 +2577,17 @@
                     <a:tint val="75000"/>
                   </a:schemeClr>
                 </a:solidFill>
+                <a:latin typeface="微软雅黑" panose="020B0503020204020204" pitchFamily="34" charset="-122"/>
               </a:defRPr>
             </a:lvl1pPr>
           </a:lstStyle>
           <a:p>
             <a:fld id="{DCE84136-E880-46BE-9D53-03C5AB0F59FF}" type="datetimeFigureOut">
               <a:rPr lang="en-US" smtClean="0"/>
+              <a:pPr/>
               <a:t>1/29/2019</a:t>
             </a:fld>
-            <a:endParaRPr lang="en-US"/>
+            <a:endParaRPr lang="en-US" dirty="0"/>
           </a:p>
         </p:txBody>
       </p:sp>
@@ -2612,11 +2620,12 @@
                     <a:tint val="75000"/>
                   </a:schemeClr>
                 </a:solidFill>
+                <a:latin typeface="微软雅黑" panose="020B0503020204020204" pitchFamily="34" charset="-122"/>
               </a:defRPr>
             </a:lvl1pPr>
           </a:lstStyle>
           <a:p>
-            <a:endParaRPr lang="en-US"/>
+            <a:endParaRPr lang="en-US" dirty="0"/>
           </a:p>
         </p:txBody>
       </p:sp>
@@ -2649,15 +2658,17 @@
                     <a:tint val="75000"/>
                   </a:schemeClr>
                 </a:solidFill>
+                <a:latin typeface="微软雅黑" panose="020B0503020204020204" pitchFamily="34" charset="-122"/>
               </a:defRPr>
             </a:lvl1pPr>
           </a:lstStyle>
           <a:p>
             <a:fld id="{1059C106-E30B-4A01-BE4D-CDA42856E51D}" type="slidenum">
               <a:rPr lang="en-US" smtClean="0"/>
+              <a:pPr/>
               <a:t>‹#›</a:t>
             </a:fld>
-            <a:endParaRPr lang="en-US"/>
+            <a:endParaRPr lang="en-US" dirty="0"/>
           </a:p>
         </p:txBody>
       </p:sp>
@@ -2696,7 +2707,7 @@
           <a:solidFill>
             <a:schemeClr val="tx1"/>
           </a:solidFill>
-          <a:latin typeface="+mj-lt"/>
+          <a:latin typeface="微软雅黑" panose="020B0503020204020204" pitchFamily="34" charset="-122"/>
           <a:ea typeface="+mj-ea"/>
           <a:cs typeface="+mj-cs"/>
         </a:defRPr>
@@ -2716,8 +2727,8 @@
           <a:solidFill>
             <a:schemeClr val="tx1"/>
           </a:solidFill>
-          <a:latin typeface="+mn-lt"/>
-          <a:ea typeface="+mn-ea"/>
+          <a:latin typeface="微软雅黑" panose="020B0503020204020204" pitchFamily="34" charset="-122"/>
+          <a:ea typeface="微软雅黑" panose="020B0503020204020204" pitchFamily="34" charset="-122"/>
           <a:cs typeface="+mn-cs"/>
         </a:defRPr>
       </a:lvl1pPr>
@@ -2734,8 +2745,8 @@
           <a:solidFill>
             <a:schemeClr val="tx1"/>
           </a:solidFill>
-          <a:latin typeface="+mn-lt"/>
-          <a:ea typeface="+mn-ea"/>
+          <a:latin typeface="微软雅黑" panose="020B0503020204020204" pitchFamily="34" charset="-122"/>
+          <a:ea typeface="微软雅黑" panose="020B0503020204020204" pitchFamily="34" charset="-122"/>
           <a:cs typeface="+mn-cs"/>
         </a:defRPr>
       </a:lvl2pPr>
@@ -2752,8 +2763,8 @@
           <a:solidFill>
             <a:schemeClr val="tx1"/>
           </a:solidFill>
-          <a:latin typeface="+mn-lt"/>
-          <a:ea typeface="+mn-ea"/>
+          <a:latin typeface="微软雅黑" panose="020B0503020204020204" pitchFamily="34" charset="-122"/>
+          <a:ea typeface="微软雅黑" panose="020B0503020204020204" pitchFamily="34" charset="-122"/>
           <a:cs typeface="+mn-cs"/>
         </a:defRPr>
       </a:lvl3pPr>
@@ -2770,8 +2781,8 @@
           <a:solidFill>
             <a:schemeClr val="tx1"/>
           </a:solidFill>
-          <a:latin typeface="+mn-lt"/>
-          <a:ea typeface="+mn-ea"/>
+          <a:latin typeface="微软雅黑" panose="020B0503020204020204" pitchFamily="34" charset="-122"/>
+          <a:ea typeface="微软雅黑" panose="020B0503020204020204" pitchFamily="34" charset="-122"/>
           <a:cs typeface="+mn-cs"/>
         </a:defRPr>
       </a:lvl4pPr>
@@ -2788,8 +2799,8 @@
           <a:solidFill>
             <a:schemeClr val="tx1"/>
           </a:solidFill>
-          <a:latin typeface="+mn-lt"/>
-          <a:ea typeface="+mn-ea"/>
+          <a:latin typeface="微软雅黑" panose="020B0503020204020204" pitchFamily="34" charset="-122"/>
+          <a:ea typeface="微软雅黑" panose="020B0503020204020204" pitchFamily="34" charset="-122"/>
           <a:cs typeface="+mn-cs"/>
         </a:defRPr>
       </a:lvl5pPr>
@@ -2998,7 +3009,12 @@
             <p:ph type="ctrTitle"/>
           </p:nvPr>
         </p:nvSpPr>
-        <p:spPr/>
+        <p:spPr>
+          <a:xfrm>
+            <a:off x="1524000" y="2282409"/>
+            <a:ext cx="9144000" cy="1146591"/>
+          </a:xfrm>
+        </p:spPr>
         <p:txBody>
           <a:bodyPr/>
           <a:lstStyle/>
@@ -3043,10 +3059,44 @@
       </p:grpSpPr>
       <p:sp>
         <p:nvSpPr>
-          <p:cNvPr id="13" name="矩形 12">
+          <p:cNvPr id="7" name="标题 1">
             <a:extLst>
               <a:ext uri="{FF2B5EF4-FFF2-40B4-BE49-F238E27FC236}">
-                <a16:creationId xmlns:a16="http://schemas.microsoft.com/office/drawing/2014/main" id="{7B272312-7D65-4DEE-B124-A2159470D05B}"/>
+                <a16:creationId xmlns:a16="http://schemas.microsoft.com/office/drawing/2014/main" id="{3D36BAC0-1C17-48EB-8BC0-D5906F6C8EB7}"/>
+              </a:ext>
+            </a:extLst>
+          </p:cNvPr>
+          <p:cNvSpPr>
+            <a:spLocks noGrp="1"/>
+          </p:cNvSpPr>
+          <p:nvPr>
+            <p:ph type="ctrTitle"/>
+          </p:nvPr>
+        </p:nvSpPr>
+        <p:spPr>
+          <a:xfrm>
+            <a:off x="1524000" y="393894"/>
+            <a:ext cx="9144000" cy="1104388"/>
+          </a:xfrm>
+        </p:spPr>
+        <p:txBody>
+          <a:bodyPr/>
+          <a:lstStyle/>
+          <a:p>
+            <a:r>
+              <a:rPr lang="zh-CN" altLang="en-US" dirty="0"/>
+              <a:t>药物投送系统</a:t>
+            </a:r>
+            <a:endParaRPr lang="en-US" dirty="0"/>
+          </a:p>
+        </p:txBody>
+      </p:sp>
+      <p:sp>
+        <p:nvSpPr>
+          <p:cNvPr id="9" name="矩形 8">
+            <a:extLst>
+              <a:ext uri="{FF2B5EF4-FFF2-40B4-BE49-F238E27FC236}">
+                <a16:creationId xmlns:a16="http://schemas.microsoft.com/office/drawing/2014/main" id="{2E0C7671-E740-42E1-B9BC-28444FBBB33E}"/>
               </a:ext>
             </a:extLst>
           </p:cNvPr>
@@ -3055,31 +3105,173 @@
         </p:nvSpPr>
         <p:spPr>
           <a:xfrm>
-            <a:off x="1387018" y="2782669"/>
-            <a:ext cx="9417963" cy="646331"/>
+            <a:off x="2685068" y="1800811"/>
+            <a:ext cx="7982932" cy="4154984"/>
           </a:xfrm>
           <a:prstGeom prst="rect">
             <a:avLst/>
           </a:prstGeom>
         </p:spPr>
         <p:txBody>
-          <a:bodyPr wrap="none">
+          <a:bodyPr wrap="square">
             <a:spAutoFit/>
           </a:bodyPr>
           <a:lstStyle/>
           <a:p>
             <a:r>
-              <a:rPr lang="zh-CN" altLang="en-US" sz="3600" dirty="0"/>
-              <a:t>癌细胞与人体系统之间存在的千丝万缕的联系</a:t>
-            </a:r>
-            <a:endParaRPr lang="en-US" sz="3600" dirty="0"/>
+              <a:rPr lang="zh-CN" altLang="en-US" sz="2400" dirty="0">
+                <a:latin typeface="微软雅黑" panose="020B0503020204020204" pitchFamily="34" charset="-122"/>
+                <a:ea typeface="微软雅黑" panose="020B0503020204020204" pitchFamily="34" charset="-122"/>
+              </a:rPr>
+              <a:t>低效的药物投送系统</a:t>
+            </a:r>
+            <a:endParaRPr lang="en-US" altLang="zh-CN" sz="2400" dirty="0">
+              <a:latin typeface="微软雅黑" panose="020B0503020204020204" pitchFamily="34" charset="-122"/>
+              <a:ea typeface="微软雅黑" panose="020B0503020204020204" pitchFamily="34" charset="-122"/>
+            </a:endParaRPr>
+          </a:p>
+          <a:p>
+            <a:pPr marL="342900" indent="-342900">
+              <a:buFont typeface="Arial" panose="020B0604020202020204" pitchFamily="34" charset="0"/>
+              <a:buChar char="•"/>
+            </a:pPr>
+            <a:r>
+              <a:rPr lang="zh-CN" altLang="en-US" sz="2400" dirty="0">
+                <a:latin typeface="微软雅黑" panose="020B0503020204020204" pitchFamily="34" charset="-122"/>
+                <a:ea typeface="微软雅黑" panose="020B0503020204020204" pitchFamily="34" charset="-122"/>
+              </a:rPr>
+              <a:t>药物需要在血液经过漫长运输才能到达患病部位</a:t>
+            </a:r>
+            <a:endParaRPr lang="en-US" altLang="zh-CN" sz="2400" dirty="0">
+              <a:latin typeface="微软雅黑" panose="020B0503020204020204" pitchFamily="34" charset="-122"/>
+              <a:ea typeface="微软雅黑" panose="020B0503020204020204" pitchFamily="34" charset="-122"/>
+            </a:endParaRPr>
+          </a:p>
+          <a:p>
+            <a:pPr marL="342900" indent="-342900">
+              <a:buFont typeface="Arial" panose="020B0604020202020204" pitchFamily="34" charset="0"/>
+              <a:buChar char="•"/>
+            </a:pPr>
+            <a:r>
+              <a:rPr lang="zh-CN" altLang="en-US" sz="2400" dirty="0">
+                <a:latin typeface="微软雅黑" panose="020B0503020204020204" pitchFamily="34" charset="-122"/>
+                <a:ea typeface="微软雅黑" panose="020B0503020204020204" pitchFamily="34" charset="-122"/>
+              </a:rPr>
+              <a:t>加大药量，对身体产生副作用</a:t>
+            </a:r>
+            <a:endParaRPr lang="en-US" altLang="zh-CN" sz="2400" dirty="0">
+              <a:latin typeface="微软雅黑" panose="020B0503020204020204" pitchFamily="34" charset="-122"/>
+              <a:ea typeface="微软雅黑" panose="020B0503020204020204" pitchFamily="34" charset="-122"/>
+            </a:endParaRPr>
+          </a:p>
+          <a:p>
+            <a:endParaRPr lang="en-US" sz="2400" dirty="0">
+              <a:latin typeface="微软雅黑" panose="020B0503020204020204" pitchFamily="34" charset="-122"/>
+            </a:endParaRPr>
+          </a:p>
+          <a:p>
+            <a:r>
+              <a:rPr lang="zh-CN" altLang="en-US" sz="2400" dirty="0">
+                <a:latin typeface="微软雅黑" panose="020B0503020204020204" pitchFamily="34" charset="-122"/>
+                <a:ea typeface="微软雅黑" panose="020B0503020204020204" pitchFamily="34" charset="-122"/>
+              </a:rPr>
+              <a:t>癌细胞的“豆腐渣”血管</a:t>
+            </a:r>
+            <a:endParaRPr lang="en-US" altLang="zh-CN" sz="2400" dirty="0">
+              <a:latin typeface="微软雅黑" panose="020B0503020204020204" pitchFamily="34" charset="-122"/>
+              <a:ea typeface="微软雅黑" panose="020B0503020204020204" pitchFamily="34" charset="-122"/>
+            </a:endParaRPr>
+          </a:p>
+          <a:p>
+            <a:endParaRPr lang="en-US" sz="2400" dirty="0">
+              <a:latin typeface="微软雅黑" panose="020B0503020204020204" pitchFamily="34" charset="-122"/>
+            </a:endParaRPr>
+          </a:p>
+          <a:p>
+            <a:r>
+              <a:rPr lang="zh-CN" altLang="en-US" sz="2400" dirty="0">
+                <a:latin typeface="微软雅黑" panose="020B0503020204020204" pitchFamily="34" charset="-122"/>
+                <a:ea typeface="微软雅黑" panose="020B0503020204020204" pitchFamily="34" charset="-122"/>
+              </a:rPr>
+              <a:t>导弹式投送系统</a:t>
+            </a:r>
+            <a:endParaRPr lang="en-US" altLang="zh-CN" sz="2400" dirty="0">
+              <a:latin typeface="微软雅黑" panose="020B0503020204020204" pitchFamily="34" charset="-122"/>
+              <a:ea typeface="微软雅黑" panose="020B0503020204020204" pitchFamily="34" charset="-122"/>
+            </a:endParaRPr>
+          </a:p>
+          <a:p>
+            <a:endParaRPr lang="en-US" sz="2400" dirty="0">
+              <a:latin typeface="微软雅黑" panose="020B0503020204020204" pitchFamily="34" charset="-122"/>
+            </a:endParaRPr>
+          </a:p>
+          <a:p>
+            <a:r>
+              <a:rPr lang="zh-CN" altLang="en-US" sz="2400" dirty="0">
+                <a:latin typeface="微软雅黑" panose="020B0503020204020204" pitchFamily="34" charset="-122"/>
+                <a:ea typeface="微软雅黑" panose="020B0503020204020204" pitchFamily="34" charset="-122"/>
+              </a:rPr>
+              <a:t>天然精准投送系统 </a:t>
+            </a:r>
+            <a:r>
+              <a:rPr lang="en-US" altLang="zh-CN" sz="2400" dirty="0">
+                <a:latin typeface="微软雅黑" panose="020B0503020204020204" pitchFamily="34" charset="-122"/>
+                <a:ea typeface="微软雅黑" panose="020B0503020204020204" pitchFamily="34" charset="-122"/>
+              </a:rPr>
+              <a:t>—— </a:t>
+            </a:r>
+            <a:r>
+              <a:rPr lang="zh-CN" altLang="en-US" sz="2400" dirty="0">
+                <a:latin typeface="微软雅黑" panose="020B0503020204020204" pitchFamily="34" charset="-122"/>
+                <a:ea typeface="微软雅黑" panose="020B0503020204020204" pitchFamily="34" charset="-122"/>
+              </a:rPr>
+              <a:t>病毒</a:t>
+            </a:r>
+            <a:endParaRPr lang="en-US" altLang="zh-CN" sz="2400" dirty="0">
+              <a:latin typeface="微软雅黑" panose="020B0503020204020204" pitchFamily="34" charset="-122"/>
+              <a:ea typeface="微软雅黑" panose="020B0503020204020204" pitchFamily="34" charset="-122"/>
+            </a:endParaRPr>
+          </a:p>
+          <a:p>
+            <a:pPr marL="342900" indent="-342900">
+              <a:buFont typeface="Arial" panose="020B0604020202020204" pitchFamily="34" charset="0"/>
+              <a:buChar char="•"/>
+            </a:pPr>
+            <a:r>
+              <a:rPr lang="zh-CN" altLang="en-US" sz="2400" dirty="0">
+                <a:latin typeface="微软雅黑" panose="020B0503020204020204" pitchFamily="34" charset="-122"/>
+                <a:ea typeface="微软雅黑" panose="020B0503020204020204" pitchFamily="34" charset="-122"/>
+              </a:rPr>
+              <a:t>绝大多数病毒都有精确到极致的细胞识别能力 </a:t>
+            </a:r>
+            <a:endParaRPr lang="en-US" altLang="zh-CN" sz="2400" dirty="0">
+              <a:latin typeface="微软雅黑" panose="020B0503020204020204" pitchFamily="34" charset="-122"/>
+              <a:ea typeface="微软雅黑" panose="020B0503020204020204" pitchFamily="34" charset="-122"/>
+            </a:endParaRPr>
+          </a:p>
+          <a:p>
+            <a:pPr marL="342900" indent="-342900">
+              <a:buFont typeface="Arial" panose="020B0604020202020204" pitchFamily="34" charset="0"/>
+              <a:buChar char="•"/>
+            </a:pPr>
+            <a:r>
+              <a:rPr lang="zh-CN" altLang="en-US" sz="2400" dirty="0">
+                <a:latin typeface="微软雅黑" panose="020B0503020204020204" pitchFamily="34" charset="-122"/>
+                <a:ea typeface="微软雅黑" panose="020B0503020204020204" pitchFamily="34" charset="-122"/>
+              </a:rPr>
+              <a:t>病毒尺寸更大，可以装更多的弹药</a:t>
+            </a:r>
+            <a:endParaRPr lang="en-US" altLang="zh-CN" sz="2400" dirty="0">
+              <a:latin typeface="微软雅黑" panose="020B0503020204020204" pitchFamily="34" charset="-122"/>
+              <a:ea typeface="微软雅黑" panose="020B0503020204020204" pitchFamily="34" charset="-122"/>
+            </a:endParaRPr>
           </a:p>
         </p:txBody>
       </p:sp>
     </p:spTree>
     <p:extLst>
       <p:ext uri="{BB962C8B-B14F-4D97-AF65-F5344CB8AC3E}">
-        <p14:creationId xmlns:p14="http://schemas.microsoft.com/office/powerpoint/2010/main" val="1159743578"/>
+        <p14:creationId xmlns:p14="http://schemas.microsoft.com/office/powerpoint/2010/main" val="3915450810"/>
       </p:ext>
     </p:extLst>
   </p:cSld>
@@ -3108,44 +3300,10 @@
       </p:grpSpPr>
       <p:sp>
         <p:nvSpPr>
-          <p:cNvPr id="10" name="标题 1">
+          <p:cNvPr id="13" name="矩形 12">
             <a:extLst>
               <a:ext uri="{FF2B5EF4-FFF2-40B4-BE49-F238E27FC236}">
-                <a16:creationId xmlns:a16="http://schemas.microsoft.com/office/drawing/2014/main" id="{395C3764-94DC-4578-919B-FE5F8A4E2872}"/>
-              </a:ext>
-            </a:extLst>
-          </p:cNvPr>
-          <p:cNvSpPr>
-            <a:spLocks noGrp="1"/>
-          </p:cNvSpPr>
-          <p:nvPr>
-            <p:ph type="ctrTitle"/>
-          </p:nvPr>
-        </p:nvSpPr>
-        <p:spPr>
-          <a:xfrm>
-            <a:off x="1524000" y="351691"/>
-            <a:ext cx="9144000" cy="1104388"/>
-          </a:xfrm>
-        </p:spPr>
-        <p:txBody>
-          <a:bodyPr/>
-          <a:lstStyle/>
-          <a:p>
-            <a:r>
-              <a:rPr lang="zh-CN" altLang="en-US" dirty="0"/>
-              <a:t>癌细胞与人体系统的关系</a:t>
-            </a:r>
-            <a:endParaRPr lang="en-US" altLang="zh-CN" dirty="0"/>
-          </a:p>
-        </p:txBody>
-      </p:sp>
-      <p:sp>
-        <p:nvSpPr>
-          <p:cNvPr id="11" name="矩形 10">
-            <a:extLst>
-              <a:ext uri="{FF2B5EF4-FFF2-40B4-BE49-F238E27FC236}">
-                <a16:creationId xmlns:a16="http://schemas.microsoft.com/office/drawing/2014/main" id="{6F4DB1D3-FAE4-4460-A3A8-85EFA6F3BFD9}"/>
+                <a16:creationId xmlns:a16="http://schemas.microsoft.com/office/drawing/2014/main" id="{7B272312-7D65-4DEE-B124-A2159470D05B}"/>
               </a:ext>
             </a:extLst>
           </p:cNvPr>
@@ -3154,66 +3312,36 @@
         </p:nvSpPr>
         <p:spPr>
           <a:xfrm>
-            <a:off x="2104534" y="1638959"/>
-            <a:ext cx="7982932" cy="461665"/>
+            <a:off x="1387018" y="2782669"/>
+            <a:ext cx="9417963" cy="646331"/>
           </a:xfrm>
           <a:prstGeom prst="rect">
             <a:avLst/>
           </a:prstGeom>
         </p:spPr>
         <p:txBody>
-          <a:bodyPr wrap="square">
+          <a:bodyPr wrap="none">
             <a:spAutoFit/>
           </a:bodyPr>
           <a:lstStyle/>
           <a:p>
             <a:r>
-              <a:rPr lang="zh-CN" altLang="en-US" sz="2400" dirty="0"/>
-              <a:t>获得支持</a:t>
-            </a:r>
-            <a:endParaRPr lang="en-US" altLang="zh-CN" sz="2400" dirty="0"/>
-          </a:p>
-        </p:txBody>
-      </p:sp>
-      <p:sp>
-        <p:nvSpPr>
-          <p:cNvPr id="4" name="矩形 3">
-            <a:extLst>
-              <a:ext uri="{FF2B5EF4-FFF2-40B4-BE49-F238E27FC236}">
-                <a16:creationId xmlns:a16="http://schemas.microsoft.com/office/drawing/2014/main" id="{79F6F926-6153-494B-9F16-A6F8B533D7FC}"/>
-              </a:ext>
-            </a:extLst>
-          </p:cNvPr>
-          <p:cNvSpPr/>
-          <p:nvPr/>
-        </p:nvSpPr>
-        <p:spPr>
-          <a:xfrm>
-            <a:off x="2104534" y="2283504"/>
-            <a:ext cx="7982932" cy="461665"/>
-          </a:xfrm>
-          <a:prstGeom prst="rect">
-            <a:avLst/>
-          </a:prstGeom>
-        </p:spPr>
-        <p:txBody>
-          <a:bodyPr wrap="square">
-            <a:spAutoFit/>
-          </a:bodyPr>
-          <a:lstStyle/>
-          <a:p>
-            <a:r>
-              <a:rPr lang="zh-CN" altLang="en-US" sz="2400" dirty="0"/>
-              <a:t>逃避追杀</a:t>
-            </a:r>
-            <a:endParaRPr lang="en-US" altLang="zh-CN" sz="2400" dirty="0"/>
+              <a:rPr lang="zh-CN" altLang="en-US" sz="3600" dirty="0">
+                <a:latin typeface="微软雅黑" panose="020B0503020204020204" pitchFamily="34" charset="-122"/>
+                <a:ea typeface="微软雅黑" panose="020B0503020204020204" pitchFamily="34" charset="-122"/>
+              </a:rPr>
+              <a:t>癌细胞与人体系统之间存在的千丝万缕的联系</a:t>
+            </a:r>
+            <a:endParaRPr lang="en-US" sz="3600" dirty="0">
+              <a:latin typeface="微软雅黑" panose="020B0503020204020204" pitchFamily="34" charset="-122"/>
+            </a:endParaRPr>
           </a:p>
         </p:txBody>
       </p:sp>
     </p:spTree>
     <p:extLst>
       <p:ext uri="{BB962C8B-B14F-4D97-AF65-F5344CB8AC3E}">
-        <p14:creationId xmlns:p14="http://schemas.microsoft.com/office/powerpoint/2010/main" val="95882270"/>
+        <p14:creationId xmlns:p14="http://schemas.microsoft.com/office/powerpoint/2010/main" val="1159743578"/>
       </p:ext>
     </p:extLst>
   </p:cSld>
@@ -3242,10 +3370,10 @@
       </p:grpSpPr>
       <p:sp>
         <p:nvSpPr>
-          <p:cNvPr id="6" name="标题 1">
+          <p:cNvPr id="10" name="标题 1">
             <a:extLst>
               <a:ext uri="{FF2B5EF4-FFF2-40B4-BE49-F238E27FC236}">
-                <a16:creationId xmlns:a16="http://schemas.microsoft.com/office/drawing/2014/main" id="{F1EF0DBE-E904-49C3-AC9C-C9EBD692C0CB}"/>
+                <a16:creationId xmlns:a16="http://schemas.microsoft.com/office/drawing/2014/main" id="{395C3764-94DC-4578-919B-FE5F8A4E2872}"/>
               </a:ext>
             </a:extLst>
           </p:cNvPr>
@@ -3258,30 +3386,28 @@
         </p:nvSpPr>
         <p:spPr>
           <a:xfrm>
-            <a:off x="1524000" y="393894"/>
+            <a:off x="1524000" y="351691"/>
             <a:ext cx="9144000" cy="1104388"/>
           </a:xfrm>
         </p:spPr>
         <p:txBody>
-          <a:bodyPr>
-            <a:normAutofit fontScale="90000"/>
-          </a:bodyPr>
+          <a:bodyPr/>
           <a:lstStyle/>
           <a:p>
             <a:r>
               <a:rPr lang="zh-CN" altLang="en-US" dirty="0"/>
-              <a:t>癌细胞获得支持的三个阶段</a:t>
-            </a:r>
-            <a:endParaRPr lang="en-US" dirty="0"/>
-          </a:p>
-        </p:txBody>
-      </p:sp>
-      <p:sp>
-        <p:nvSpPr>
-          <p:cNvPr id="7" name="矩形 6">
+              <a:t>癌细胞与人体系统的关系</a:t>
+            </a:r>
+            <a:endParaRPr lang="en-US" altLang="zh-CN" dirty="0"/>
+          </a:p>
+        </p:txBody>
+      </p:sp>
+      <p:sp>
+        <p:nvSpPr>
+          <p:cNvPr id="11" name="矩形 10">
             <a:extLst>
               <a:ext uri="{FF2B5EF4-FFF2-40B4-BE49-F238E27FC236}">
-                <a16:creationId xmlns:a16="http://schemas.microsoft.com/office/drawing/2014/main" id="{6A679D39-D81A-4F17-98A3-186782BDC64D}"/>
+                <a16:creationId xmlns:a16="http://schemas.microsoft.com/office/drawing/2014/main" id="{6F4DB1D3-FAE4-4460-A3A8-85EFA6F3BFD9}"/>
               </a:ext>
             </a:extLst>
           </p:cNvPr>
@@ -3290,41 +3416,39 @@
         </p:nvSpPr>
         <p:spPr>
           <a:xfrm>
-            <a:off x="2004956" y="1795363"/>
-            <a:ext cx="8962710" cy="461665"/>
+            <a:off x="2104534" y="1638959"/>
+            <a:ext cx="7982932" cy="461665"/>
           </a:xfrm>
           <a:prstGeom prst="rect">
             <a:avLst/>
           </a:prstGeom>
         </p:spPr>
         <p:txBody>
-          <a:bodyPr wrap="none">
+          <a:bodyPr wrap="square">
             <a:spAutoFit/>
           </a:bodyPr>
           <a:lstStyle/>
           <a:p>
             <a:r>
-              <a:rPr lang="zh-CN" altLang="en-US" sz="2400" dirty="0"/>
-              <a:t>癌细胞疯狂分裂繁殖需要人体系统的批准放行</a:t>
-            </a:r>
-            <a:r>
-              <a:rPr lang="en-US" altLang="zh-CN" sz="2400" dirty="0"/>
-              <a:t>——</a:t>
-            </a:r>
-            <a:r>
-              <a:rPr lang="zh-CN" altLang="en-US" sz="2400" dirty="0"/>
-              <a:t>“生长因子”蛋白</a:t>
-            </a:r>
-            <a:endParaRPr lang="en-US" altLang="zh-CN" sz="2400" dirty="0"/>
-          </a:p>
-        </p:txBody>
-      </p:sp>
-      <p:sp>
-        <p:nvSpPr>
-          <p:cNvPr id="8" name="矩形 7">
+              <a:rPr lang="zh-CN" altLang="en-US" sz="2400" dirty="0">
+                <a:latin typeface="微软雅黑" panose="020B0503020204020204" pitchFamily="34" charset="-122"/>
+                <a:ea typeface="微软雅黑" panose="020B0503020204020204" pitchFamily="34" charset="-122"/>
+              </a:rPr>
+              <a:t>获得支持</a:t>
+            </a:r>
+            <a:endParaRPr lang="en-US" altLang="zh-CN" sz="2400" dirty="0">
+              <a:latin typeface="微软雅黑" panose="020B0503020204020204" pitchFamily="34" charset="-122"/>
+              <a:ea typeface="微软雅黑" panose="020B0503020204020204" pitchFamily="34" charset="-122"/>
+            </a:endParaRPr>
+          </a:p>
+        </p:txBody>
+      </p:sp>
+      <p:sp>
+        <p:nvSpPr>
+          <p:cNvPr id="4" name="矩形 3">
             <a:extLst>
               <a:ext uri="{FF2B5EF4-FFF2-40B4-BE49-F238E27FC236}">
-                <a16:creationId xmlns:a16="http://schemas.microsoft.com/office/drawing/2014/main" id="{CC7339EB-DEBC-4AEF-B9B3-3607D1CA693C}"/>
+                <a16:creationId xmlns:a16="http://schemas.microsoft.com/office/drawing/2014/main" id="{79F6F926-6153-494B-9F16-A6F8B533D7FC}"/>
               </a:ext>
             </a:extLst>
           </p:cNvPr>
@@ -3333,74 +3457,37 @@
         </p:nvSpPr>
         <p:spPr>
           <a:xfrm>
-            <a:off x="2004956" y="2864961"/>
-            <a:ext cx="7821372" cy="461665"/>
+            <a:off x="2104534" y="2283504"/>
+            <a:ext cx="7982932" cy="461665"/>
           </a:xfrm>
           <a:prstGeom prst="rect">
             <a:avLst/>
           </a:prstGeom>
         </p:spPr>
         <p:txBody>
-          <a:bodyPr wrap="none">
+          <a:bodyPr wrap="square">
             <a:spAutoFit/>
           </a:bodyPr>
           <a:lstStyle/>
           <a:p>
             <a:r>
-              <a:rPr lang="zh-CN" altLang="en-US" sz="2400" dirty="0"/>
-              <a:t>肿瘤的快速生长需要人体血管系统的支持</a:t>
-            </a:r>
-            <a:r>
-              <a:rPr lang="en-US" altLang="zh-CN" sz="2400" dirty="0"/>
-              <a:t>——</a:t>
-            </a:r>
-            <a:r>
-              <a:rPr lang="zh-CN" altLang="en-US" sz="2400" dirty="0"/>
-              <a:t>养料和氧气</a:t>
-            </a:r>
-            <a:endParaRPr lang="en-US" altLang="zh-CN" sz="2400" dirty="0"/>
-          </a:p>
-        </p:txBody>
-      </p:sp>
-      <p:sp>
-        <p:nvSpPr>
-          <p:cNvPr id="9" name="矩形 8">
-            <a:extLst>
-              <a:ext uri="{FF2B5EF4-FFF2-40B4-BE49-F238E27FC236}">
-                <a16:creationId xmlns:a16="http://schemas.microsoft.com/office/drawing/2014/main" id="{13F62A95-E56D-4115-8929-B080A20E210C}"/>
-              </a:ext>
-            </a:extLst>
-          </p:cNvPr>
-          <p:cNvSpPr/>
-          <p:nvPr/>
-        </p:nvSpPr>
-        <p:spPr>
-          <a:xfrm>
-            <a:off x="2004956" y="3934560"/>
-            <a:ext cx="5724644" cy="461665"/>
-          </a:xfrm>
-          <a:prstGeom prst="rect">
-            <a:avLst/>
-          </a:prstGeom>
-        </p:spPr>
-        <p:txBody>
-          <a:bodyPr wrap="none">
-            <a:spAutoFit/>
-          </a:bodyPr>
-          <a:lstStyle/>
-          <a:p>
-            <a:r>
-              <a:rPr lang="zh-CN" altLang="en-US" sz="2400" dirty="0"/>
-              <a:t>癌症的转移和扩散也需要人体系统的支持</a:t>
-            </a:r>
-            <a:endParaRPr lang="en-US" altLang="zh-CN" sz="2400" dirty="0"/>
+              <a:rPr lang="zh-CN" altLang="en-US" sz="2400" dirty="0">
+                <a:latin typeface="微软雅黑" panose="020B0503020204020204" pitchFamily="34" charset="-122"/>
+                <a:ea typeface="微软雅黑" panose="020B0503020204020204" pitchFamily="34" charset="-122"/>
+              </a:rPr>
+              <a:t>逃避追杀</a:t>
+            </a:r>
+            <a:endParaRPr lang="en-US" altLang="zh-CN" sz="2400" dirty="0">
+              <a:latin typeface="微软雅黑" panose="020B0503020204020204" pitchFamily="34" charset="-122"/>
+              <a:ea typeface="微软雅黑" panose="020B0503020204020204" pitchFamily="34" charset="-122"/>
+            </a:endParaRPr>
           </a:p>
         </p:txBody>
       </p:sp>
     </p:spTree>
     <p:extLst>
       <p:ext uri="{BB962C8B-B14F-4D97-AF65-F5344CB8AC3E}">
-        <p14:creationId xmlns:p14="http://schemas.microsoft.com/office/powerpoint/2010/main" val="3372511755"/>
+        <p14:creationId xmlns:p14="http://schemas.microsoft.com/office/powerpoint/2010/main" val="95882270"/>
       </p:ext>
     </p:extLst>
   </p:cSld>
@@ -3429,10 +3516,10 @@
       </p:grpSpPr>
       <p:sp>
         <p:nvSpPr>
-          <p:cNvPr id="10" name="标题 1">
+          <p:cNvPr id="6" name="标题 1">
             <a:extLst>
               <a:ext uri="{FF2B5EF4-FFF2-40B4-BE49-F238E27FC236}">
-                <a16:creationId xmlns:a16="http://schemas.microsoft.com/office/drawing/2014/main" id="{633004BE-CEE6-4EDD-970A-15A6903C108E}"/>
+                <a16:creationId xmlns:a16="http://schemas.microsoft.com/office/drawing/2014/main" id="{F1EF0DBE-E904-49C3-AC9C-C9EBD692C0CB}"/>
               </a:ext>
             </a:extLst>
           </p:cNvPr>
@@ -3445,7 +3532,7 @@
         </p:nvSpPr>
         <p:spPr>
           <a:xfrm>
-            <a:off x="1524000" y="604837"/>
+            <a:off x="1524000" y="393894"/>
             <a:ext cx="9144000" cy="1104388"/>
           </a:xfrm>
         </p:spPr>
@@ -3457,7 +3544,7 @@
           <a:p>
             <a:r>
               <a:rPr lang="zh-CN" altLang="en-US" dirty="0"/>
-              <a:t>免疫疗法：如何唤醒免疫系统追杀癌症</a:t>
+              <a:t>癌细胞获得支持的三个阶段</a:t>
             </a:r>
             <a:endParaRPr lang="en-US" dirty="0"/>
           </a:p>
@@ -3465,10 +3552,10 @@
       </p:sp>
       <p:sp>
         <p:nvSpPr>
-          <p:cNvPr id="11" name="矩形 10">
+          <p:cNvPr id="7" name="矩形 6">
             <a:extLst>
               <a:ext uri="{FF2B5EF4-FFF2-40B4-BE49-F238E27FC236}">
-                <a16:creationId xmlns:a16="http://schemas.microsoft.com/office/drawing/2014/main" id="{9F9D2A86-B300-48F6-86DB-87B0A3B181F9}"/>
+                <a16:creationId xmlns:a16="http://schemas.microsoft.com/office/drawing/2014/main" id="{6A679D39-D81A-4F17-98A3-186782BDC64D}"/>
               </a:ext>
             </a:extLst>
           </p:cNvPr>
@@ -3477,8 +3564,8 @@
         </p:nvSpPr>
         <p:spPr>
           <a:xfrm>
-            <a:off x="2008054" y="1794135"/>
-            <a:ext cx="2339102" cy="461665"/>
+            <a:off x="2004956" y="2099329"/>
+            <a:ext cx="9466053" cy="461665"/>
           </a:xfrm>
           <a:prstGeom prst="rect">
             <a:avLst/>
@@ -3491,19 +3578,39 @@
           <a:lstStyle/>
           <a:p>
             <a:r>
-              <a:rPr lang="zh-CN" altLang="en-US" sz="2400" dirty="0"/>
-              <a:t>人体的免疫系统</a:t>
-            </a:r>
-            <a:endParaRPr lang="en-US" altLang="zh-CN" sz="2400" dirty="0"/>
-          </a:p>
-        </p:txBody>
-      </p:sp>
-      <p:sp>
-        <p:nvSpPr>
-          <p:cNvPr id="12" name="矩形 11">
+              <a:rPr lang="zh-CN" altLang="en-US" sz="2400" dirty="0">
+                <a:latin typeface="微软雅黑" panose="020B0503020204020204" pitchFamily="34" charset="-122"/>
+                <a:ea typeface="微软雅黑" panose="020B0503020204020204" pitchFamily="34" charset="-122"/>
+              </a:rPr>
+              <a:t>癌细胞疯狂分裂繁殖需要人体系统的批准放行</a:t>
+            </a:r>
+            <a:r>
+              <a:rPr lang="en-US" altLang="zh-CN" sz="2400" dirty="0">
+                <a:latin typeface="微软雅黑" panose="020B0503020204020204" pitchFamily="34" charset="-122"/>
+                <a:ea typeface="微软雅黑" panose="020B0503020204020204" pitchFamily="34" charset="-122"/>
+              </a:rPr>
+              <a:t>——</a:t>
+            </a:r>
+            <a:r>
+              <a:rPr lang="zh-CN" altLang="en-US" sz="2400" dirty="0">
+                <a:latin typeface="微软雅黑" panose="020B0503020204020204" pitchFamily="34" charset="-122"/>
+                <a:ea typeface="微软雅黑" panose="020B0503020204020204" pitchFamily="34" charset="-122"/>
+              </a:rPr>
+              <a:t>“生长因子”蛋白</a:t>
+            </a:r>
+            <a:endParaRPr lang="en-US" altLang="zh-CN" sz="2400" dirty="0">
+              <a:latin typeface="微软雅黑" panose="020B0503020204020204" pitchFamily="34" charset="-122"/>
+              <a:ea typeface="微软雅黑" panose="020B0503020204020204" pitchFamily="34" charset="-122"/>
+            </a:endParaRPr>
+          </a:p>
+        </p:txBody>
+      </p:sp>
+      <p:sp>
+        <p:nvSpPr>
+          <p:cNvPr id="8" name="矩形 7">
             <a:extLst>
               <a:ext uri="{FF2B5EF4-FFF2-40B4-BE49-F238E27FC236}">
-                <a16:creationId xmlns:a16="http://schemas.microsoft.com/office/drawing/2014/main" id="{AAF37E99-A88B-42C1-A887-47E8C8E5D64B}"/>
+                <a16:creationId xmlns:a16="http://schemas.microsoft.com/office/drawing/2014/main" id="{CC7339EB-DEBC-4AEF-B9B3-3607D1CA693C}"/>
               </a:ext>
             </a:extLst>
           </p:cNvPr>
@@ -3512,8 +3619,8 @@
         </p:nvSpPr>
         <p:spPr>
           <a:xfrm>
-            <a:off x="2008054" y="3534664"/>
-            <a:ext cx="3877985" cy="461665"/>
+            <a:off x="2004956" y="2864961"/>
+            <a:ext cx="7927170" cy="461665"/>
           </a:xfrm>
           <a:prstGeom prst="rect">
             <a:avLst/>
@@ -3526,19 +3633,39 @@
           <a:lstStyle/>
           <a:p>
             <a:r>
-              <a:rPr lang="zh-CN" altLang="en-US" sz="2400" dirty="0"/>
-              <a:t>癌细胞如何巧妙地逃避追杀</a:t>
-            </a:r>
-            <a:endParaRPr lang="en-US" altLang="zh-CN" sz="2400" dirty="0"/>
-          </a:p>
-        </p:txBody>
-      </p:sp>
-      <p:sp>
-        <p:nvSpPr>
-          <p:cNvPr id="13" name="矩形 12">
+              <a:rPr lang="zh-CN" altLang="en-US" sz="2400" dirty="0">
+                <a:latin typeface="微软雅黑" panose="020B0503020204020204" pitchFamily="34" charset="-122"/>
+                <a:ea typeface="微软雅黑" panose="020B0503020204020204" pitchFamily="34" charset="-122"/>
+              </a:rPr>
+              <a:t>肿瘤的快速生长需要人体血管系统的支持</a:t>
+            </a:r>
+            <a:r>
+              <a:rPr lang="en-US" altLang="zh-CN" sz="2400" dirty="0">
+                <a:latin typeface="微软雅黑" panose="020B0503020204020204" pitchFamily="34" charset="-122"/>
+                <a:ea typeface="微软雅黑" panose="020B0503020204020204" pitchFamily="34" charset="-122"/>
+              </a:rPr>
+              <a:t>——</a:t>
+            </a:r>
+            <a:r>
+              <a:rPr lang="zh-CN" altLang="en-US" sz="2400" dirty="0">
+                <a:latin typeface="微软雅黑" panose="020B0503020204020204" pitchFamily="34" charset="-122"/>
+                <a:ea typeface="微软雅黑" panose="020B0503020204020204" pitchFamily="34" charset="-122"/>
+              </a:rPr>
+              <a:t>养料和氧气</a:t>
+            </a:r>
+            <a:endParaRPr lang="en-US" altLang="zh-CN" sz="2400" dirty="0">
+              <a:latin typeface="微软雅黑" panose="020B0503020204020204" pitchFamily="34" charset="-122"/>
+              <a:ea typeface="微软雅黑" panose="020B0503020204020204" pitchFamily="34" charset="-122"/>
+            </a:endParaRPr>
+          </a:p>
+        </p:txBody>
+      </p:sp>
+      <p:sp>
+        <p:nvSpPr>
+          <p:cNvPr id="9" name="矩形 8">
             <a:extLst>
               <a:ext uri="{FF2B5EF4-FFF2-40B4-BE49-F238E27FC236}">
-                <a16:creationId xmlns:a16="http://schemas.microsoft.com/office/drawing/2014/main" id="{68D6B245-4899-40CC-950A-91EB02DA8D69}"/>
+                <a16:creationId xmlns:a16="http://schemas.microsoft.com/office/drawing/2014/main" id="{13F62A95-E56D-4115-8929-B080A20E210C}"/>
               </a:ext>
             </a:extLst>
           </p:cNvPr>
@@ -3547,8 +3674,8 @@
         </p:nvSpPr>
         <p:spPr>
           <a:xfrm>
-            <a:off x="2354303" y="2360505"/>
-            <a:ext cx="2339102" cy="461665"/>
+            <a:off x="2004956" y="3630593"/>
+            <a:ext cx="5724644" cy="461665"/>
           </a:xfrm>
           <a:prstGeom prst="rect">
             <a:avLst/>
@@ -3561,212 +3688,23 @@
           <a:lstStyle/>
           <a:p>
             <a:r>
-              <a:rPr lang="zh-CN" altLang="en-US" sz="2400" dirty="0"/>
-              <a:t>杀伤一切外来者</a:t>
-            </a:r>
-            <a:endParaRPr lang="en-US" altLang="zh-CN" sz="2400" dirty="0"/>
-          </a:p>
-        </p:txBody>
-      </p:sp>
-      <p:sp>
-        <p:nvSpPr>
-          <p:cNvPr id="14" name="矩形 13">
-            <a:extLst>
-              <a:ext uri="{FF2B5EF4-FFF2-40B4-BE49-F238E27FC236}">
-                <a16:creationId xmlns:a16="http://schemas.microsoft.com/office/drawing/2014/main" id="{9C20809E-BAAC-4F8D-94FE-0A42218E0251}"/>
-              </a:ext>
-            </a:extLst>
-          </p:cNvPr>
-          <p:cNvSpPr/>
-          <p:nvPr/>
-        </p:nvSpPr>
-        <p:spPr>
-          <a:xfrm>
-            <a:off x="2354303" y="2926875"/>
-            <a:ext cx="2954655" cy="461665"/>
-          </a:xfrm>
-          <a:prstGeom prst="rect">
-            <a:avLst/>
-          </a:prstGeom>
-        </p:spPr>
-        <p:txBody>
-          <a:bodyPr wrap="none">
-            <a:spAutoFit/>
-          </a:bodyPr>
-          <a:lstStyle/>
-          <a:p>
-            <a:r>
-              <a:rPr lang="zh-CN" altLang="en-US" sz="2400" dirty="0"/>
-              <a:t>自带刹车，认清敌友</a:t>
-            </a:r>
-            <a:endParaRPr lang="en-US" altLang="zh-CN" sz="2400" dirty="0"/>
-          </a:p>
-        </p:txBody>
-      </p:sp>
-      <p:sp>
-        <p:nvSpPr>
-          <p:cNvPr id="15" name="矩形 14">
-            <a:extLst>
-              <a:ext uri="{FF2B5EF4-FFF2-40B4-BE49-F238E27FC236}">
-                <a16:creationId xmlns:a16="http://schemas.microsoft.com/office/drawing/2014/main" id="{B7F22F70-A96F-4F52-B371-A137253EF3A5}"/>
-              </a:ext>
-            </a:extLst>
-          </p:cNvPr>
-          <p:cNvSpPr/>
-          <p:nvPr/>
-        </p:nvSpPr>
-        <p:spPr>
-          <a:xfrm>
-            <a:off x="2354303" y="4046145"/>
-            <a:ext cx="3531736" cy="461665"/>
-          </a:xfrm>
-          <a:prstGeom prst="rect">
-            <a:avLst/>
-          </a:prstGeom>
-        </p:spPr>
-        <p:txBody>
-          <a:bodyPr wrap="square">
-            <a:spAutoFit/>
-          </a:bodyPr>
-          <a:lstStyle/>
-          <a:p>
-            <a:r>
-              <a:rPr lang="zh-CN" altLang="en-US" sz="2400" dirty="0"/>
-              <a:t>踩刹车 </a:t>
-            </a:r>
-            <a:r>
-              <a:rPr lang="en-US" altLang="zh-CN" sz="2400" dirty="0"/>
-              <a:t>——</a:t>
-            </a:r>
-            <a:r>
-              <a:rPr lang="zh-CN" altLang="en-US" sz="2400" dirty="0"/>
-              <a:t>保护刹车</a:t>
-            </a:r>
-            <a:endParaRPr lang="en-US" altLang="zh-CN" sz="2400" dirty="0"/>
-          </a:p>
-        </p:txBody>
-      </p:sp>
-      <p:sp>
-        <p:nvSpPr>
-          <p:cNvPr id="16" name="矩形 15">
-            <a:extLst>
-              <a:ext uri="{FF2B5EF4-FFF2-40B4-BE49-F238E27FC236}">
-                <a16:creationId xmlns:a16="http://schemas.microsoft.com/office/drawing/2014/main" id="{CB79A0BD-1093-40BD-AC39-50E6D1215B73}"/>
-              </a:ext>
-            </a:extLst>
-          </p:cNvPr>
-          <p:cNvSpPr/>
-          <p:nvPr/>
-        </p:nvSpPr>
-        <p:spPr>
-          <a:xfrm>
-            <a:off x="2354303" y="4647609"/>
-            <a:ext cx="4326826" cy="461665"/>
-          </a:xfrm>
-          <a:prstGeom prst="rect">
-            <a:avLst/>
-          </a:prstGeom>
-        </p:spPr>
-        <p:txBody>
-          <a:bodyPr wrap="none">
-            <a:spAutoFit/>
-          </a:bodyPr>
-          <a:lstStyle/>
-          <a:p>
-            <a:r>
-              <a:rPr lang="zh-CN" altLang="en-US" sz="2400" dirty="0"/>
-              <a:t>伪装</a:t>
-            </a:r>
-            <a:r>
-              <a:rPr lang="en-US" altLang="zh-CN" sz="2400" dirty="0"/>
-              <a:t>  MHC</a:t>
-            </a:r>
-            <a:r>
-              <a:rPr lang="zh-CN" altLang="en-US" sz="2400" dirty="0"/>
-              <a:t>，绑在胳臂上的毛巾</a:t>
-            </a:r>
-            <a:endParaRPr lang="en-US" altLang="zh-CN" sz="2400" dirty="0"/>
-          </a:p>
-        </p:txBody>
-      </p:sp>
-      <p:sp>
-        <p:nvSpPr>
-          <p:cNvPr id="17" name="矩形 16">
-            <a:extLst>
-              <a:ext uri="{FF2B5EF4-FFF2-40B4-BE49-F238E27FC236}">
-                <a16:creationId xmlns:a16="http://schemas.microsoft.com/office/drawing/2014/main" id="{D4D7D3A9-DBB8-4CC8-BA5B-BFFF8F5E5C6B}"/>
-              </a:ext>
-            </a:extLst>
-          </p:cNvPr>
-          <p:cNvSpPr/>
-          <p:nvPr/>
-        </p:nvSpPr>
-        <p:spPr>
-          <a:xfrm>
-            <a:off x="2599641" y="5249073"/>
-            <a:ext cx="9386034" cy="830997"/>
-          </a:xfrm>
-          <a:prstGeom prst="rect">
-            <a:avLst/>
-          </a:prstGeom>
-        </p:spPr>
-        <p:txBody>
-          <a:bodyPr wrap="square">
-            <a:spAutoFit/>
-          </a:bodyPr>
-          <a:lstStyle/>
-          <a:p>
-            <a:r>
-              <a:rPr lang="en-US" altLang="zh-CN" sz="2400" dirty="0"/>
-              <a:t>CAR-T, </a:t>
-            </a:r>
-            <a:r>
-              <a:rPr lang="zh-CN" altLang="en-US" sz="2400" dirty="0"/>
-              <a:t>教会免疫系统用其他方式识别癌细胞，特殊性强，容易误伤正常细胞</a:t>
-            </a:r>
-            <a:endParaRPr lang="en-US" altLang="zh-CN" sz="2400" dirty="0"/>
-          </a:p>
-        </p:txBody>
-      </p:sp>
-      <p:sp>
-        <p:nvSpPr>
-          <p:cNvPr id="18" name="矩形 17">
-            <a:extLst>
-              <a:ext uri="{FF2B5EF4-FFF2-40B4-BE49-F238E27FC236}">
-                <a16:creationId xmlns:a16="http://schemas.microsoft.com/office/drawing/2014/main" id="{920C6693-58FF-4541-8BD7-297FCAE906B4}"/>
-              </a:ext>
-            </a:extLst>
-          </p:cNvPr>
-          <p:cNvSpPr/>
-          <p:nvPr/>
-        </p:nvSpPr>
-        <p:spPr>
-          <a:xfrm>
-            <a:off x="2599641" y="6080070"/>
-            <a:ext cx="6032421" cy="461665"/>
-          </a:xfrm>
-          <a:prstGeom prst="rect">
-            <a:avLst/>
-          </a:prstGeom>
-        </p:spPr>
-        <p:txBody>
-          <a:bodyPr wrap="none">
-            <a:spAutoFit/>
-          </a:bodyPr>
-          <a:lstStyle/>
-          <a:p>
-            <a:r>
-              <a:rPr lang="zh-CN" altLang="en-US" sz="2400" dirty="0"/>
-              <a:t>个性化癌症疫苗，让癌细胞的蛋白呈现出来</a:t>
-            </a:r>
-            <a:endParaRPr lang="en-US" altLang="zh-CN" sz="2400" dirty="0"/>
+              <a:rPr lang="zh-CN" altLang="en-US" sz="2400" dirty="0">
+                <a:latin typeface="微软雅黑" panose="020B0503020204020204" pitchFamily="34" charset="-122"/>
+                <a:ea typeface="微软雅黑" panose="020B0503020204020204" pitchFamily="34" charset="-122"/>
+              </a:rPr>
+              <a:t>癌症的转移和扩散也需要人体系统的支持</a:t>
+            </a:r>
+            <a:endParaRPr lang="en-US" altLang="zh-CN" sz="2400" dirty="0">
+              <a:latin typeface="微软雅黑" panose="020B0503020204020204" pitchFamily="34" charset="-122"/>
+              <a:ea typeface="微软雅黑" panose="020B0503020204020204" pitchFamily="34" charset="-122"/>
+            </a:endParaRPr>
           </a:p>
         </p:txBody>
       </p:sp>
     </p:spTree>
     <p:extLst>
       <p:ext uri="{BB962C8B-B14F-4D97-AF65-F5344CB8AC3E}">
-        <p14:creationId xmlns:p14="http://schemas.microsoft.com/office/powerpoint/2010/main" val="2837633565"/>
+        <p14:creationId xmlns:p14="http://schemas.microsoft.com/office/powerpoint/2010/main" val="3372511755"/>
       </p:ext>
     </p:extLst>
   </p:cSld>
@@ -3795,10 +3733,10 @@
       </p:grpSpPr>
       <p:sp>
         <p:nvSpPr>
-          <p:cNvPr id="19" name="标题 1">
+          <p:cNvPr id="10" name="标题 1">
             <a:extLst>
               <a:ext uri="{FF2B5EF4-FFF2-40B4-BE49-F238E27FC236}">
-                <a16:creationId xmlns:a16="http://schemas.microsoft.com/office/drawing/2014/main" id="{2DF9121E-4C4A-4772-ADF8-F5DAC8D6F695}"/>
+                <a16:creationId xmlns:a16="http://schemas.microsoft.com/office/drawing/2014/main" id="{633004BE-CEE6-4EDD-970A-15A6903C108E}"/>
               </a:ext>
             </a:extLst>
           </p:cNvPr>
@@ -3811,19 +3749,19 @@
         </p:nvSpPr>
         <p:spPr>
           <a:xfrm>
-            <a:off x="1524000" y="805567"/>
+            <a:off x="1524000" y="378283"/>
             <a:ext cx="9144000" cy="1104388"/>
           </a:xfrm>
         </p:spPr>
         <p:txBody>
           <a:bodyPr>
-            <a:normAutofit fontScale="90000"/>
+            <a:normAutofit/>
           </a:bodyPr>
           <a:lstStyle/>
           <a:p>
             <a:r>
               <a:rPr lang="zh-CN" altLang="en-US" dirty="0"/>
-              <a:t>预测、预防、预警：把癌症提前关进笼子</a:t>
+              <a:t>免疫疗法：唤醒免疫系统</a:t>
             </a:r>
             <a:endParaRPr lang="en-US" dirty="0"/>
           </a:p>
@@ -3831,10 +3769,10 @@
       </p:sp>
       <p:sp>
         <p:nvSpPr>
-          <p:cNvPr id="20" name="矩形 19">
+          <p:cNvPr id="11" name="矩形 10">
             <a:extLst>
               <a:ext uri="{FF2B5EF4-FFF2-40B4-BE49-F238E27FC236}">
-                <a16:creationId xmlns:a16="http://schemas.microsoft.com/office/drawing/2014/main" id="{CA43A220-9EDA-4DAF-9782-6C8686F19CFC}"/>
+                <a16:creationId xmlns:a16="http://schemas.microsoft.com/office/drawing/2014/main" id="{9F9D2A86-B300-48F6-86DB-87B0A3B181F9}"/>
               </a:ext>
             </a:extLst>
           </p:cNvPr>
@@ -3843,8 +3781,8 @@
         </p:nvSpPr>
         <p:spPr>
           <a:xfrm>
-            <a:off x="2004956" y="2245534"/>
-            <a:ext cx="2031325" cy="461665"/>
+            <a:off x="2008054" y="1794135"/>
+            <a:ext cx="2339102" cy="461665"/>
           </a:xfrm>
           <a:prstGeom prst="rect">
             <a:avLst/>
@@ -3857,19 +3795,25 @@
           <a:lstStyle/>
           <a:p>
             <a:r>
-              <a:rPr lang="zh-CN" altLang="en-US" sz="2400" dirty="0"/>
-              <a:t>安吉丽娜朱莉</a:t>
-            </a:r>
-            <a:endParaRPr lang="en-US" altLang="zh-CN" sz="2400" dirty="0"/>
-          </a:p>
-        </p:txBody>
-      </p:sp>
-      <p:sp>
-        <p:nvSpPr>
-          <p:cNvPr id="21" name="矩形 20">
+              <a:rPr lang="zh-CN" altLang="en-US" sz="2400" dirty="0">
+                <a:latin typeface="微软雅黑" panose="020B0503020204020204" pitchFamily="34" charset="-122"/>
+                <a:ea typeface="微软雅黑" panose="020B0503020204020204" pitchFamily="34" charset="-122"/>
+              </a:rPr>
+              <a:t>人体的免疫系统</a:t>
+            </a:r>
+            <a:endParaRPr lang="en-US" altLang="zh-CN" sz="2400" dirty="0">
+              <a:latin typeface="微软雅黑" panose="020B0503020204020204" pitchFamily="34" charset="-122"/>
+              <a:ea typeface="微软雅黑" panose="020B0503020204020204" pitchFamily="34" charset="-122"/>
+            </a:endParaRPr>
+          </a:p>
+        </p:txBody>
+      </p:sp>
+      <p:sp>
+        <p:nvSpPr>
+          <p:cNvPr id="12" name="矩形 11">
             <a:extLst>
               <a:ext uri="{FF2B5EF4-FFF2-40B4-BE49-F238E27FC236}">
-                <a16:creationId xmlns:a16="http://schemas.microsoft.com/office/drawing/2014/main" id="{B71F961E-0A34-41CF-A4D8-845E3E43C5C3}"/>
+                <a16:creationId xmlns:a16="http://schemas.microsoft.com/office/drawing/2014/main" id="{AAF37E99-A88B-42C1-A887-47E8C8E5D64B}"/>
               </a:ext>
             </a:extLst>
           </p:cNvPr>
@@ -3878,8 +3822,8 @@
         </p:nvSpPr>
         <p:spPr>
           <a:xfrm>
-            <a:off x="2004956" y="3042777"/>
-            <a:ext cx="4185761" cy="461665"/>
+            <a:off x="2008054" y="3534664"/>
+            <a:ext cx="3877985" cy="461665"/>
           </a:xfrm>
           <a:prstGeom prst="rect">
             <a:avLst/>
@@ -3892,19 +3836,25 @@
           <a:lstStyle/>
           <a:p>
             <a:r>
-              <a:rPr lang="zh-CN" altLang="en-US" sz="2400" dirty="0"/>
-              <a:t>基因突变：癌细胞产生的原因</a:t>
-            </a:r>
-            <a:endParaRPr lang="en-US" altLang="zh-CN" sz="2400" dirty="0"/>
-          </a:p>
-        </p:txBody>
-      </p:sp>
-      <p:sp>
-        <p:nvSpPr>
-          <p:cNvPr id="22" name="矩形 21">
+              <a:rPr lang="zh-CN" altLang="en-US" sz="2400" dirty="0">
+                <a:latin typeface="微软雅黑" panose="020B0503020204020204" pitchFamily="34" charset="-122"/>
+                <a:ea typeface="微软雅黑" panose="020B0503020204020204" pitchFamily="34" charset="-122"/>
+              </a:rPr>
+              <a:t>癌细胞如何巧妙地逃避追杀</a:t>
+            </a:r>
+            <a:endParaRPr lang="en-US" altLang="zh-CN" sz="2400" dirty="0">
+              <a:latin typeface="微软雅黑" panose="020B0503020204020204" pitchFamily="34" charset="-122"/>
+              <a:ea typeface="微软雅黑" panose="020B0503020204020204" pitchFamily="34" charset="-122"/>
+            </a:endParaRPr>
+          </a:p>
+        </p:txBody>
+      </p:sp>
+      <p:sp>
+        <p:nvSpPr>
+          <p:cNvPr id="13" name="矩形 12">
             <a:extLst>
               <a:ext uri="{FF2B5EF4-FFF2-40B4-BE49-F238E27FC236}">
-                <a16:creationId xmlns:a16="http://schemas.microsoft.com/office/drawing/2014/main" id="{2D26C9FB-3DF1-4BF3-98CA-6FA4DB463663}"/>
+                <a16:creationId xmlns:a16="http://schemas.microsoft.com/office/drawing/2014/main" id="{68D6B245-4899-40CC-950A-91EB02DA8D69}"/>
               </a:ext>
             </a:extLst>
           </p:cNvPr>
@@ -3913,8 +3863,8 @@
         </p:nvSpPr>
         <p:spPr>
           <a:xfrm>
-            <a:off x="2004956" y="3840021"/>
-            <a:ext cx="4185761" cy="461665"/>
+            <a:off x="2354303" y="2360505"/>
+            <a:ext cx="2685351" cy="461665"/>
           </a:xfrm>
           <a:prstGeom prst="rect">
             <a:avLst/>
@@ -3926,20 +3876,30 @@
           </a:bodyPr>
           <a:lstStyle/>
           <a:p>
-            <a:r>
-              <a:rPr lang="zh-CN" altLang="en-US" sz="2400" dirty="0"/>
-              <a:t>早起预警：打击弱小的癌细胞</a:t>
-            </a:r>
-            <a:endParaRPr lang="en-US" altLang="zh-CN" sz="2400" dirty="0"/>
-          </a:p>
-        </p:txBody>
-      </p:sp>
-      <p:sp>
-        <p:nvSpPr>
-          <p:cNvPr id="23" name="矩形 22">
+            <a:pPr marL="342900" indent="-342900">
+              <a:buFont typeface="Arial" panose="020B0604020202020204" pitchFamily="34" charset="0"/>
+              <a:buChar char="•"/>
+            </a:pPr>
+            <a:r>
+              <a:rPr lang="zh-CN" altLang="en-US" sz="2400" dirty="0">
+                <a:latin typeface="微软雅黑" panose="020B0503020204020204" pitchFamily="34" charset="-122"/>
+                <a:ea typeface="微软雅黑" panose="020B0503020204020204" pitchFamily="34" charset="-122"/>
+              </a:rPr>
+              <a:t>杀伤一切外来者</a:t>
+            </a:r>
+            <a:endParaRPr lang="en-US" altLang="zh-CN" sz="2400" dirty="0">
+              <a:latin typeface="微软雅黑" panose="020B0503020204020204" pitchFamily="34" charset="-122"/>
+              <a:ea typeface="微软雅黑" panose="020B0503020204020204" pitchFamily="34" charset="-122"/>
+            </a:endParaRPr>
+          </a:p>
+        </p:txBody>
+      </p:sp>
+      <p:sp>
+        <p:nvSpPr>
+          <p:cNvPr id="14" name="矩形 13">
             <a:extLst>
               <a:ext uri="{FF2B5EF4-FFF2-40B4-BE49-F238E27FC236}">
-                <a16:creationId xmlns:a16="http://schemas.microsoft.com/office/drawing/2014/main" id="{1F0D2810-739C-4BFE-A966-B24106B0AF8E}"/>
+                <a16:creationId xmlns:a16="http://schemas.microsoft.com/office/drawing/2014/main" id="{9C20809E-BAAC-4F8D-94FE-0A42218E0251}"/>
               </a:ext>
             </a:extLst>
           </p:cNvPr>
@@ -3948,38 +3908,248 @@
         </p:nvSpPr>
         <p:spPr>
           <a:xfrm>
-            <a:off x="2004956" y="4752225"/>
-            <a:ext cx="9614958" cy="830997"/>
+            <a:off x="2354303" y="2926875"/>
+            <a:ext cx="3300904" cy="461665"/>
           </a:xfrm>
           <a:prstGeom prst="rect">
             <a:avLst/>
           </a:prstGeom>
         </p:spPr>
         <p:txBody>
+          <a:bodyPr wrap="none">
+            <a:spAutoFit/>
+          </a:bodyPr>
+          <a:lstStyle/>
+          <a:p>
+            <a:pPr marL="342900" indent="-342900">
+              <a:buFont typeface="Arial" panose="020B0604020202020204" pitchFamily="34" charset="0"/>
+              <a:buChar char="•"/>
+            </a:pPr>
+            <a:r>
+              <a:rPr lang="zh-CN" altLang="en-US" sz="2400" dirty="0">
+                <a:latin typeface="微软雅黑" panose="020B0503020204020204" pitchFamily="34" charset="-122"/>
+                <a:ea typeface="微软雅黑" panose="020B0503020204020204" pitchFamily="34" charset="-122"/>
+              </a:rPr>
+              <a:t>自带刹车，认清敌友</a:t>
+            </a:r>
+            <a:endParaRPr lang="en-US" altLang="zh-CN" sz="2400" dirty="0">
+              <a:latin typeface="微软雅黑" panose="020B0503020204020204" pitchFamily="34" charset="-122"/>
+              <a:ea typeface="微软雅黑" panose="020B0503020204020204" pitchFamily="34" charset="-122"/>
+            </a:endParaRPr>
+          </a:p>
+        </p:txBody>
+      </p:sp>
+      <p:sp>
+        <p:nvSpPr>
+          <p:cNvPr id="15" name="矩形 14">
+            <a:extLst>
+              <a:ext uri="{FF2B5EF4-FFF2-40B4-BE49-F238E27FC236}">
+                <a16:creationId xmlns:a16="http://schemas.microsoft.com/office/drawing/2014/main" id="{B7F22F70-A96F-4F52-B371-A137253EF3A5}"/>
+              </a:ext>
+            </a:extLst>
+          </p:cNvPr>
+          <p:cNvSpPr/>
+          <p:nvPr/>
+        </p:nvSpPr>
+        <p:spPr>
+          <a:xfrm>
+            <a:off x="2354303" y="4046145"/>
+            <a:ext cx="3531736" cy="461665"/>
+          </a:xfrm>
+          <a:prstGeom prst="rect">
+            <a:avLst/>
+          </a:prstGeom>
+        </p:spPr>
+        <p:txBody>
           <a:bodyPr wrap="square">
             <a:spAutoFit/>
           </a:bodyPr>
           <a:lstStyle/>
           <a:p>
-            <a:r>
-              <a:rPr lang="zh-CN" altLang="en-US" sz="2400" dirty="0"/>
-              <a:t>预测和预防：降低癌症出现概率</a:t>
-            </a:r>
-            <a:endParaRPr lang="en-US" altLang="zh-CN" sz="2400" dirty="0"/>
-          </a:p>
-          <a:p>
-            <a:r>
-              <a:rPr lang="zh-CN" altLang="en-US" sz="2400" dirty="0"/>
-              <a:t>烟、酒、咸鱼、泡菜和空气污染</a:t>
-            </a:r>
-            <a:endParaRPr lang="en-US" altLang="zh-CN" sz="2400" dirty="0"/>
+            <a:pPr marL="342900" indent="-342900">
+              <a:buFont typeface="Arial" panose="020B0604020202020204" pitchFamily="34" charset="0"/>
+              <a:buChar char="•"/>
+            </a:pPr>
+            <a:r>
+              <a:rPr lang="zh-CN" altLang="en-US" sz="2400" dirty="0">
+                <a:latin typeface="微软雅黑" panose="020B0503020204020204" pitchFamily="34" charset="-122"/>
+                <a:ea typeface="微软雅黑" panose="020B0503020204020204" pitchFamily="34" charset="-122"/>
+              </a:rPr>
+              <a:t>踩刹车 </a:t>
+            </a:r>
+            <a:r>
+              <a:rPr lang="en-US" altLang="zh-CN" sz="2400" dirty="0">
+                <a:latin typeface="微软雅黑" panose="020B0503020204020204" pitchFamily="34" charset="-122"/>
+                <a:ea typeface="微软雅黑" panose="020B0503020204020204" pitchFamily="34" charset="-122"/>
+              </a:rPr>
+              <a:t>——</a:t>
+            </a:r>
+            <a:r>
+              <a:rPr lang="zh-CN" altLang="en-US" sz="2400" dirty="0">
+                <a:latin typeface="微软雅黑" panose="020B0503020204020204" pitchFamily="34" charset="-122"/>
+                <a:ea typeface="微软雅黑" panose="020B0503020204020204" pitchFamily="34" charset="-122"/>
+              </a:rPr>
+              <a:t>保护刹车</a:t>
+            </a:r>
+            <a:endParaRPr lang="en-US" altLang="zh-CN" sz="2400" dirty="0">
+              <a:latin typeface="微软雅黑" panose="020B0503020204020204" pitchFamily="34" charset="-122"/>
+              <a:ea typeface="微软雅黑" panose="020B0503020204020204" pitchFamily="34" charset="-122"/>
+            </a:endParaRPr>
+          </a:p>
+        </p:txBody>
+      </p:sp>
+      <p:sp>
+        <p:nvSpPr>
+          <p:cNvPr id="16" name="矩形 15">
+            <a:extLst>
+              <a:ext uri="{FF2B5EF4-FFF2-40B4-BE49-F238E27FC236}">
+                <a16:creationId xmlns:a16="http://schemas.microsoft.com/office/drawing/2014/main" id="{CB79A0BD-1093-40BD-AC39-50E6D1215B73}"/>
+              </a:ext>
+            </a:extLst>
+          </p:cNvPr>
+          <p:cNvSpPr/>
+          <p:nvPr/>
+        </p:nvSpPr>
+        <p:spPr>
+          <a:xfrm>
+            <a:off x="2354303" y="4647609"/>
+            <a:ext cx="4844596" cy="461665"/>
+          </a:xfrm>
+          <a:prstGeom prst="rect">
+            <a:avLst/>
+          </a:prstGeom>
+        </p:spPr>
+        <p:txBody>
+          <a:bodyPr wrap="none">
+            <a:spAutoFit/>
+          </a:bodyPr>
+          <a:lstStyle/>
+          <a:p>
+            <a:pPr marL="342900" indent="-342900">
+              <a:buFont typeface="Arial" panose="020B0604020202020204" pitchFamily="34" charset="0"/>
+              <a:buChar char="•"/>
+            </a:pPr>
+            <a:r>
+              <a:rPr lang="zh-CN" altLang="en-US" sz="2400" dirty="0">
+                <a:latin typeface="微软雅黑" panose="020B0503020204020204" pitchFamily="34" charset="-122"/>
+                <a:ea typeface="微软雅黑" panose="020B0503020204020204" pitchFamily="34" charset="-122"/>
+              </a:rPr>
+              <a:t>伪装</a:t>
+            </a:r>
+            <a:r>
+              <a:rPr lang="en-US" altLang="zh-CN" sz="2400" dirty="0">
+                <a:latin typeface="微软雅黑" panose="020B0503020204020204" pitchFamily="34" charset="-122"/>
+                <a:ea typeface="微软雅黑" panose="020B0503020204020204" pitchFamily="34" charset="-122"/>
+              </a:rPr>
+              <a:t>  MHC</a:t>
+            </a:r>
+            <a:r>
+              <a:rPr lang="zh-CN" altLang="en-US" sz="2400" dirty="0">
+                <a:latin typeface="微软雅黑" panose="020B0503020204020204" pitchFamily="34" charset="-122"/>
+                <a:ea typeface="微软雅黑" panose="020B0503020204020204" pitchFamily="34" charset="-122"/>
+              </a:rPr>
+              <a:t>，绑在胳臂上的毛巾</a:t>
+            </a:r>
+            <a:endParaRPr lang="en-US" altLang="zh-CN" sz="2400" dirty="0">
+              <a:latin typeface="微软雅黑" panose="020B0503020204020204" pitchFamily="34" charset="-122"/>
+              <a:ea typeface="微软雅黑" panose="020B0503020204020204" pitchFamily="34" charset="-122"/>
+            </a:endParaRPr>
+          </a:p>
+        </p:txBody>
+      </p:sp>
+      <p:sp>
+        <p:nvSpPr>
+          <p:cNvPr id="17" name="矩形 16">
+            <a:extLst>
+              <a:ext uri="{FF2B5EF4-FFF2-40B4-BE49-F238E27FC236}">
+                <a16:creationId xmlns:a16="http://schemas.microsoft.com/office/drawing/2014/main" id="{D4D7D3A9-DBB8-4CC8-BA5B-BFFF8F5E5C6B}"/>
+              </a:ext>
+            </a:extLst>
+          </p:cNvPr>
+          <p:cNvSpPr/>
+          <p:nvPr/>
+        </p:nvSpPr>
+        <p:spPr>
+          <a:xfrm>
+            <a:off x="2599641" y="5249073"/>
+            <a:ext cx="9386034" cy="830997"/>
+          </a:xfrm>
+          <a:prstGeom prst="rect">
+            <a:avLst/>
+          </a:prstGeom>
+        </p:spPr>
+        <p:txBody>
+          <a:bodyPr wrap="square">
+            <a:spAutoFit/>
+          </a:bodyPr>
+          <a:lstStyle/>
+          <a:p>
+            <a:r>
+              <a:rPr lang="en-US" altLang="zh-CN" sz="2400" dirty="0">
+                <a:latin typeface="微软雅黑" panose="020B0503020204020204" pitchFamily="34" charset="-122"/>
+                <a:ea typeface="微软雅黑" panose="020B0503020204020204" pitchFamily="34" charset="-122"/>
+              </a:rPr>
+              <a:t>CAR-T, </a:t>
+            </a:r>
+            <a:r>
+              <a:rPr lang="zh-CN" altLang="en-US" sz="2400" dirty="0">
+                <a:latin typeface="微软雅黑" panose="020B0503020204020204" pitchFamily="34" charset="-122"/>
+                <a:ea typeface="微软雅黑" panose="020B0503020204020204" pitchFamily="34" charset="-122"/>
+              </a:rPr>
+              <a:t>教会免疫系统用其他方式识别癌细胞，特殊性强，容易误伤正常细胞</a:t>
+            </a:r>
+            <a:endParaRPr lang="en-US" altLang="zh-CN" sz="2400" dirty="0">
+              <a:latin typeface="微软雅黑" panose="020B0503020204020204" pitchFamily="34" charset="-122"/>
+              <a:ea typeface="微软雅黑" panose="020B0503020204020204" pitchFamily="34" charset="-122"/>
+            </a:endParaRPr>
+          </a:p>
+        </p:txBody>
+      </p:sp>
+      <p:sp>
+        <p:nvSpPr>
+          <p:cNvPr id="18" name="矩形 17">
+            <a:extLst>
+              <a:ext uri="{FF2B5EF4-FFF2-40B4-BE49-F238E27FC236}">
+                <a16:creationId xmlns:a16="http://schemas.microsoft.com/office/drawing/2014/main" id="{920C6693-58FF-4541-8BD7-297FCAE906B4}"/>
+              </a:ext>
+            </a:extLst>
+          </p:cNvPr>
+          <p:cNvSpPr/>
+          <p:nvPr/>
+        </p:nvSpPr>
+        <p:spPr>
+          <a:xfrm>
+            <a:off x="2599641" y="6080070"/>
+            <a:ext cx="6032421" cy="461665"/>
+          </a:xfrm>
+          <a:prstGeom prst="rect">
+            <a:avLst/>
+          </a:prstGeom>
+        </p:spPr>
+        <p:txBody>
+          <a:bodyPr wrap="none">
+            <a:spAutoFit/>
+          </a:bodyPr>
+          <a:lstStyle/>
+          <a:p>
+            <a:r>
+              <a:rPr lang="zh-CN" altLang="en-US" sz="2400" dirty="0">
+                <a:latin typeface="微软雅黑" panose="020B0503020204020204" pitchFamily="34" charset="-122"/>
+                <a:ea typeface="微软雅黑" panose="020B0503020204020204" pitchFamily="34" charset="-122"/>
+              </a:rPr>
+              <a:t>个性化癌症疫苗，让癌细胞的蛋白呈现出来</a:t>
+            </a:r>
+            <a:endParaRPr lang="en-US" altLang="zh-CN" sz="2400" dirty="0">
+              <a:latin typeface="微软雅黑" panose="020B0503020204020204" pitchFamily="34" charset="-122"/>
+              <a:ea typeface="微软雅黑" panose="020B0503020204020204" pitchFamily="34" charset="-122"/>
+            </a:endParaRPr>
           </a:p>
         </p:txBody>
       </p:sp>
     </p:spTree>
     <p:extLst>
       <p:ext uri="{BB962C8B-B14F-4D97-AF65-F5344CB8AC3E}">
-        <p14:creationId xmlns:p14="http://schemas.microsoft.com/office/powerpoint/2010/main" val="290369599"/>
+        <p14:creationId xmlns:p14="http://schemas.microsoft.com/office/powerpoint/2010/main" val="3641466144"/>
       </p:ext>
     </p:extLst>
   </p:cSld>
@@ -4024,19 +4194,19 @@
         </p:nvSpPr>
         <p:spPr>
           <a:xfrm>
-            <a:off x="1524000" y="604837"/>
+            <a:off x="1524000" y="805567"/>
             <a:ext cx="9144000" cy="1104388"/>
           </a:xfrm>
         </p:spPr>
         <p:txBody>
           <a:bodyPr>
-            <a:normAutofit/>
+            <a:normAutofit fontScale="90000"/>
           </a:bodyPr>
           <a:lstStyle/>
           <a:p>
             <a:r>
               <a:rPr lang="zh-CN" altLang="en-US" dirty="0"/>
-              <a:t>对抗癌症的借鉴意义</a:t>
+              <a:t>预测、预防、预警：把癌症提前关进笼子</a:t>
             </a:r>
             <a:endParaRPr lang="en-US" dirty="0"/>
           </a:p>
@@ -4057,7 +4227,7 @@
         <p:spPr>
           <a:xfrm>
             <a:off x="2004956" y="2245534"/>
-            <a:ext cx="2954655" cy="461665"/>
+            <a:ext cx="2031325" cy="461665"/>
           </a:xfrm>
           <a:prstGeom prst="rect">
             <a:avLst/>
@@ -4070,10 +4240,16 @@
           <a:lstStyle/>
           <a:p>
             <a:r>
-              <a:rPr lang="zh-CN" altLang="en-US" sz="2400" dirty="0"/>
-              <a:t>从多个角度考虑问题</a:t>
-            </a:r>
-            <a:endParaRPr lang="en-US" altLang="zh-CN" sz="2400" dirty="0"/>
+              <a:rPr lang="zh-CN" altLang="en-US" sz="2400" dirty="0">
+                <a:latin typeface="微软雅黑" panose="020B0503020204020204" pitchFamily="34" charset="-122"/>
+                <a:ea typeface="微软雅黑" panose="020B0503020204020204" pitchFamily="34" charset="-122"/>
+              </a:rPr>
+              <a:t>安吉丽娜朱莉</a:t>
+            </a:r>
+            <a:endParaRPr lang="en-US" altLang="zh-CN" sz="2400" dirty="0">
+              <a:latin typeface="微软雅黑" panose="020B0503020204020204" pitchFamily="34" charset="-122"/>
+              <a:ea typeface="微软雅黑" panose="020B0503020204020204" pitchFamily="34" charset="-122"/>
+            </a:endParaRPr>
           </a:p>
         </p:txBody>
       </p:sp>
@@ -4092,7 +4268,7 @@
         <p:spPr>
           <a:xfrm>
             <a:off x="2004956" y="3042777"/>
-            <a:ext cx="5724644" cy="461665"/>
+            <a:ext cx="4185761" cy="461665"/>
           </a:xfrm>
           <a:prstGeom prst="rect">
             <a:avLst/>
@@ -4105,10 +4281,259 @@
           <a:lstStyle/>
           <a:p>
             <a:r>
-              <a:rPr lang="zh-CN" altLang="en-US" sz="2400" dirty="0"/>
+              <a:rPr lang="zh-CN" altLang="en-US" sz="2400" dirty="0">
+                <a:latin typeface="微软雅黑" panose="020B0503020204020204" pitchFamily="34" charset="-122"/>
+                <a:ea typeface="微软雅黑" panose="020B0503020204020204" pitchFamily="34" charset="-122"/>
+              </a:rPr>
+              <a:t>基因突变：癌细胞产生的原因</a:t>
+            </a:r>
+            <a:endParaRPr lang="en-US" altLang="zh-CN" sz="2400" dirty="0">
+              <a:latin typeface="微软雅黑" panose="020B0503020204020204" pitchFamily="34" charset="-122"/>
+              <a:ea typeface="微软雅黑" panose="020B0503020204020204" pitchFamily="34" charset="-122"/>
+            </a:endParaRPr>
+          </a:p>
+        </p:txBody>
+      </p:sp>
+      <p:sp>
+        <p:nvSpPr>
+          <p:cNvPr id="22" name="矩形 21">
+            <a:extLst>
+              <a:ext uri="{FF2B5EF4-FFF2-40B4-BE49-F238E27FC236}">
+                <a16:creationId xmlns:a16="http://schemas.microsoft.com/office/drawing/2014/main" id="{2D26C9FB-3DF1-4BF3-98CA-6FA4DB463663}"/>
+              </a:ext>
+            </a:extLst>
+          </p:cNvPr>
+          <p:cNvSpPr/>
+          <p:nvPr/>
+        </p:nvSpPr>
+        <p:spPr>
+          <a:xfrm>
+            <a:off x="2004956" y="3840021"/>
+            <a:ext cx="4185761" cy="461665"/>
+          </a:xfrm>
+          <a:prstGeom prst="rect">
+            <a:avLst/>
+          </a:prstGeom>
+        </p:spPr>
+        <p:txBody>
+          <a:bodyPr wrap="none">
+            <a:spAutoFit/>
+          </a:bodyPr>
+          <a:lstStyle/>
+          <a:p>
+            <a:r>
+              <a:rPr lang="zh-CN" altLang="en-US" sz="2400" dirty="0">
+                <a:latin typeface="微软雅黑" panose="020B0503020204020204" pitchFamily="34" charset="-122"/>
+                <a:ea typeface="微软雅黑" panose="020B0503020204020204" pitchFamily="34" charset="-122"/>
+              </a:rPr>
+              <a:t>早起预警：打击弱小的癌细胞</a:t>
+            </a:r>
+            <a:endParaRPr lang="en-US" altLang="zh-CN" sz="2400" dirty="0">
+              <a:latin typeface="微软雅黑" panose="020B0503020204020204" pitchFamily="34" charset="-122"/>
+              <a:ea typeface="微软雅黑" panose="020B0503020204020204" pitchFamily="34" charset="-122"/>
+            </a:endParaRPr>
+          </a:p>
+        </p:txBody>
+      </p:sp>
+      <p:sp>
+        <p:nvSpPr>
+          <p:cNvPr id="23" name="矩形 22">
+            <a:extLst>
+              <a:ext uri="{FF2B5EF4-FFF2-40B4-BE49-F238E27FC236}">
+                <a16:creationId xmlns:a16="http://schemas.microsoft.com/office/drawing/2014/main" id="{1F0D2810-739C-4BFE-A966-B24106B0AF8E}"/>
+              </a:ext>
+            </a:extLst>
+          </p:cNvPr>
+          <p:cNvSpPr/>
+          <p:nvPr/>
+        </p:nvSpPr>
+        <p:spPr>
+          <a:xfrm>
+            <a:off x="2004956" y="4637264"/>
+            <a:ext cx="9614958" cy="830997"/>
+          </a:xfrm>
+          <a:prstGeom prst="rect">
+            <a:avLst/>
+          </a:prstGeom>
+        </p:spPr>
+        <p:txBody>
+          <a:bodyPr wrap="square">
+            <a:spAutoFit/>
+          </a:bodyPr>
+          <a:lstStyle/>
+          <a:p>
+            <a:r>
+              <a:rPr lang="zh-CN" altLang="en-US" sz="2400" dirty="0">
+                <a:latin typeface="微软雅黑" panose="020B0503020204020204" pitchFamily="34" charset="-122"/>
+                <a:ea typeface="微软雅黑" panose="020B0503020204020204" pitchFamily="34" charset="-122"/>
+              </a:rPr>
+              <a:t>预测和预防：降低癌症出现概率</a:t>
+            </a:r>
+            <a:endParaRPr lang="en-US" altLang="zh-CN" sz="2400" dirty="0">
+              <a:latin typeface="微软雅黑" panose="020B0503020204020204" pitchFamily="34" charset="-122"/>
+              <a:ea typeface="微软雅黑" panose="020B0503020204020204" pitchFamily="34" charset="-122"/>
+            </a:endParaRPr>
+          </a:p>
+          <a:p>
+            <a:r>
+              <a:rPr lang="zh-CN" altLang="en-US" sz="2400" dirty="0">
+                <a:latin typeface="微软雅黑" panose="020B0503020204020204" pitchFamily="34" charset="-122"/>
+                <a:ea typeface="微软雅黑" panose="020B0503020204020204" pitchFamily="34" charset="-122"/>
+              </a:rPr>
+              <a:t>烟、酒、咸鱼、泡菜和空气污染</a:t>
+            </a:r>
+            <a:endParaRPr lang="en-US" altLang="zh-CN" sz="2400" dirty="0">
+              <a:latin typeface="微软雅黑" panose="020B0503020204020204" pitchFamily="34" charset="-122"/>
+              <a:ea typeface="微软雅黑" panose="020B0503020204020204" pitchFamily="34" charset="-122"/>
+            </a:endParaRPr>
+          </a:p>
+        </p:txBody>
+      </p:sp>
+    </p:spTree>
+    <p:extLst>
+      <p:ext uri="{BB962C8B-B14F-4D97-AF65-F5344CB8AC3E}">
+        <p14:creationId xmlns:p14="http://schemas.microsoft.com/office/powerpoint/2010/main" val="290369599"/>
+      </p:ext>
+    </p:extLst>
+  </p:cSld>
+  <p:clrMapOvr>
+    <a:masterClrMapping/>
+  </p:clrMapOvr>
+</p:sld>
+</file>
+
+<file path=ppt/slides/slide16.xml><?xml version="1.0" encoding="utf-8"?>
+<p:sld xmlns:a="http://schemas.openxmlformats.org/drawingml/2006/main" xmlns:r="http://schemas.openxmlformats.org/officeDocument/2006/relationships" xmlns:p="http://schemas.openxmlformats.org/presentationml/2006/main">
+  <p:cSld>
+    <p:spTree>
+      <p:nvGrpSpPr>
+        <p:cNvPr id="1" name=""/>
+        <p:cNvGrpSpPr/>
+        <p:nvPr/>
+      </p:nvGrpSpPr>
+      <p:grpSpPr>
+        <a:xfrm>
+          <a:off x="0" y="0"/>
+          <a:ext cx="0" cy="0"/>
+          <a:chOff x="0" y="0"/>
+          <a:chExt cx="0" cy="0"/>
+        </a:xfrm>
+      </p:grpSpPr>
+      <p:sp>
+        <p:nvSpPr>
+          <p:cNvPr id="19" name="标题 1">
+            <a:extLst>
+              <a:ext uri="{FF2B5EF4-FFF2-40B4-BE49-F238E27FC236}">
+                <a16:creationId xmlns:a16="http://schemas.microsoft.com/office/drawing/2014/main" id="{2DF9121E-4C4A-4772-ADF8-F5DAC8D6F695}"/>
+              </a:ext>
+            </a:extLst>
+          </p:cNvPr>
+          <p:cNvSpPr>
+            <a:spLocks noGrp="1"/>
+          </p:cNvSpPr>
+          <p:nvPr>
+            <p:ph type="ctrTitle"/>
+          </p:nvPr>
+        </p:nvSpPr>
+        <p:spPr>
+          <a:xfrm>
+            <a:off x="1524000" y="604837"/>
+            <a:ext cx="9144000" cy="1104388"/>
+          </a:xfrm>
+        </p:spPr>
+        <p:txBody>
+          <a:bodyPr>
+            <a:normAutofit/>
+          </a:bodyPr>
+          <a:lstStyle/>
+          <a:p>
+            <a:r>
+              <a:rPr lang="zh-CN" altLang="en-US" dirty="0"/>
+              <a:t>对抗癌症的借鉴意义</a:t>
+            </a:r>
+            <a:endParaRPr lang="en-US" dirty="0"/>
+          </a:p>
+        </p:txBody>
+      </p:sp>
+      <p:sp>
+        <p:nvSpPr>
+          <p:cNvPr id="20" name="矩形 19">
+            <a:extLst>
+              <a:ext uri="{FF2B5EF4-FFF2-40B4-BE49-F238E27FC236}">
+                <a16:creationId xmlns:a16="http://schemas.microsoft.com/office/drawing/2014/main" id="{CA43A220-9EDA-4DAF-9782-6C8686F19CFC}"/>
+              </a:ext>
+            </a:extLst>
+          </p:cNvPr>
+          <p:cNvSpPr/>
+          <p:nvPr/>
+        </p:nvSpPr>
+        <p:spPr>
+          <a:xfrm>
+            <a:off x="2004956" y="2245534"/>
+            <a:ext cx="2954655" cy="461665"/>
+          </a:xfrm>
+          <a:prstGeom prst="rect">
+            <a:avLst/>
+          </a:prstGeom>
+        </p:spPr>
+        <p:txBody>
+          <a:bodyPr wrap="none" numCol="1" anchor="t">
+            <a:spAutoFit/>
+          </a:bodyPr>
+          <a:lstStyle/>
+          <a:p>
+            <a:r>
+              <a:rPr lang="zh-CN" altLang="en-US" sz="2400" dirty="0">
+                <a:latin typeface="微软雅黑" panose="020B0503020204020204" pitchFamily="34" charset="-122"/>
+                <a:ea typeface="微软雅黑" panose="020B0503020204020204" pitchFamily="34" charset="-122"/>
+              </a:rPr>
+              <a:t>从多个角度考虑问题</a:t>
+            </a:r>
+            <a:endParaRPr lang="en-US" altLang="zh-CN" sz="2400" dirty="0">
+              <a:latin typeface="微软雅黑" panose="020B0503020204020204" pitchFamily="34" charset="-122"/>
+              <a:ea typeface="微软雅黑" panose="020B0503020204020204" pitchFamily="34" charset="-122"/>
+            </a:endParaRPr>
+          </a:p>
+        </p:txBody>
+      </p:sp>
+      <p:sp>
+        <p:nvSpPr>
+          <p:cNvPr id="21" name="矩形 20">
+            <a:extLst>
+              <a:ext uri="{FF2B5EF4-FFF2-40B4-BE49-F238E27FC236}">
+                <a16:creationId xmlns:a16="http://schemas.microsoft.com/office/drawing/2014/main" id="{B71F961E-0A34-41CF-A4D8-845E3E43C5C3}"/>
+              </a:ext>
+            </a:extLst>
+          </p:cNvPr>
+          <p:cNvSpPr/>
+          <p:nvPr/>
+        </p:nvSpPr>
+        <p:spPr>
+          <a:xfrm>
+            <a:off x="2004956" y="3042777"/>
+            <a:ext cx="5724644" cy="461665"/>
+          </a:xfrm>
+          <a:prstGeom prst="rect">
+            <a:avLst/>
+          </a:prstGeom>
+        </p:spPr>
+        <p:txBody>
+          <a:bodyPr wrap="none" numCol="1" anchor="t">
+            <a:spAutoFit/>
+          </a:bodyPr>
+          <a:lstStyle/>
+          <a:p>
+            <a:r>
+              <a:rPr lang="zh-CN" altLang="en-US" sz="2400" dirty="0">
+                <a:latin typeface="微软雅黑" panose="020B0503020204020204" pitchFamily="34" charset="-122"/>
+                <a:ea typeface="微软雅黑" panose="020B0503020204020204" pitchFamily="34" charset="-122"/>
+              </a:rPr>
               <a:t>对基本原理的认知限制你解决问题的思路</a:t>
             </a:r>
-            <a:endParaRPr lang="en-US" altLang="zh-CN" sz="2400" dirty="0"/>
+            <a:endParaRPr lang="en-US" altLang="zh-CN" sz="2400" dirty="0">
+              <a:latin typeface="微软雅黑" panose="020B0503020204020204" pitchFamily="34" charset="-122"/>
+              <a:ea typeface="微软雅黑" panose="020B0503020204020204" pitchFamily="34" charset="-122"/>
+            </a:endParaRPr>
           </a:p>
         </p:txBody>
       </p:sp>
@@ -4157,7 +4582,7 @@
         <p:spPr>
           <a:xfrm>
             <a:off x="2016760" y="1471803"/>
-            <a:ext cx="5639685" cy="461665"/>
+            <a:ext cx="5759910" cy="461665"/>
           </a:xfrm>
           <a:prstGeom prst="rect">
             <a:avLst/>
@@ -4170,18 +4595,28 @@
           <a:lstStyle/>
           <a:p>
             <a:r>
-              <a:rPr lang="en-US" sz="2400" dirty="0"/>
+              <a:rPr lang="en-US" sz="2400" dirty="0">
+                <a:latin typeface="微软雅黑" panose="020B0503020204020204" pitchFamily="34" charset="-122"/>
+              </a:rPr>
               <a:t>40</a:t>
             </a:r>
             <a:r>
-              <a:rPr lang="en-US" altLang="zh-CN" sz="2400" dirty="0"/>
+              <a:rPr lang="en-US" altLang="zh-CN" sz="2400" dirty="0">
+                <a:latin typeface="微软雅黑" panose="020B0503020204020204" pitchFamily="34" charset="-122"/>
+                <a:ea typeface="微软雅黑" panose="020B0503020204020204" pitchFamily="34" charset="-122"/>
+              </a:rPr>
               <a:t>%</a:t>
             </a:r>
             <a:r>
-              <a:rPr lang="zh-CN" altLang="en-US" sz="2400" dirty="0"/>
+              <a:rPr lang="zh-CN" altLang="en-US" sz="2400" dirty="0">
+                <a:latin typeface="微软雅黑" panose="020B0503020204020204" pitchFamily="34" charset="-122"/>
+                <a:ea typeface="微软雅黑" panose="020B0503020204020204" pitchFamily="34" charset="-122"/>
+              </a:rPr>
               <a:t>的人会在一生当中某个时候得上癌症</a:t>
             </a:r>
-            <a:endParaRPr lang="en-US" sz="2400" dirty="0"/>
+            <a:endParaRPr lang="en-US" sz="2400" dirty="0">
+              <a:latin typeface="微软雅黑" panose="020B0503020204020204" pitchFamily="34" charset="-122"/>
+            </a:endParaRPr>
           </a:p>
         </p:txBody>
       </p:sp>
@@ -4200,7 +4635,7 @@
         <p:spPr>
           <a:xfrm>
             <a:off x="2016760" y="2135684"/>
-            <a:ext cx="7428637" cy="461665"/>
+            <a:ext cx="7641836" cy="461665"/>
           </a:xfrm>
           <a:prstGeom prst="rect">
             <a:avLst/>
@@ -4213,26 +4648,43 @@
           <a:lstStyle/>
           <a:p>
             <a:r>
-              <a:rPr lang="zh-CN" altLang="en-US" sz="2400" dirty="0"/>
+              <a:rPr lang="zh-CN" altLang="en-US" sz="2400" dirty="0">
+                <a:latin typeface="微软雅黑" panose="020B0503020204020204" pitchFamily="34" charset="-122"/>
+                <a:ea typeface="微软雅黑" panose="020B0503020204020204" pitchFamily="34" charset="-122"/>
+              </a:rPr>
               <a:t>每年新发现癌症患者</a:t>
             </a:r>
             <a:r>
-              <a:rPr lang="en-US" altLang="zh-CN" sz="2400" dirty="0"/>
+              <a:rPr lang="en-US" altLang="zh-CN" sz="2400" dirty="0">
+                <a:latin typeface="微软雅黑" panose="020B0503020204020204" pitchFamily="34" charset="-122"/>
+                <a:ea typeface="微软雅黑" panose="020B0503020204020204" pitchFamily="34" charset="-122"/>
+              </a:rPr>
               <a:t>1000</a:t>
             </a:r>
             <a:r>
-              <a:rPr lang="zh-CN" altLang="en-US" sz="2400" dirty="0"/>
+              <a:rPr lang="zh-CN" altLang="en-US" sz="2400" dirty="0">
+                <a:latin typeface="微软雅黑" panose="020B0503020204020204" pitchFamily="34" charset="-122"/>
+                <a:ea typeface="微软雅黑" panose="020B0503020204020204" pitchFamily="34" charset="-122"/>
+              </a:rPr>
               <a:t>万，死于癌症的人接近</a:t>
             </a:r>
             <a:r>
-              <a:rPr lang="en-US" altLang="zh-CN" sz="2400" dirty="0"/>
+              <a:rPr lang="en-US" altLang="zh-CN" sz="2400" dirty="0">
+                <a:latin typeface="微软雅黑" panose="020B0503020204020204" pitchFamily="34" charset="-122"/>
+                <a:ea typeface="微软雅黑" panose="020B0503020204020204" pitchFamily="34" charset="-122"/>
+              </a:rPr>
               <a:t>900</a:t>
             </a:r>
             <a:r>
-              <a:rPr lang="zh-CN" altLang="en-US" sz="2400" dirty="0"/>
+              <a:rPr lang="zh-CN" altLang="en-US" sz="2400" dirty="0">
+                <a:latin typeface="微软雅黑" panose="020B0503020204020204" pitchFamily="34" charset="-122"/>
+                <a:ea typeface="微软雅黑" panose="020B0503020204020204" pitchFamily="34" charset="-122"/>
+              </a:rPr>
               <a:t>万</a:t>
             </a:r>
-            <a:endParaRPr lang="en-US" sz="2400" dirty="0"/>
+            <a:endParaRPr lang="en-US" sz="2400" dirty="0">
+              <a:latin typeface="微软雅黑" panose="020B0503020204020204" pitchFamily="34" charset="-122"/>
+            </a:endParaRPr>
           </a:p>
         </p:txBody>
       </p:sp>
@@ -4264,10 +4716,15 @@
           <a:lstStyle/>
           <a:p>
             <a:r>
-              <a:rPr lang="zh-CN" altLang="en-US" sz="2400" dirty="0"/>
+              <a:rPr lang="zh-CN" altLang="en-US" sz="2400" dirty="0">
+                <a:latin typeface="微软雅黑" panose="020B0503020204020204" pitchFamily="34" charset="-122"/>
+                <a:ea typeface="微软雅黑" panose="020B0503020204020204" pitchFamily="34" charset="-122"/>
+              </a:rPr>
               <a:t>癌症神秘且难以对抗</a:t>
             </a:r>
-            <a:endParaRPr lang="en-US" sz="2400" dirty="0"/>
+            <a:endParaRPr lang="en-US" sz="2400" dirty="0">
+              <a:latin typeface="微软雅黑" panose="020B0503020204020204" pitchFamily="34" charset="-122"/>
+            </a:endParaRPr>
           </a:p>
         </p:txBody>
       </p:sp>
@@ -4285,8 +4742,8 @@
         </p:nvSpPr>
         <p:spPr>
           <a:xfrm>
-            <a:off x="2452858" y="3548074"/>
-            <a:ext cx="5724644" cy="461665"/>
+            <a:off x="2016760" y="3560838"/>
+            <a:ext cx="6070893" cy="461665"/>
           </a:xfrm>
           <a:prstGeom prst="rect">
             <a:avLst/>
@@ -4298,11 +4755,20 @@
           </a:bodyPr>
           <a:lstStyle/>
           <a:p>
-            <a:r>
-              <a:rPr lang="zh-CN" altLang="en-US" sz="2400" dirty="0"/>
+            <a:pPr marL="342900" indent="-342900">
+              <a:buFont typeface="Arial" panose="020B0604020202020204" pitchFamily="34" charset="0"/>
+              <a:buChar char="•"/>
+            </a:pPr>
+            <a:r>
+              <a:rPr lang="zh-CN" altLang="en-US" sz="2400" dirty="0">
+                <a:latin typeface="微软雅黑" panose="020B0503020204020204" pitchFamily="34" charset="-122"/>
+                <a:ea typeface="微软雅黑" panose="020B0503020204020204" pitchFamily="34" charset="-122"/>
+              </a:rPr>
               <a:t>原本正常的细胞为何会突然发疯失去控制</a:t>
             </a:r>
-            <a:endParaRPr lang="en-US" sz="2400" dirty="0"/>
+            <a:endParaRPr lang="en-US" sz="2400" dirty="0">
+              <a:latin typeface="微软雅黑" panose="020B0503020204020204" pitchFamily="34" charset="-122"/>
+            </a:endParaRPr>
           </a:p>
         </p:txBody>
       </p:sp>
@@ -4320,8 +4786,8 @@
         </p:nvSpPr>
         <p:spPr>
           <a:xfrm>
-            <a:off x="2452858" y="4260651"/>
-            <a:ext cx="5416868" cy="461665"/>
+            <a:off x="2016760" y="4273415"/>
+            <a:ext cx="5763116" cy="461665"/>
           </a:xfrm>
           <a:prstGeom prst="rect">
             <a:avLst/>
@@ -4333,11 +4799,20 @@
           </a:bodyPr>
           <a:lstStyle/>
           <a:p>
-            <a:r>
-              <a:rPr lang="zh-CN" altLang="en-US" sz="2400" dirty="0"/>
+            <a:pPr marL="342900" indent="-342900">
+              <a:buFont typeface="Arial" panose="020B0604020202020204" pitchFamily="34" charset="0"/>
+              <a:buChar char="•"/>
+            </a:pPr>
+            <a:r>
+              <a:rPr lang="zh-CN" altLang="en-US" sz="2400" dirty="0">
+                <a:latin typeface="微软雅黑" panose="020B0503020204020204" pitchFamily="34" charset="-122"/>
+                <a:ea typeface="微软雅黑" panose="020B0503020204020204" pitchFamily="34" charset="-122"/>
+              </a:rPr>
               <a:t>如何消灭癌细胞但不伤及人体正常器官</a:t>
             </a:r>
-            <a:endParaRPr lang="en-US" sz="2400" dirty="0"/>
+            <a:endParaRPr lang="en-US" sz="2400" dirty="0">
+              <a:latin typeface="微软雅黑" panose="020B0503020204020204" pitchFamily="34" charset="-122"/>
+            </a:endParaRPr>
           </a:p>
         </p:txBody>
       </p:sp>
@@ -4389,7 +4864,7 @@
         </p:nvSpPr>
         <p:spPr>
           <a:xfrm>
-            <a:off x="1524000" y="464234"/>
+            <a:off x="1524000" y="405436"/>
             <a:ext cx="9144000" cy="1104388"/>
           </a:xfrm>
         </p:spPr>
@@ -4433,10 +4908,15 @@
           <a:lstStyle/>
           <a:p>
             <a:r>
-              <a:rPr lang="zh-CN" altLang="en-US" sz="2400" dirty="0"/>
+              <a:rPr lang="zh-CN" altLang="en-US" sz="2400" dirty="0">
+                <a:latin typeface="微软雅黑" panose="020B0503020204020204" pitchFamily="34" charset="-122"/>
+                <a:ea typeface="微软雅黑" panose="020B0503020204020204" pitchFamily="34" charset="-122"/>
+              </a:rPr>
               <a:t>对于单细胞生物，不停生长、分裂、繁殖，才是常态</a:t>
             </a:r>
-            <a:endParaRPr lang="en-US" sz="2400" dirty="0"/>
+            <a:endParaRPr lang="en-US" sz="2400" dirty="0">
+              <a:latin typeface="微软雅黑" panose="020B0503020204020204" pitchFamily="34" charset="-122"/>
+            </a:endParaRPr>
           </a:p>
         </p:txBody>
       </p:sp>
@@ -4468,10 +4948,15 @@
           <a:lstStyle/>
           <a:p>
             <a:r>
-              <a:rPr lang="zh-CN" altLang="en-US" sz="2400" dirty="0"/>
-              <a:t>多细胞生物，生殖细胞（永生）和身体细胞（死亡）做一笔双赢的交易，让多细胞生命的生存和生殖能力变得强大。</a:t>
-            </a:r>
-            <a:endParaRPr lang="en-US" sz="2400" dirty="0"/>
+              <a:rPr lang="zh-CN" altLang="en-US" sz="2400" dirty="0">
+                <a:latin typeface="微软雅黑" panose="020B0503020204020204" pitchFamily="34" charset="-122"/>
+                <a:ea typeface="微软雅黑" panose="020B0503020204020204" pitchFamily="34" charset="-122"/>
+              </a:rPr>
+              <a:t>多细胞生物，生殖细胞（永生）和身体细胞（死亡）做一笔双赢的交易，让多细胞生命的生存和生殖能力变得强大</a:t>
+            </a:r>
+            <a:endParaRPr lang="en-US" sz="2400" dirty="0">
+              <a:latin typeface="微软雅黑" panose="020B0503020204020204" pitchFamily="34" charset="-122"/>
+            </a:endParaRPr>
           </a:p>
         </p:txBody>
       </p:sp>
@@ -4503,10 +4988,15 @@
           <a:lstStyle/>
           <a:p>
             <a:r>
-              <a:rPr lang="zh-CN" altLang="en-US" sz="2400" dirty="0"/>
-              <a:t>交易破裂，身体细胞为自己重新争取了一次永生和繁殖的权利。</a:t>
-            </a:r>
-            <a:endParaRPr lang="en-US" sz="2400" dirty="0"/>
+              <a:rPr lang="zh-CN" altLang="en-US" sz="2400" dirty="0">
+                <a:latin typeface="微软雅黑" panose="020B0503020204020204" pitchFamily="34" charset="-122"/>
+                <a:ea typeface="微软雅黑" panose="020B0503020204020204" pitchFamily="34" charset="-122"/>
+              </a:rPr>
+              <a:t>交易破裂，身体细胞为自己重新争取了一次永生和繁殖的权利</a:t>
+            </a:r>
+            <a:endParaRPr lang="en-US" sz="2400" dirty="0">
+              <a:latin typeface="微软雅黑" panose="020B0503020204020204" pitchFamily="34" charset="-122"/>
+            </a:endParaRPr>
           </a:p>
         </p:txBody>
       </p:sp>
@@ -4538,10 +5028,15 @@
           <a:lstStyle/>
           <a:p>
             <a:r>
-              <a:rPr lang="zh-CN" altLang="en-US" sz="2400" dirty="0"/>
-              <a:t>人体数以百万亿的身体细胞和漫长的生命，为癌症的出现提供了充足的基数和时间窗口。</a:t>
-            </a:r>
-            <a:endParaRPr lang="en-US" sz="2400" dirty="0"/>
+              <a:rPr lang="zh-CN" altLang="en-US" sz="2400" dirty="0">
+                <a:latin typeface="微软雅黑" panose="020B0503020204020204" pitchFamily="34" charset="-122"/>
+                <a:ea typeface="微软雅黑" panose="020B0503020204020204" pitchFamily="34" charset="-122"/>
+              </a:rPr>
+              <a:t>人体数以百万亿的身体细胞和漫长的生命，为癌症的出现提供了充足的基数和时间窗口</a:t>
+            </a:r>
+            <a:endParaRPr lang="en-US" sz="2400" dirty="0">
+              <a:latin typeface="微软雅黑" panose="020B0503020204020204" pitchFamily="34" charset="-122"/>
+            </a:endParaRPr>
           </a:p>
         </p:txBody>
       </p:sp>
@@ -4573,10 +5068,15 @@
           <a:lstStyle/>
           <a:p>
             <a:r>
-              <a:rPr lang="zh-CN" altLang="en-US" sz="2400" dirty="0"/>
-              <a:t>癌症是多细胞生物从诞生之日起就必须承担的代价。</a:t>
-            </a:r>
-            <a:endParaRPr lang="en-US" sz="2400" dirty="0"/>
+              <a:rPr lang="zh-CN" altLang="en-US" sz="2400" dirty="0">
+                <a:latin typeface="微软雅黑" panose="020B0503020204020204" pitchFamily="34" charset="-122"/>
+                <a:ea typeface="微软雅黑" panose="020B0503020204020204" pitchFamily="34" charset="-122"/>
+              </a:rPr>
+              <a:t>癌症是多细胞生物从诞生之日起就必须承担的代价</a:t>
+            </a:r>
+            <a:endParaRPr lang="en-US" sz="2400" dirty="0">
+              <a:latin typeface="微软雅黑" panose="020B0503020204020204" pitchFamily="34" charset="-122"/>
+            </a:endParaRPr>
           </a:p>
         </p:txBody>
       </p:sp>
@@ -4628,7 +5128,7 @@
         </p:nvSpPr>
         <p:spPr>
           <a:xfrm>
-            <a:off x="1524000" y="464234"/>
+            <a:off x="1524000" y="428995"/>
             <a:ext cx="9144000" cy="1104388"/>
           </a:xfrm>
         </p:spPr>
@@ -4672,10 +5172,15 @@
           <a:lstStyle/>
           <a:p>
             <a:r>
-              <a:rPr lang="zh-CN" altLang="en-US" sz="2400" dirty="0"/>
+              <a:rPr lang="zh-CN" altLang="en-US" sz="2400" dirty="0">
+                <a:latin typeface="微软雅黑" panose="020B0503020204020204" pitchFamily="34" charset="-122"/>
+                <a:ea typeface="微软雅黑" panose="020B0503020204020204" pitchFamily="34" charset="-122"/>
+              </a:rPr>
               <a:t>越彻底，越全面，切得越多越好</a:t>
             </a:r>
-            <a:endParaRPr lang="en-US" sz="2400" dirty="0"/>
+            <a:endParaRPr lang="en-US" sz="2400" dirty="0">
+              <a:latin typeface="微软雅黑" panose="020B0503020204020204" pitchFamily="34" charset="-122"/>
+            </a:endParaRPr>
           </a:p>
         </p:txBody>
       </p:sp>
@@ -4707,7 +5212,7 @@
         </p:blipFill>
         <p:spPr>
           <a:xfrm>
-            <a:off x="902367" y="3973087"/>
+            <a:off x="2037161" y="3858745"/>
             <a:ext cx="4459069" cy="2633637"/>
           </a:xfrm>
           <a:prstGeom prst="rect">
@@ -4715,59 +5220,6 @@
           </a:prstGeom>
         </p:spPr>
       </p:pic>
-      <p:sp>
-        <p:nvSpPr>
-          <p:cNvPr id="19" name="矩形 18">
-            <a:extLst>
-              <a:ext uri="{FF2B5EF4-FFF2-40B4-BE49-F238E27FC236}">
-                <a16:creationId xmlns:a16="http://schemas.microsoft.com/office/drawing/2014/main" id="{7F3D0AC2-AA02-4DAD-B142-1F43742FDA6D}"/>
-              </a:ext>
-            </a:extLst>
-          </p:cNvPr>
-          <p:cNvSpPr/>
-          <p:nvPr/>
-        </p:nvSpPr>
-        <p:spPr>
-          <a:xfrm>
-            <a:off x="5627077" y="4480841"/>
-            <a:ext cx="6302326" cy="1477328"/>
-          </a:xfrm>
-          <a:prstGeom prst="rect">
-            <a:avLst/>
-          </a:prstGeom>
-        </p:spPr>
-        <p:txBody>
-          <a:bodyPr wrap="square">
-            <a:spAutoFit/>
-          </a:bodyPr>
-          <a:lstStyle/>
-          <a:p>
-            <a:r>
-              <a:rPr lang="en-US" dirty="0">
-                <a:latin typeface="等线" panose="02010600030101010101" pitchFamily="2" charset="-122"/>
-                <a:ea typeface="等线" panose="02010600030101010101" pitchFamily="2" charset="-122"/>
-              </a:rPr>
-              <a:t>为了治疗乳腺癌，医生们除了要切掉乳房的肿瘤，还会把患者患病的乳房、胸部的大块肌肉、腋窝的淋巴组织，甚至有时候连身体半边儿的肋骨、锁骨、胳膊都通通切除！</a:t>
-            </a:r>
-          </a:p>
-          <a:p>
-            <a:r>
-              <a:rPr lang="en-US" dirty="0" err="1">
-                <a:latin typeface="等线" panose="02010600030101010101" pitchFamily="2" charset="-122"/>
-                <a:ea typeface="等线" panose="02010600030101010101" pitchFamily="2" charset="-122"/>
-              </a:rPr>
-              <a:t>在这种手术之后，患者一般需要好几个月才起的了床，而且会留下永久性的残疾</a:t>
-            </a:r>
-            <a:r>
-              <a:rPr lang="en-US" dirty="0">
-                <a:latin typeface="等线" panose="02010600030101010101" pitchFamily="2" charset="-122"/>
-                <a:ea typeface="等线" panose="02010600030101010101" pitchFamily="2" charset="-122"/>
-              </a:rPr>
-              <a:t>。</a:t>
-            </a:r>
-          </a:p>
-        </p:txBody>
-      </p:sp>
       <p:sp>
         <p:nvSpPr>
           <p:cNvPr id="20" name="矩形 19">
@@ -4796,24 +5248,49 @@
           <a:lstStyle/>
           <a:p>
             <a:r>
-              <a:rPr lang="zh-CN" altLang="en-US" sz="2400" dirty="0"/>
+              <a:rPr lang="zh-CN" altLang="en-US" sz="2400" dirty="0">
+                <a:latin typeface="微软雅黑" panose="020B0503020204020204" pitchFamily="34" charset="-122"/>
+                <a:ea typeface="微软雅黑" panose="020B0503020204020204" pitchFamily="34" charset="-122"/>
+              </a:rPr>
               <a:t>效果如何</a:t>
             </a:r>
-            <a:endParaRPr lang="en-US" altLang="zh-CN" sz="2400" dirty="0"/>
-          </a:p>
-          <a:p>
-            <a:r>
-              <a:rPr lang="zh-CN" altLang="en-US" sz="2400" dirty="0"/>
+            <a:endParaRPr lang="en-US" altLang="zh-CN" sz="2400" dirty="0">
+              <a:latin typeface="微软雅黑" panose="020B0503020204020204" pitchFamily="34" charset="-122"/>
+              <a:ea typeface="微软雅黑" panose="020B0503020204020204" pitchFamily="34" charset="-122"/>
+            </a:endParaRPr>
+          </a:p>
+          <a:p>
+            <a:pPr marL="342900" indent="-342900">
+              <a:buFont typeface="Arial" panose="020B0604020202020204" pitchFamily="34" charset="0"/>
+              <a:buChar char="•"/>
+            </a:pPr>
+            <a:r>
+              <a:rPr lang="zh-CN" altLang="en-US" sz="2400" dirty="0">
+                <a:latin typeface="微软雅黑" panose="020B0503020204020204" pitchFamily="34" charset="-122"/>
+                <a:ea typeface="微软雅黑" panose="020B0503020204020204" pitchFamily="34" charset="-122"/>
+              </a:rPr>
               <a:t>误伤正常组织</a:t>
             </a:r>
-            <a:endParaRPr lang="en-US" altLang="zh-CN" sz="2400" dirty="0"/>
-          </a:p>
-          <a:p>
-            <a:r>
-              <a:rPr lang="zh-CN" altLang="en-US" sz="2400" dirty="0"/>
+            <a:endParaRPr lang="en-US" altLang="zh-CN" sz="2400" dirty="0">
+              <a:latin typeface="微软雅黑" panose="020B0503020204020204" pitchFamily="34" charset="-122"/>
+              <a:ea typeface="微软雅黑" panose="020B0503020204020204" pitchFamily="34" charset="-122"/>
+            </a:endParaRPr>
+          </a:p>
+          <a:p>
+            <a:pPr marL="342900" indent="-342900">
+              <a:buFont typeface="Arial" panose="020B0604020202020204" pitchFamily="34" charset="0"/>
+              <a:buChar char="•"/>
+            </a:pPr>
+            <a:r>
+              <a:rPr lang="zh-CN" altLang="en-US" sz="2400" dirty="0">
+                <a:latin typeface="微软雅黑" panose="020B0503020204020204" pitchFamily="34" charset="-122"/>
+                <a:ea typeface="微软雅黑" panose="020B0503020204020204" pitchFamily="34" charset="-122"/>
+              </a:rPr>
               <a:t>无法阻止癌细胞转移，卷土重来</a:t>
             </a:r>
-            <a:endParaRPr lang="en-US" sz="2400" dirty="0"/>
+            <a:endParaRPr lang="en-US" sz="2400" dirty="0">
+              <a:latin typeface="微软雅黑" panose="020B0503020204020204" pitchFamily="34" charset="-122"/>
+            </a:endParaRPr>
           </a:p>
         </p:txBody>
       </p:sp>
@@ -4909,7 +5386,9 @@
           <a:lstStyle/>
           <a:p>
             <a:r>
-              <a:rPr lang="en-US" sz="2400" dirty="0"/>
+              <a:rPr lang="en-US" sz="2400" dirty="0">
+                <a:latin typeface="微软雅黑" panose="020B0503020204020204" pitchFamily="34" charset="-122"/>
+              </a:rPr>
               <a:t>冰冻切片病理诊断</a:t>
             </a:r>
           </a:p>
@@ -4943,7 +5422,9 @@
           <a:lstStyle/>
           <a:p>
             <a:r>
-              <a:rPr lang="en-US" sz="2400" dirty="0"/>
+              <a:rPr lang="en-US" sz="2400" dirty="0">
+                <a:latin typeface="微软雅黑" panose="020B0503020204020204" pitchFamily="34" charset="-122"/>
+              </a:rPr>
               <a:t>人工智能技术</a:t>
             </a:r>
           </a:p>
@@ -5041,7 +5522,9 @@
           <a:lstStyle/>
           <a:p>
             <a:r>
-              <a:rPr lang="en-US" sz="2400" dirty="0"/>
+              <a:rPr lang="en-US" sz="2400" dirty="0">
+                <a:latin typeface="微软雅黑" panose="020B0503020204020204" pitchFamily="34" charset="-122"/>
+              </a:rPr>
               <a:t>很多肿瘤实际上是非常难做手术的——比如脑瘤</a:t>
             </a:r>
           </a:p>
@@ -5062,7 +5545,7 @@
         <p:spPr>
           <a:xfrm>
             <a:off x="1524000" y="5225648"/>
-            <a:ext cx="2654766" cy="461665"/>
+            <a:ext cx="2720617" cy="461665"/>
           </a:xfrm>
           <a:prstGeom prst="rect">
             <a:avLst/>
@@ -5075,7 +5558,9 @@
           <a:lstStyle/>
           <a:p>
             <a:r>
-              <a:rPr lang="en-US" sz="2400" dirty="0"/>
+              <a:rPr lang="en-US" sz="2400" dirty="0">
+                <a:latin typeface="微软雅黑" panose="020B0503020204020204" pitchFamily="34" charset="-122"/>
+              </a:rPr>
               <a:t>CT，核磁共振成像</a:t>
             </a:r>
           </a:p>
@@ -5096,7 +5581,7 @@
         <p:spPr>
           <a:xfrm>
             <a:off x="1524000" y="5932101"/>
-            <a:ext cx="2499402" cy="461665"/>
+            <a:ext cx="2537874" cy="461665"/>
           </a:xfrm>
           <a:prstGeom prst="rect">
             <a:avLst/>
@@ -5109,7 +5594,9 @@
           <a:lstStyle/>
           <a:p>
             <a:r>
-              <a:rPr lang="en-US" sz="2400" dirty="0"/>
+              <a:rPr lang="en-US" sz="2400" dirty="0">
+                <a:latin typeface="微软雅黑" panose="020B0503020204020204" pitchFamily="34" charset="-122"/>
+              </a:rPr>
               <a:t>碳原子替代X射线</a:t>
             </a:r>
           </a:p>
@@ -5143,9 +5630,14 @@
           <a:lstStyle/>
           <a:p>
             <a:r>
-              <a:rPr lang="en-US" sz="2400" dirty="0"/>
-              <a:t>再精致锋利的手术刀，用在切除肿瘤的手术都是很“粗糙”的。</a:t>
-            </a:r>
+              <a:rPr lang="en-US" sz="2400" dirty="0" err="1">
+                <a:latin typeface="微软雅黑" panose="020B0503020204020204" pitchFamily="34" charset="-122"/>
+              </a:rPr>
+              <a:t>再精致锋利的手术刀，用在切除肿瘤的手术都是很“粗糙”的</a:t>
+            </a:r>
+            <a:endParaRPr lang="en-US" sz="2400" dirty="0">
+              <a:latin typeface="微软雅黑" panose="020B0503020204020204" pitchFamily="34" charset="-122"/>
+            </a:endParaRPr>
           </a:p>
         </p:txBody>
       </p:sp>
@@ -5164,7 +5656,7 @@
         <p:spPr>
           <a:xfrm>
             <a:off x="1523999" y="3160160"/>
-            <a:ext cx="6728124" cy="461665"/>
+            <a:ext cx="6833922" cy="461665"/>
           </a:xfrm>
           <a:prstGeom prst="rect">
             <a:avLst/>
@@ -5177,7 +5669,9 @@
           <a:lstStyle/>
           <a:p>
             <a:r>
-              <a:rPr lang="en-US" sz="2400" dirty="0"/>
+              <a:rPr lang="en-US" sz="2400" dirty="0">
+                <a:latin typeface="微软雅黑" panose="020B0503020204020204" pitchFamily="34" charset="-122"/>
+              </a:rPr>
               <a:t>用高强度的放射线照射和杀死肿瘤组织 —— 放疗</a:t>
             </a:r>
           </a:p>
@@ -5211,19 +5705,25 @@
           <a:lstStyle/>
           <a:p>
             <a:r>
-              <a:rPr lang="en-US" sz="2400" dirty="0"/>
+              <a:rPr lang="en-US" sz="2400" dirty="0">
+                <a:latin typeface="微软雅黑" panose="020B0503020204020204" pitchFamily="34" charset="-122"/>
+              </a:rPr>
               <a:t>放疗致命问题</a:t>
             </a:r>
           </a:p>
           <a:p>
             <a:r>
-              <a:rPr lang="en-US" sz="2400" dirty="0"/>
+              <a:rPr lang="en-US" sz="2400" dirty="0">
+                <a:latin typeface="微软雅黑" panose="020B0503020204020204" pitchFamily="34" charset="-122"/>
+              </a:rPr>
               <a:t>癌症大多数时候是深深隐藏在人体内部的</a:t>
             </a:r>
           </a:p>
           <a:p>
             <a:r>
-              <a:rPr lang="en-US" sz="2400" dirty="0"/>
+              <a:rPr lang="en-US" sz="2400" dirty="0">
+                <a:latin typeface="微软雅黑" panose="020B0503020204020204" pitchFamily="34" charset="-122"/>
+              </a:rPr>
               <a:t>高强度射线也会释放能量，产生强烈的杀伤作用</a:t>
             </a:r>
           </a:p>
@@ -5274,7 +5774,7 @@
         <p:spPr>
           <a:xfrm>
             <a:off x="1916965" y="2231459"/>
-            <a:ext cx="8358070" cy="1938992"/>
+            <a:ext cx="8358070" cy="1754326"/>
           </a:xfrm>
           <a:prstGeom prst="rect">
             <a:avLst/>
@@ -5287,10 +5787,15 @@
           <a:lstStyle/>
           <a:p>
             <a:r>
-              <a:rPr lang="zh-CN" altLang="en-US" sz="4000" dirty="0"/>
+              <a:rPr lang="zh-CN" altLang="en-US" sz="3600" dirty="0">
+                <a:latin typeface="微软雅黑" panose="020B0503020204020204" pitchFamily="34" charset="-122"/>
+                <a:ea typeface="微软雅黑" panose="020B0503020204020204" pitchFamily="34" charset="-122"/>
+              </a:rPr>
               <a:t>手术无法杀死单个癌细胞，很难深入到全身组织去寻找并杀死所有游离在外的癌细胞</a:t>
             </a:r>
-            <a:endParaRPr lang="en-US" sz="4000" dirty="0"/>
+            <a:endParaRPr lang="en-US" sz="3600" dirty="0">
+              <a:latin typeface="微软雅黑" panose="020B0503020204020204" pitchFamily="34" charset="-122"/>
+            </a:endParaRPr>
           </a:p>
         </p:txBody>
       </p:sp>
@@ -5386,32 +5891,49 @@
           <a:lstStyle/>
           <a:p>
             <a:r>
-              <a:rPr lang="zh-CN" altLang="en-US" sz="2400" dirty="0"/>
+              <a:rPr lang="zh-CN" altLang="en-US" sz="2400" dirty="0">
+                <a:latin typeface="微软雅黑" panose="020B0503020204020204" pitchFamily="34" charset="-122"/>
+                <a:ea typeface="微软雅黑" panose="020B0503020204020204" pitchFamily="34" charset="-122"/>
+              </a:rPr>
               <a:t>完美的抗癌药物</a:t>
             </a:r>
-            <a:endParaRPr lang="en-US" altLang="zh-CN" sz="2400" dirty="0"/>
-          </a:p>
-          <a:p>
-            <a:r>
-              <a:rPr lang="en-US" altLang="zh-CN" sz="2400" dirty="0"/>
-              <a:t>1.</a:t>
-            </a:r>
-            <a:r>
-              <a:rPr lang="zh-CN" altLang="en-US" sz="2400" dirty="0"/>
+            <a:endParaRPr lang="en-US" altLang="zh-CN" sz="2400" dirty="0">
+              <a:latin typeface="微软雅黑" panose="020B0503020204020204" pitchFamily="34" charset="-122"/>
+              <a:ea typeface="微软雅黑" panose="020B0503020204020204" pitchFamily="34" charset="-122"/>
+            </a:endParaRPr>
+          </a:p>
+          <a:p>
+            <a:pPr marL="342900" indent="-342900">
+              <a:buFont typeface="Arial" panose="020B0604020202020204" pitchFamily="34" charset="0"/>
+              <a:buChar char="•"/>
+            </a:pPr>
+            <a:r>
+              <a:rPr lang="zh-CN" altLang="en-US" sz="2400" dirty="0">
+                <a:latin typeface="微软雅黑" panose="020B0503020204020204" pitchFamily="34" charset="-122"/>
+                <a:ea typeface="微软雅黑" panose="020B0503020204020204" pitchFamily="34" charset="-122"/>
+              </a:rPr>
               <a:t>杀死所有癌细胞</a:t>
             </a:r>
-            <a:endParaRPr lang="en-US" altLang="zh-CN" sz="2400" dirty="0"/>
-          </a:p>
-          <a:p>
-            <a:r>
-              <a:rPr lang="en-US" altLang="zh-CN" sz="2400" dirty="0"/>
-              <a:t>2.</a:t>
-            </a:r>
-            <a:r>
-              <a:rPr lang="zh-CN" altLang="en-US" sz="2400" dirty="0"/>
+            <a:endParaRPr lang="en-US" altLang="zh-CN" sz="2400" dirty="0">
+              <a:latin typeface="微软雅黑" panose="020B0503020204020204" pitchFamily="34" charset="-122"/>
+              <a:ea typeface="微软雅黑" panose="020B0503020204020204" pitchFamily="34" charset="-122"/>
+            </a:endParaRPr>
+          </a:p>
+          <a:p>
+            <a:pPr marL="342900" indent="-342900">
+              <a:buFont typeface="Arial" panose="020B0604020202020204" pitchFamily="34" charset="0"/>
+              <a:buChar char="•"/>
+            </a:pPr>
+            <a:r>
+              <a:rPr lang="zh-CN" altLang="en-US" sz="2400" dirty="0">
+                <a:latin typeface="微软雅黑" panose="020B0503020204020204" pitchFamily="34" charset="-122"/>
+                <a:ea typeface="微软雅黑" panose="020B0503020204020204" pitchFamily="34" charset="-122"/>
+              </a:rPr>
               <a:t>不会威胁到正常细胞</a:t>
             </a:r>
-            <a:endParaRPr lang="en-US" sz="2400" dirty="0"/>
+            <a:endParaRPr lang="en-US" sz="2400" dirty="0">
+              <a:latin typeface="微软雅黑" panose="020B0503020204020204" pitchFamily="34" charset="-122"/>
+            </a:endParaRPr>
           </a:p>
         </p:txBody>
       </p:sp>
@@ -5430,7 +5952,7 @@
         <p:spPr>
           <a:xfrm>
             <a:off x="2375578" y="3429000"/>
-            <a:ext cx="9511621" cy="2308324"/>
+            <a:ext cx="9708570" cy="1569660"/>
           </a:xfrm>
           <a:prstGeom prst="rect">
             <a:avLst/>
@@ -5443,87 +5965,108 @@
           <a:lstStyle/>
           <a:p>
             <a:r>
-              <a:rPr lang="zh-CN" altLang="en-US" sz="2400" dirty="0"/>
+              <a:rPr lang="zh-CN" altLang="en-US" sz="2400" dirty="0">
+                <a:latin typeface="微软雅黑" panose="020B0503020204020204" pitchFamily="34" charset="-122"/>
+                <a:ea typeface="微软雅黑" panose="020B0503020204020204" pitchFamily="34" charset="-122"/>
+              </a:rPr>
               <a:t>癌细胞和正常细胞的区别</a:t>
             </a:r>
-            <a:endParaRPr lang="en-US" altLang="zh-CN" sz="2400" dirty="0"/>
+            <a:endParaRPr lang="en-US" altLang="zh-CN" sz="2400" dirty="0">
+              <a:latin typeface="微软雅黑" panose="020B0503020204020204" pitchFamily="34" charset="-122"/>
+              <a:ea typeface="微软雅黑" panose="020B0503020204020204" pitchFamily="34" charset="-122"/>
+            </a:endParaRPr>
           </a:p>
           <a:p>
             <a:pPr marL="342900" indent="-342900">
-              <a:buAutoNum type="arabicPeriod"/>
+              <a:buFont typeface="Arial" panose="020B0604020202020204" pitchFamily="34" charset="0"/>
+              <a:buChar char="•"/>
             </a:pPr>
             <a:r>
-              <a:rPr lang="zh-CN" altLang="en-US" sz="2400" dirty="0"/>
+              <a:rPr lang="zh-CN" altLang="en-US" sz="2400" dirty="0">
+                <a:latin typeface="微软雅黑" panose="020B0503020204020204" pitchFamily="34" charset="-122"/>
+                <a:ea typeface="微软雅黑" panose="020B0503020204020204" pitchFamily="34" charset="-122"/>
+              </a:rPr>
               <a:t>疯狂的分裂繁殖，通过化学物质破坏</a:t>
             </a:r>
             <a:r>
-              <a:rPr lang="en-US" altLang="zh-CN" sz="2400" dirty="0"/>
+              <a:rPr lang="en-US" altLang="zh-CN" sz="2400" dirty="0">
+                <a:latin typeface="微软雅黑" panose="020B0503020204020204" pitchFamily="34" charset="-122"/>
+                <a:ea typeface="微软雅黑" panose="020B0503020204020204" pitchFamily="34" charset="-122"/>
+              </a:rPr>
               <a:t>DNA</a:t>
             </a:r>
             <a:r>
-              <a:rPr lang="zh-CN" altLang="en-US" sz="2400" dirty="0"/>
+              <a:rPr lang="zh-CN" altLang="en-US" sz="2400" dirty="0">
+                <a:latin typeface="微软雅黑" panose="020B0503020204020204" pitchFamily="34" charset="-122"/>
+                <a:ea typeface="微软雅黑" panose="020B0503020204020204" pitchFamily="34" charset="-122"/>
+              </a:rPr>
               <a:t>复制和细胞分裂 </a:t>
             </a:r>
             <a:r>
-              <a:rPr lang="en-US" altLang="zh-CN" sz="2400" dirty="0"/>
+              <a:rPr lang="en-US" altLang="zh-CN" sz="2400" dirty="0">
+                <a:latin typeface="微软雅黑" panose="020B0503020204020204" pitchFamily="34" charset="-122"/>
+                <a:ea typeface="微软雅黑" panose="020B0503020204020204" pitchFamily="34" charset="-122"/>
+              </a:rPr>
               <a:t>—— </a:t>
             </a:r>
             <a:r>
-              <a:rPr lang="zh-CN" altLang="en-US" sz="2400" dirty="0"/>
+              <a:rPr lang="zh-CN" altLang="en-US" sz="2400" dirty="0">
+                <a:latin typeface="微软雅黑" panose="020B0503020204020204" pitchFamily="34" charset="-122"/>
+                <a:ea typeface="微软雅黑" panose="020B0503020204020204" pitchFamily="34" charset="-122"/>
+              </a:rPr>
               <a:t>化疗</a:t>
             </a:r>
-            <a:endParaRPr lang="en-US" altLang="zh-CN" sz="2400" dirty="0"/>
+            <a:endParaRPr lang="en-US" altLang="zh-CN" sz="2400" dirty="0">
+              <a:latin typeface="微软雅黑" panose="020B0503020204020204" pitchFamily="34" charset="-122"/>
+              <a:ea typeface="微软雅黑" panose="020B0503020204020204" pitchFamily="34" charset="-122"/>
+            </a:endParaRPr>
           </a:p>
           <a:p>
             <a:pPr marL="342900" indent="-342900">
-              <a:buAutoNum type="arabicPeriod"/>
+              <a:buFont typeface="Arial" panose="020B0604020202020204" pitchFamily="34" charset="0"/>
+              <a:buChar char="•"/>
             </a:pPr>
             <a:r>
-              <a:rPr lang="zh-CN" altLang="en-US" sz="2400" dirty="0"/>
+              <a:rPr lang="zh-CN" altLang="en-US" sz="2400" dirty="0">
+                <a:latin typeface="微软雅黑" panose="020B0503020204020204" pitchFamily="34" charset="-122"/>
+                <a:ea typeface="微软雅黑" panose="020B0503020204020204" pitchFamily="34" charset="-122"/>
+              </a:rPr>
               <a:t>除了疯狂繁殖，还有什么区别 </a:t>
             </a:r>
             <a:r>
-              <a:rPr lang="en-US" altLang="zh-CN" sz="2400" dirty="0"/>
+              <a:rPr lang="en-US" altLang="zh-CN" sz="2400" dirty="0">
+                <a:latin typeface="微软雅黑" panose="020B0503020204020204" pitchFamily="34" charset="-122"/>
+                <a:ea typeface="微软雅黑" panose="020B0503020204020204" pitchFamily="34" charset="-122"/>
+              </a:rPr>
               <a:t>—— </a:t>
             </a:r>
             <a:r>
-              <a:rPr lang="zh-CN" altLang="en-US" sz="2400" dirty="0"/>
-              <a:t>精准的靶向药物</a:t>
-            </a:r>
-            <a:endParaRPr lang="en-US" altLang="zh-CN" sz="2400" dirty="0"/>
-          </a:p>
-          <a:p>
-            <a:r>
-              <a:rPr lang="en-US" altLang="zh-CN" sz="2400" dirty="0"/>
-              <a:t>       </a:t>
-            </a:r>
-            <a:r>
-              <a:rPr lang="zh-CN" altLang="en-US" sz="2400" dirty="0"/>
-              <a:t>格列卫</a:t>
-            </a:r>
-            <a:endParaRPr lang="en-US" altLang="zh-CN" sz="2400" dirty="0"/>
-          </a:p>
-          <a:p>
-            <a:r>
-              <a:rPr lang="en-US" altLang="zh-CN" sz="2400" dirty="0"/>
-              <a:t>3.   </a:t>
-            </a:r>
-            <a:r>
-              <a:rPr lang="zh-CN" altLang="en-US" sz="2400" dirty="0"/>
-              <a:t>对癌症的持续“追杀”</a:t>
-            </a:r>
-            <a:endParaRPr lang="en-US" altLang="zh-CN" sz="2400" dirty="0"/>
-          </a:p>
-          <a:p>
-            <a:r>
-              <a:rPr lang="en-US" sz="2400" dirty="0"/>
-              <a:t>     </a:t>
-            </a:r>
-            <a:r>
-              <a:rPr lang="zh-CN" altLang="en-US" sz="2400" dirty="0"/>
-              <a:t>研究耐药癌细胞，开发新的靶向药物</a:t>
-            </a:r>
-            <a:endParaRPr lang="en-US" sz="2400" dirty="0"/>
+              <a:rPr lang="zh-CN" altLang="en-US" sz="2400" dirty="0">
+                <a:latin typeface="微软雅黑" panose="020B0503020204020204" pitchFamily="34" charset="-122"/>
+                <a:ea typeface="微软雅黑" panose="020B0503020204020204" pitchFamily="34" charset="-122"/>
+              </a:rPr>
+              <a:t>精准的靶向药物，格列卫</a:t>
+            </a:r>
+            <a:endParaRPr lang="en-US" altLang="zh-CN" sz="2400" dirty="0">
+              <a:latin typeface="微软雅黑" panose="020B0503020204020204" pitchFamily="34" charset="-122"/>
+              <a:ea typeface="微软雅黑" panose="020B0503020204020204" pitchFamily="34" charset="-122"/>
+            </a:endParaRPr>
+          </a:p>
+          <a:p>
+            <a:pPr marL="342900" indent="-342900">
+              <a:buFont typeface="Arial" panose="020B0604020202020204" pitchFamily="34" charset="0"/>
+              <a:buChar char="•"/>
+            </a:pPr>
+            <a:r>
+              <a:rPr lang="zh-CN" altLang="en-US" sz="2400" dirty="0">
+                <a:latin typeface="微软雅黑" panose="020B0503020204020204" pitchFamily="34" charset="-122"/>
+                <a:ea typeface="微软雅黑" panose="020B0503020204020204" pitchFamily="34" charset="-122"/>
+              </a:rPr>
+              <a:t>对癌症的持续“追杀”，研究耐药癌细胞，开发新的靶向药物</a:t>
+            </a:r>
+            <a:endParaRPr lang="en-US" sz="2400" dirty="0">
+              <a:latin typeface="微软雅黑" panose="020B0503020204020204" pitchFamily="34" charset="-122"/>
+            </a:endParaRPr>
           </a:p>
         </p:txBody>
       </p:sp>
@@ -5559,40 +6102,6 @@
       </p:grpSpPr>
       <p:sp>
         <p:nvSpPr>
-          <p:cNvPr id="7" name="标题 1">
-            <a:extLst>
-              <a:ext uri="{FF2B5EF4-FFF2-40B4-BE49-F238E27FC236}">
-                <a16:creationId xmlns:a16="http://schemas.microsoft.com/office/drawing/2014/main" id="{3D36BAC0-1C17-48EB-8BC0-D5906F6C8EB7}"/>
-              </a:ext>
-            </a:extLst>
-          </p:cNvPr>
-          <p:cNvSpPr>
-            <a:spLocks noGrp="1"/>
-          </p:cNvSpPr>
-          <p:nvPr>
-            <p:ph type="ctrTitle"/>
-          </p:nvPr>
-        </p:nvSpPr>
-        <p:spPr>
-          <a:xfrm>
-            <a:off x="1524000" y="393894"/>
-            <a:ext cx="9144000" cy="1104388"/>
-          </a:xfrm>
-        </p:spPr>
-        <p:txBody>
-          <a:bodyPr/>
-          <a:lstStyle/>
-          <a:p>
-            <a:r>
-              <a:rPr lang="zh-CN" altLang="en-US" dirty="0"/>
-              <a:t>药物投送系统</a:t>
-            </a:r>
-            <a:endParaRPr lang="en-US" dirty="0"/>
-          </a:p>
-        </p:txBody>
-      </p:sp>
-      <p:sp>
-        <p:nvSpPr>
           <p:cNvPr id="8" name="矩形 7">
             <a:extLst>
               <a:ext uri="{FF2B5EF4-FFF2-40B4-BE49-F238E27FC236}">
@@ -5605,8 +6114,8 @@
         </p:nvSpPr>
         <p:spPr>
           <a:xfrm>
-            <a:off x="2685068" y="1568622"/>
-            <a:ext cx="7982932" cy="830997"/>
+            <a:off x="2104534" y="2598003"/>
+            <a:ext cx="7982932" cy="1754326"/>
           </a:xfrm>
           <a:prstGeom prst="rect">
             <a:avLst/>
@@ -5619,111 +6128,15 @@
           <a:lstStyle/>
           <a:p>
             <a:r>
-              <a:rPr lang="zh-CN" altLang="en-US" sz="2400" dirty="0"/>
-              <a:t>癌症药物像是爆炸力强悍的炸药，药物投送系统就是大炮、轰炸机和精确制导的炸弹。</a:t>
-            </a:r>
-            <a:endParaRPr lang="en-US" sz="2400" dirty="0"/>
-          </a:p>
-        </p:txBody>
-      </p:sp>
-      <p:sp>
-        <p:nvSpPr>
-          <p:cNvPr id="9" name="矩形 8">
-            <a:extLst>
-              <a:ext uri="{FF2B5EF4-FFF2-40B4-BE49-F238E27FC236}">
-                <a16:creationId xmlns:a16="http://schemas.microsoft.com/office/drawing/2014/main" id="{2E0C7671-E740-42E1-B9BC-28444FBBB33E}"/>
-              </a:ext>
-            </a:extLst>
-          </p:cNvPr>
-          <p:cNvSpPr/>
-          <p:nvPr/>
-        </p:nvSpPr>
-        <p:spPr>
-          <a:xfrm>
-            <a:off x="2685068" y="2602670"/>
-            <a:ext cx="7982932" cy="4154984"/>
-          </a:xfrm>
-          <a:prstGeom prst="rect">
-            <a:avLst/>
-          </a:prstGeom>
-        </p:spPr>
-        <p:txBody>
-          <a:bodyPr wrap="square">
-            <a:spAutoFit/>
-          </a:bodyPr>
-          <a:lstStyle/>
-          <a:p>
-            <a:r>
-              <a:rPr lang="zh-CN" altLang="en-US" sz="2400" dirty="0"/>
-              <a:t>低效的药物投送系统</a:t>
-            </a:r>
-            <a:endParaRPr lang="en-US" altLang="zh-CN" sz="2400" dirty="0"/>
-          </a:p>
-          <a:p>
-            <a:r>
-              <a:rPr lang="zh-CN" altLang="en-US" sz="2400" dirty="0"/>
-              <a:t>药物需要在血液经过漫长运输才能到达患病部位。</a:t>
-            </a:r>
-            <a:endParaRPr lang="en-US" altLang="zh-CN" sz="2400" dirty="0"/>
-          </a:p>
-          <a:p>
-            <a:r>
-              <a:rPr lang="zh-CN" altLang="en-US" sz="2400" dirty="0"/>
-              <a:t>加大药量，对身体产生副作用。</a:t>
-            </a:r>
-            <a:endParaRPr lang="en-US" altLang="zh-CN" sz="2400" dirty="0"/>
-          </a:p>
-          <a:p>
-            <a:endParaRPr lang="en-US" sz="2400" dirty="0"/>
-          </a:p>
-          <a:p>
-            <a:r>
-              <a:rPr lang="zh-CN" altLang="en-US" sz="2400" dirty="0"/>
-              <a:t>癌细胞的“豆腐渣”血管</a:t>
-            </a:r>
-            <a:endParaRPr lang="en-US" altLang="zh-CN" sz="2400" dirty="0"/>
-          </a:p>
-          <a:p>
-            <a:endParaRPr lang="en-US" sz="2400" dirty="0"/>
-          </a:p>
-          <a:p>
-            <a:r>
-              <a:rPr lang="zh-CN" altLang="en-US" sz="2400" dirty="0"/>
-              <a:t>导弹式投送系统</a:t>
-            </a:r>
-            <a:endParaRPr lang="en-US" altLang="zh-CN" sz="2400" dirty="0"/>
-          </a:p>
-          <a:p>
-            <a:endParaRPr lang="en-US" sz="2400" dirty="0"/>
-          </a:p>
-          <a:p>
-            <a:r>
-              <a:rPr lang="zh-CN" altLang="en-US" sz="2400" dirty="0"/>
-              <a:t>天然精准投送系统 </a:t>
-            </a:r>
-            <a:r>
-              <a:rPr lang="en-US" altLang="zh-CN" sz="2400" dirty="0"/>
-              <a:t>—— </a:t>
-            </a:r>
-            <a:r>
-              <a:rPr lang="zh-CN" altLang="en-US" sz="2400" dirty="0"/>
-              <a:t>病毒</a:t>
-            </a:r>
-            <a:endParaRPr lang="en-US" altLang="zh-CN" sz="2400" dirty="0"/>
-          </a:p>
-          <a:p>
-            <a:r>
-              <a:rPr lang="zh-CN" altLang="en-US" sz="2400" dirty="0"/>
-              <a:t>绝大多数病毒都有精确到极致的细胞识别能力。 </a:t>
-            </a:r>
-            <a:endParaRPr lang="en-US" altLang="zh-CN" sz="2400" dirty="0"/>
-          </a:p>
-          <a:p>
-            <a:r>
-              <a:rPr lang="zh-CN" altLang="en-US" sz="2400" dirty="0"/>
-              <a:t>病毒尺寸更大，可以装更多的弹药。</a:t>
-            </a:r>
-            <a:endParaRPr lang="en-US" altLang="zh-CN" sz="2400" dirty="0"/>
+              <a:rPr lang="zh-CN" altLang="en-US" sz="3600" dirty="0">
+                <a:latin typeface="微软雅黑" panose="020B0503020204020204" pitchFamily="34" charset="-122"/>
+                <a:ea typeface="微软雅黑" panose="020B0503020204020204" pitchFamily="34" charset="-122"/>
+              </a:rPr>
+              <a:t>癌症药物像是爆炸力强悍的炸药，药物投送系统就是大炮、轰炸机和精确制导的炸弹</a:t>
+            </a:r>
+            <a:endParaRPr lang="en-US" sz="3600" dirty="0">
+              <a:latin typeface="微软雅黑" panose="020B0503020204020204" pitchFamily="34" charset="-122"/>
+            </a:endParaRPr>
           </a:p>
         </p:txBody>
       </p:sp>

--- a/癌症/癌症.pptx
+++ b/癌症/癌症.pptx
@@ -8,19 +8,25 @@
     <p:sldId id="257" r:id="rId2"/>
     <p:sldId id="256" r:id="rId3"/>
     <p:sldId id="258" r:id="rId4"/>
-    <p:sldId id="259" r:id="rId5"/>
-    <p:sldId id="260" r:id="rId6"/>
-    <p:sldId id="261" r:id="rId7"/>
-    <p:sldId id="262" r:id="rId8"/>
-    <p:sldId id="263" r:id="rId9"/>
-    <p:sldId id="264" r:id="rId10"/>
-    <p:sldId id="272" r:id="rId11"/>
-    <p:sldId id="265" r:id="rId12"/>
-    <p:sldId id="266" r:id="rId13"/>
-    <p:sldId id="267" r:id="rId14"/>
-    <p:sldId id="273" r:id="rId15"/>
-    <p:sldId id="270" r:id="rId16"/>
-    <p:sldId id="271" r:id="rId17"/>
+    <p:sldId id="280" r:id="rId5"/>
+    <p:sldId id="259" r:id="rId6"/>
+    <p:sldId id="274" r:id="rId7"/>
+    <p:sldId id="260" r:id="rId8"/>
+    <p:sldId id="261" r:id="rId9"/>
+    <p:sldId id="262" r:id="rId10"/>
+    <p:sldId id="263" r:id="rId11"/>
+    <p:sldId id="264" r:id="rId12"/>
+    <p:sldId id="272" r:id="rId13"/>
+    <p:sldId id="265" r:id="rId14"/>
+    <p:sldId id="266" r:id="rId15"/>
+    <p:sldId id="267" r:id="rId16"/>
+    <p:sldId id="273" r:id="rId17"/>
+    <p:sldId id="275" r:id="rId18"/>
+    <p:sldId id="279" r:id="rId19"/>
+    <p:sldId id="270" r:id="rId20"/>
+    <p:sldId id="281" r:id="rId21"/>
+    <p:sldId id="271" r:id="rId22"/>
+    <p:sldId id="277" r:id="rId23"/>
   </p:sldIdLst>
   <p:sldSz cx="12192000" cy="6858000"/>
   <p:notesSz cx="6858000" cy="9144000"/>
@@ -258,7 +264,7 @@
           <a:p>
             <a:fld id="{DCE84136-E880-46BE-9D53-03C5AB0F59FF}" type="datetimeFigureOut">
               <a:rPr lang="en-US" smtClean="0"/>
-              <a:t>1/29/2019</a:t>
+              <a:t>1/31/2019</a:t>
             </a:fld>
             <a:endParaRPr lang="en-US"/>
           </a:p>
@@ -428,7 +434,7 @@
           <a:p>
             <a:fld id="{DCE84136-E880-46BE-9D53-03C5AB0F59FF}" type="datetimeFigureOut">
               <a:rPr lang="en-US" smtClean="0"/>
-              <a:t>1/29/2019</a:t>
+              <a:t>1/31/2019</a:t>
             </a:fld>
             <a:endParaRPr lang="en-US"/>
           </a:p>
@@ -608,7 +614,7 @@
           <a:p>
             <a:fld id="{DCE84136-E880-46BE-9D53-03C5AB0F59FF}" type="datetimeFigureOut">
               <a:rPr lang="en-US" smtClean="0"/>
-              <a:t>1/29/2019</a:t>
+              <a:t>1/31/2019</a:t>
             </a:fld>
             <a:endParaRPr lang="en-US"/>
           </a:p>
@@ -778,7 +784,7 @@
           <a:p>
             <a:fld id="{DCE84136-E880-46BE-9D53-03C5AB0F59FF}" type="datetimeFigureOut">
               <a:rPr lang="en-US" smtClean="0"/>
-              <a:t>1/29/2019</a:t>
+              <a:t>1/31/2019</a:t>
             </a:fld>
             <a:endParaRPr lang="en-US"/>
           </a:p>
@@ -1024,7 +1030,7 @@
           <a:p>
             <a:fld id="{DCE84136-E880-46BE-9D53-03C5AB0F59FF}" type="datetimeFigureOut">
               <a:rPr lang="en-US" smtClean="0"/>
-              <a:t>1/29/2019</a:t>
+              <a:t>1/31/2019</a:t>
             </a:fld>
             <a:endParaRPr lang="en-US"/>
           </a:p>
@@ -1256,7 +1262,7 @@
           <a:p>
             <a:fld id="{DCE84136-E880-46BE-9D53-03C5AB0F59FF}" type="datetimeFigureOut">
               <a:rPr lang="en-US" smtClean="0"/>
-              <a:t>1/29/2019</a:t>
+              <a:t>1/31/2019</a:t>
             </a:fld>
             <a:endParaRPr lang="en-US"/>
           </a:p>
@@ -1623,7 +1629,7 @@
           <a:p>
             <a:fld id="{DCE84136-E880-46BE-9D53-03C5AB0F59FF}" type="datetimeFigureOut">
               <a:rPr lang="en-US" smtClean="0"/>
-              <a:t>1/29/2019</a:t>
+              <a:t>1/31/2019</a:t>
             </a:fld>
             <a:endParaRPr lang="en-US"/>
           </a:p>
@@ -1741,7 +1747,7 @@
           <a:p>
             <a:fld id="{DCE84136-E880-46BE-9D53-03C5AB0F59FF}" type="datetimeFigureOut">
               <a:rPr lang="en-US" smtClean="0"/>
-              <a:t>1/29/2019</a:t>
+              <a:t>1/31/2019</a:t>
             </a:fld>
             <a:endParaRPr lang="en-US"/>
           </a:p>
@@ -1836,7 +1842,7 @@
           <a:p>
             <a:fld id="{DCE84136-E880-46BE-9D53-03C5AB0F59FF}" type="datetimeFigureOut">
               <a:rPr lang="en-US" smtClean="0"/>
-              <a:t>1/29/2019</a:t>
+              <a:t>1/31/2019</a:t>
             </a:fld>
             <a:endParaRPr lang="en-US"/>
           </a:p>
@@ -2113,7 +2119,7 @@
           <a:p>
             <a:fld id="{DCE84136-E880-46BE-9D53-03C5AB0F59FF}" type="datetimeFigureOut">
               <a:rPr lang="en-US" smtClean="0"/>
-              <a:t>1/29/2019</a:t>
+              <a:t>1/31/2019</a:t>
             </a:fld>
             <a:endParaRPr lang="en-US"/>
           </a:p>
@@ -2370,7 +2376,7 @@
           <a:p>
             <a:fld id="{DCE84136-E880-46BE-9D53-03C5AB0F59FF}" type="datetimeFigureOut">
               <a:rPr lang="en-US" smtClean="0"/>
-              <a:t>1/29/2019</a:t>
+              <a:t>1/31/2019</a:t>
             </a:fld>
             <a:endParaRPr lang="en-US"/>
           </a:p>
@@ -2585,7 +2591,7 @@
             <a:fld id="{DCE84136-E880-46BE-9D53-03C5AB0F59FF}" type="datetimeFigureOut">
               <a:rPr lang="en-US" smtClean="0"/>
               <a:pPr/>
-              <a:t>1/29/2019</a:t>
+              <a:t>1/31/2019</a:t>
             </a:fld>
             <a:endParaRPr lang="en-US" dirty="0"/>
           </a:p>
@@ -3059,10 +3065,10 @@
       </p:grpSpPr>
       <p:sp>
         <p:nvSpPr>
-          <p:cNvPr id="7" name="标题 1">
+          <p:cNvPr id="3" name="标题 1">
             <a:extLst>
               <a:ext uri="{FF2B5EF4-FFF2-40B4-BE49-F238E27FC236}">
-                <a16:creationId xmlns:a16="http://schemas.microsoft.com/office/drawing/2014/main" id="{3D36BAC0-1C17-48EB-8BC0-D5906F6C8EB7}"/>
+                <a16:creationId xmlns:a16="http://schemas.microsoft.com/office/drawing/2014/main" id="{27B3886F-49DA-444F-9299-6B72C5599E9C}"/>
               </a:ext>
             </a:extLst>
           </p:cNvPr>
@@ -3075,7 +3081,7 @@
         </p:nvSpPr>
         <p:spPr>
           <a:xfrm>
-            <a:off x="1524000" y="393894"/>
+            <a:off x="1524000" y="351691"/>
             <a:ext cx="9144000" cy="1104388"/>
           </a:xfrm>
         </p:spPr>
@@ -3085,7 +3091,7 @@
           <a:p>
             <a:r>
               <a:rPr lang="zh-CN" altLang="en-US" dirty="0"/>
-              <a:t>药物投送系统</a:t>
+              <a:t>癌症药物</a:t>
             </a:r>
             <a:endParaRPr lang="en-US" dirty="0"/>
           </a:p>
@@ -3093,10 +3099,10 @@
       </p:sp>
       <p:sp>
         <p:nvSpPr>
-          <p:cNvPr id="9" name="矩形 8">
+          <p:cNvPr id="4" name="矩形 3">
             <a:extLst>
               <a:ext uri="{FF2B5EF4-FFF2-40B4-BE49-F238E27FC236}">
-                <a16:creationId xmlns:a16="http://schemas.microsoft.com/office/drawing/2014/main" id="{2E0C7671-E740-42E1-B9BC-28444FBBB33E}"/>
+                <a16:creationId xmlns:a16="http://schemas.microsoft.com/office/drawing/2014/main" id="{75782921-B590-4730-9564-61AF9BCFD50A}"/>
               </a:ext>
             </a:extLst>
           </p:cNvPr>
@@ -3105,8 +3111,8 @@
         </p:nvSpPr>
         <p:spPr>
           <a:xfrm>
-            <a:off x="2685068" y="1800811"/>
-            <a:ext cx="7982932" cy="4154984"/>
+            <a:off x="2375579" y="1793921"/>
+            <a:ext cx="7982932" cy="1689052"/>
           </a:xfrm>
           <a:prstGeom prst="rect">
             <a:avLst/>
@@ -3118,12 +3124,17 @@
           </a:bodyPr>
           <a:lstStyle/>
           <a:p>
+            <a:pPr>
+              <a:lnSpc>
+                <a:spcPct val="150000"/>
+              </a:lnSpc>
+            </a:pPr>
             <a:r>
               <a:rPr lang="zh-CN" altLang="en-US" sz="2400" dirty="0">
                 <a:latin typeface="微软雅黑" panose="020B0503020204020204" pitchFamily="34" charset="-122"/>
                 <a:ea typeface="微软雅黑" panose="020B0503020204020204" pitchFamily="34" charset="-122"/>
               </a:rPr>
-              <a:t>低效的药物投送系统</a:t>
+              <a:t>完美的抗癌药物</a:t>
             </a:r>
             <a:endParaRPr lang="en-US" altLang="zh-CN" sz="2400" dirty="0">
               <a:latin typeface="微软雅黑" panose="020B0503020204020204" pitchFamily="34" charset="-122"/>
@@ -3132,6 +3143,9 @@
           </a:p>
           <a:p>
             <a:pPr marL="342900" indent="-342900">
+              <a:lnSpc>
+                <a:spcPct val="150000"/>
+              </a:lnSpc>
               <a:buFont typeface="Arial" panose="020B0604020202020204" pitchFamily="34" charset="0"/>
               <a:buChar char="•"/>
             </a:pPr>
@@ -3140,7 +3154,7 @@
                 <a:latin typeface="微软雅黑" panose="020B0503020204020204" pitchFamily="34" charset="-122"/>
                 <a:ea typeface="微软雅黑" panose="020B0503020204020204" pitchFamily="34" charset="-122"/>
               </a:rPr>
-              <a:t>药物需要在血液经过漫长运输才能到达患病部位</a:t>
+              <a:t>杀死所有癌细胞</a:t>
             </a:r>
             <a:endParaRPr lang="en-US" altLang="zh-CN" sz="2400" dirty="0">
               <a:latin typeface="微软雅黑" panose="020B0503020204020204" pitchFamily="34" charset="-122"/>
@@ -3149,6 +3163,9 @@
           </a:p>
           <a:p>
             <a:pPr marL="342900" indent="-342900">
+              <a:lnSpc>
+                <a:spcPct val="150000"/>
+              </a:lnSpc>
               <a:buFont typeface="Arial" panose="020B0604020202020204" pitchFamily="34" charset="0"/>
               <a:buChar char="•"/>
             </a:pPr>
@@ -3157,7 +3174,52 @@
                 <a:latin typeface="微软雅黑" panose="020B0503020204020204" pitchFamily="34" charset="-122"/>
                 <a:ea typeface="微软雅黑" panose="020B0503020204020204" pitchFamily="34" charset="-122"/>
               </a:rPr>
-              <a:t>加大药量，对身体产生副作用</a:t>
+              <a:t>不会威胁到正常细胞</a:t>
+            </a:r>
+            <a:endParaRPr lang="en-US" sz="2400" dirty="0">
+              <a:latin typeface="微软雅黑" panose="020B0503020204020204" pitchFamily="34" charset="-122"/>
+            </a:endParaRPr>
+          </a:p>
+        </p:txBody>
+      </p:sp>
+      <p:sp>
+        <p:nvSpPr>
+          <p:cNvPr id="5" name="矩形 4">
+            <a:extLst>
+              <a:ext uri="{FF2B5EF4-FFF2-40B4-BE49-F238E27FC236}">
+                <a16:creationId xmlns:a16="http://schemas.microsoft.com/office/drawing/2014/main" id="{36D68D14-D887-406F-A482-98303567E5AD}"/>
+              </a:ext>
+            </a:extLst>
+          </p:cNvPr>
+          <p:cNvSpPr/>
+          <p:nvPr/>
+        </p:nvSpPr>
+        <p:spPr>
+          <a:xfrm>
+            <a:off x="2375579" y="3778612"/>
+            <a:ext cx="9708570" cy="2797048"/>
+          </a:xfrm>
+          <a:prstGeom prst="rect">
+            <a:avLst/>
+          </a:prstGeom>
+        </p:spPr>
+        <p:txBody>
+          <a:bodyPr wrap="square">
+            <a:spAutoFit/>
+          </a:bodyPr>
+          <a:lstStyle/>
+          <a:p>
+            <a:pPr>
+              <a:lnSpc>
+                <a:spcPct val="150000"/>
+              </a:lnSpc>
+            </a:pPr>
+            <a:r>
+              <a:rPr lang="zh-CN" altLang="en-US" sz="2400" dirty="0">
+                <a:latin typeface="微软雅黑" panose="020B0503020204020204" pitchFamily="34" charset="-122"/>
+                <a:ea typeface="微软雅黑" panose="020B0503020204020204" pitchFamily="34" charset="-122"/>
+              </a:rPr>
+              <a:t>癌细胞和正常细胞的区别</a:t>
             </a:r>
             <a:endParaRPr lang="en-US" altLang="zh-CN" sz="2400" dirty="0">
               <a:latin typeface="微软雅黑" panose="020B0503020204020204" pitchFamily="34" charset="-122"/>
@@ -3165,17 +3227,47 @@
             </a:endParaRPr>
           </a:p>
           <a:p>
-            <a:endParaRPr lang="en-US" sz="2400" dirty="0">
-              <a:latin typeface="微软雅黑" panose="020B0503020204020204" pitchFamily="34" charset="-122"/>
-            </a:endParaRPr>
-          </a:p>
-          <a:p>
+            <a:pPr marL="342900" indent="-342900">
+              <a:lnSpc>
+                <a:spcPct val="150000"/>
+              </a:lnSpc>
+              <a:buFont typeface="Arial" panose="020B0604020202020204" pitchFamily="34" charset="0"/>
+              <a:buChar char="•"/>
+            </a:pPr>
             <a:r>
               <a:rPr lang="zh-CN" altLang="en-US" sz="2400" dirty="0">
                 <a:latin typeface="微软雅黑" panose="020B0503020204020204" pitchFamily="34" charset="-122"/>
                 <a:ea typeface="微软雅黑" panose="020B0503020204020204" pitchFamily="34" charset="-122"/>
               </a:rPr>
-              <a:t>癌细胞的“豆腐渣”血管</a:t>
+              <a:t>疯狂的分裂繁殖，通过化学物质破坏</a:t>
+            </a:r>
+            <a:r>
+              <a:rPr lang="en-US" altLang="zh-CN" sz="2400" dirty="0">
+                <a:latin typeface="微软雅黑" panose="020B0503020204020204" pitchFamily="34" charset="-122"/>
+                <a:ea typeface="微软雅黑" panose="020B0503020204020204" pitchFamily="34" charset="-122"/>
+              </a:rPr>
+              <a:t>DNA</a:t>
+            </a:r>
+            <a:r>
+              <a:rPr lang="zh-CN" altLang="en-US" sz="2400" dirty="0">
+                <a:latin typeface="微软雅黑" panose="020B0503020204020204" pitchFamily="34" charset="-122"/>
+                <a:ea typeface="微软雅黑" panose="020B0503020204020204" pitchFamily="34" charset="-122"/>
+              </a:rPr>
+              <a:t>复制和细胞分裂 </a:t>
+            </a:r>
+            <a:r>
+              <a:rPr lang="en-US" altLang="zh-CN" sz="2400" dirty="0">
+                <a:latin typeface="微软雅黑" panose="020B0503020204020204" pitchFamily="34" charset="-122"/>
+                <a:ea typeface="微软雅黑" panose="020B0503020204020204" pitchFamily="34" charset="-122"/>
+              </a:rPr>
+              <a:t>—— </a:t>
+            </a:r>
+            <a:r>
+              <a:rPr lang="zh-CN" altLang="en-US" sz="2400" dirty="0">
+                <a:latin typeface="微软雅黑" panose="020B0503020204020204" pitchFamily="34" charset="-122"/>
+                <a:ea typeface="微软雅黑" panose="020B0503020204020204" pitchFamily="34" charset="-122"/>
+              </a:rPr>
+              <a:t>化疗</a:t>
             </a:r>
             <a:endParaRPr lang="en-US" altLang="zh-CN" sz="2400" dirty="0">
               <a:latin typeface="微软雅黑" panose="020B0503020204020204" pitchFamily="34" charset="-122"/>
@@ -3183,17 +3275,33 @@
             </a:endParaRPr>
           </a:p>
           <a:p>
-            <a:endParaRPr lang="en-US" sz="2400" dirty="0">
-              <a:latin typeface="微软雅黑" panose="020B0503020204020204" pitchFamily="34" charset="-122"/>
-            </a:endParaRPr>
-          </a:p>
-          <a:p>
+            <a:pPr marL="342900" indent="-342900">
+              <a:lnSpc>
+                <a:spcPct val="150000"/>
+              </a:lnSpc>
+              <a:buFont typeface="Arial" panose="020B0604020202020204" pitchFamily="34" charset="0"/>
+              <a:buChar char="•"/>
+            </a:pPr>
             <a:r>
               <a:rPr lang="zh-CN" altLang="en-US" sz="2400" dirty="0">
                 <a:latin typeface="微软雅黑" panose="020B0503020204020204" pitchFamily="34" charset="-122"/>
                 <a:ea typeface="微软雅黑" panose="020B0503020204020204" pitchFamily="34" charset="-122"/>
               </a:rPr>
-              <a:t>导弹式投送系统</a:t>
+              <a:t>除了疯狂繁殖，还有什么区别 </a:t>
+            </a:r>
+            <a:r>
+              <a:rPr lang="en-US" altLang="zh-CN" sz="2400" dirty="0">
+                <a:latin typeface="微软雅黑" panose="020B0503020204020204" pitchFamily="34" charset="-122"/>
+                <a:ea typeface="微软雅黑" panose="020B0503020204020204" pitchFamily="34" charset="-122"/>
+              </a:rPr>
+              <a:t>—— </a:t>
+            </a:r>
+            <a:r>
+              <a:rPr lang="zh-CN" altLang="en-US" sz="2400" dirty="0">
+                <a:latin typeface="微软雅黑" panose="020B0503020204020204" pitchFamily="34" charset="-122"/>
+                <a:ea typeface="微软雅黑" panose="020B0503020204020204" pitchFamily="34" charset="-122"/>
+              </a:rPr>
+              <a:t>精准的靶向药物</a:t>
             </a:r>
             <a:endParaRPr lang="en-US" altLang="zh-CN" sz="2400" dirty="0">
               <a:latin typeface="微软雅黑" panose="020B0503020204020204" pitchFamily="34" charset="-122"/>
@@ -3201,31 +3309,45 @@
             </a:endParaRPr>
           </a:p>
           <a:p>
-            <a:endParaRPr lang="en-US" sz="2400" dirty="0">
-              <a:latin typeface="微软雅黑" panose="020B0503020204020204" pitchFamily="34" charset="-122"/>
-            </a:endParaRPr>
-          </a:p>
-          <a:p>
+            <a:pPr>
+              <a:lnSpc>
+                <a:spcPct val="150000"/>
+              </a:lnSpc>
+            </a:pPr>
+            <a:r>
+              <a:rPr lang="en-US" altLang="zh-CN" sz="2400" dirty="0">
+                <a:latin typeface="微软雅黑" panose="020B0503020204020204" pitchFamily="34" charset="-122"/>
+                <a:ea typeface="微软雅黑" panose="020B0503020204020204" pitchFamily="34" charset="-122"/>
+              </a:rPr>
+              <a:t>	</a:t>
+            </a:r>
             <a:r>
               <a:rPr lang="zh-CN" altLang="en-US" sz="2400" dirty="0">
                 <a:latin typeface="微软雅黑" panose="020B0503020204020204" pitchFamily="34" charset="-122"/>
                 <a:ea typeface="微软雅黑" panose="020B0503020204020204" pitchFamily="34" charset="-122"/>
               </a:rPr>
-              <a:t>天然精准投送系统 </a:t>
-            </a:r>
-            <a:r>
-              <a:rPr lang="en-US" altLang="zh-CN" sz="2400" dirty="0">
-                <a:latin typeface="微软雅黑" panose="020B0503020204020204" pitchFamily="34" charset="-122"/>
-                <a:ea typeface="微软雅黑" panose="020B0503020204020204" pitchFamily="34" charset="-122"/>
-              </a:rPr>
-              <a:t>—— </a:t>
-            </a:r>
-            <a:r>
-              <a:rPr lang="zh-CN" altLang="en-US" sz="2400" dirty="0">
-                <a:latin typeface="微软雅黑" panose="020B0503020204020204" pitchFamily="34" charset="-122"/>
-                <a:ea typeface="微软雅黑" panose="020B0503020204020204" pitchFamily="34" charset="-122"/>
-              </a:rPr>
-              <a:t>病毒</a:t>
+              <a:t>格列卫  </a:t>
+            </a:r>
+            <a:r>
+              <a:rPr lang="en-US" sz="2400" dirty="0">
+                <a:latin typeface="微软雅黑" panose="020B0503020204020204" pitchFamily="34" charset="-122"/>
+                <a:ea typeface="微软雅黑" panose="020B0503020204020204" pitchFamily="34" charset="-122"/>
+              </a:rPr>
+              <a:t>BCR-</a:t>
+            </a:r>
+            <a:r>
+              <a:rPr lang="en-US" sz="2400" dirty="0" err="1">
+                <a:latin typeface="微软雅黑" panose="020B0503020204020204" pitchFamily="34" charset="-122"/>
+                <a:ea typeface="微软雅黑" panose="020B0503020204020204" pitchFamily="34" charset="-122"/>
+              </a:rPr>
+              <a:t>AbL</a:t>
+            </a:r>
+            <a:r>
+              <a:rPr lang="en-US" sz="2400" dirty="0">
+                <a:latin typeface="微软雅黑" panose="020B0503020204020204" pitchFamily="34" charset="-122"/>
+                <a:ea typeface="微软雅黑" panose="020B0503020204020204" pitchFamily="34" charset="-122"/>
+              </a:rPr>
+              <a:t>  30% - 90%</a:t>
             </a:r>
             <a:endParaRPr lang="en-US" altLang="zh-CN" sz="2400" dirty="0">
               <a:latin typeface="微软雅黑" panose="020B0503020204020204" pitchFamily="34" charset="-122"/>
@@ -3234,6 +3356,9 @@
           </a:p>
           <a:p>
             <a:pPr marL="342900" indent="-342900">
+              <a:lnSpc>
+                <a:spcPct val="150000"/>
+              </a:lnSpc>
               <a:buFont typeface="Arial" panose="020B0604020202020204" pitchFamily="34" charset="0"/>
               <a:buChar char="•"/>
             </a:pPr>
@@ -3242,28 +3367,10 @@
                 <a:latin typeface="微软雅黑" panose="020B0503020204020204" pitchFamily="34" charset="-122"/>
                 <a:ea typeface="微软雅黑" panose="020B0503020204020204" pitchFamily="34" charset="-122"/>
               </a:rPr>
-              <a:t>绝大多数病毒都有精确到极致的细胞识别能力 </a:t>
-            </a:r>
-            <a:endParaRPr lang="en-US" altLang="zh-CN" sz="2400" dirty="0">
+              <a:t>对癌症的持续“追杀”，研究耐药癌细胞，开发新的靶向药物</a:t>
+            </a:r>
+            <a:endParaRPr lang="en-US" sz="2400" dirty="0">
               <a:latin typeface="微软雅黑" panose="020B0503020204020204" pitchFamily="34" charset="-122"/>
-              <a:ea typeface="微软雅黑" panose="020B0503020204020204" pitchFamily="34" charset="-122"/>
-            </a:endParaRPr>
-          </a:p>
-          <a:p>
-            <a:pPr marL="342900" indent="-342900">
-              <a:buFont typeface="Arial" panose="020B0604020202020204" pitchFamily="34" charset="0"/>
-              <a:buChar char="•"/>
-            </a:pPr>
-            <a:r>
-              <a:rPr lang="zh-CN" altLang="en-US" sz="2400" dirty="0">
-                <a:latin typeface="微软雅黑" panose="020B0503020204020204" pitchFamily="34" charset="-122"/>
-                <a:ea typeface="微软雅黑" panose="020B0503020204020204" pitchFamily="34" charset="-122"/>
-              </a:rPr>
-              <a:t>病毒尺寸更大，可以装更多的弹药</a:t>
-            </a:r>
-            <a:endParaRPr lang="en-US" altLang="zh-CN" sz="2400" dirty="0">
-              <a:latin typeface="微软雅黑" panose="020B0503020204020204" pitchFamily="34" charset="-122"/>
-              <a:ea typeface="微软雅黑" panose="020B0503020204020204" pitchFamily="34" charset="-122"/>
             </a:endParaRPr>
           </a:p>
         </p:txBody>
@@ -3271,7 +3378,7 @@
     </p:spTree>
     <p:extLst>
       <p:ext uri="{BB962C8B-B14F-4D97-AF65-F5344CB8AC3E}">
-        <p14:creationId xmlns:p14="http://schemas.microsoft.com/office/powerpoint/2010/main" val="3915450810"/>
+        <p14:creationId xmlns:p14="http://schemas.microsoft.com/office/powerpoint/2010/main" val="560476322"/>
       </p:ext>
     </p:extLst>
   </p:cSld>
@@ -3300,10 +3407,10 @@
       </p:grpSpPr>
       <p:sp>
         <p:nvSpPr>
-          <p:cNvPr id="13" name="矩形 12">
+          <p:cNvPr id="8" name="矩形 7">
             <a:extLst>
               <a:ext uri="{FF2B5EF4-FFF2-40B4-BE49-F238E27FC236}">
-                <a16:creationId xmlns:a16="http://schemas.microsoft.com/office/drawing/2014/main" id="{7B272312-7D65-4DEE-B124-A2159470D05B}"/>
+                <a16:creationId xmlns:a16="http://schemas.microsoft.com/office/drawing/2014/main" id="{8C07846B-8601-4A88-93BA-3878FD3F4B0C}"/>
               </a:ext>
             </a:extLst>
           </p:cNvPr>
@@ -3312,15 +3419,15 @@
         </p:nvSpPr>
         <p:spPr>
           <a:xfrm>
-            <a:off x="1387018" y="2782669"/>
-            <a:ext cx="9417963" cy="646331"/>
+            <a:off x="2104534" y="2598003"/>
+            <a:ext cx="7982932" cy="1754326"/>
           </a:xfrm>
           <a:prstGeom prst="rect">
             <a:avLst/>
           </a:prstGeom>
         </p:spPr>
         <p:txBody>
-          <a:bodyPr wrap="none">
+          <a:bodyPr wrap="square">
             <a:spAutoFit/>
           </a:bodyPr>
           <a:lstStyle/>
@@ -3330,7 +3437,7 @@
                 <a:latin typeface="微软雅黑" panose="020B0503020204020204" pitchFamily="34" charset="-122"/>
                 <a:ea typeface="微软雅黑" panose="020B0503020204020204" pitchFamily="34" charset="-122"/>
               </a:rPr>
-              <a:t>癌细胞与人体系统之间存在的千丝万缕的联系</a:t>
+              <a:t>癌症药物像是爆炸力强悍的炸药，药物投送系统就是大炮、轰炸机和精确制导的炸弹</a:t>
             </a:r>
             <a:endParaRPr lang="en-US" sz="3600" dirty="0">
               <a:latin typeface="微软雅黑" panose="020B0503020204020204" pitchFamily="34" charset="-122"/>
@@ -3341,7 +3448,7 @@
     </p:spTree>
     <p:extLst>
       <p:ext uri="{BB962C8B-B14F-4D97-AF65-F5344CB8AC3E}">
-        <p14:creationId xmlns:p14="http://schemas.microsoft.com/office/powerpoint/2010/main" val="1159743578"/>
+        <p14:creationId xmlns:p14="http://schemas.microsoft.com/office/powerpoint/2010/main" val="3843516434"/>
       </p:ext>
     </p:extLst>
   </p:cSld>
@@ -3370,10 +3477,10 @@
       </p:grpSpPr>
       <p:sp>
         <p:nvSpPr>
-          <p:cNvPr id="10" name="标题 1">
+          <p:cNvPr id="7" name="标题 1">
             <a:extLst>
               <a:ext uri="{FF2B5EF4-FFF2-40B4-BE49-F238E27FC236}">
-                <a16:creationId xmlns:a16="http://schemas.microsoft.com/office/drawing/2014/main" id="{395C3764-94DC-4578-919B-FE5F8A4E2872}"/>
+                <a16:creationId xmlns:a16="http://schemas.microsoft.com/office/drawing/2014/main" id="{3D36BAC0-1C17-48EB-8BC0-D5906F6C8EB7}"/>
               </a:ext>
             </a:extLst>
           </p:cNvPr>
@@ -3386,7 +3493,7 @@
         </p:nvSpPr>
         <p:spPr>
           <a:xfrm>
-            <a:off x="1524000" y="351691"/>
+            <a:off x="1524000" y="393894"/>
             <a:ext cx="9144000" cy="1104388"/>
           </a:xfrm>
         </p:spPr>
@@ -3396,18 +3503,18 @@
           <a:p>
             <a:r>
               <a:rPr lang="zh-CN" altLang="en-US" dirty="0"/>
-              <a:t>癌细胞与人体系统的关系</a:t>
-            </a:r>
-            <a:endParaRPr lang="en-US" altLang="zh-CN" dirty="0"/>
-          </a:p>
-        </p:txBody>
-      </p:sp>
-      <p:sp>
-        <p:nvSpPr>
-          <p:cNvPr id="11" name="矩形 10">
+              <a:t>药物投送系统</a:t>
+            </a:r>
+            <a:endParaRPr lang="en-US" dirty="0"/>
+          </a:p>
+        </p:txBody>
+      </p:sp>
+      <p:sp>
+        <p:nvSpPr>
+          <p:cNvPr id="9" name="矩形 8">
             <a:extLst>
               <a:ext uri="{FF2B5EF4-FFF2-40B4-BE49-F238E27FC236}">
-                <a16:creationId xmlns:a16="http://schemas.microsoft.com/office/drawing/2014/main" id="{6F4DB1D3-FAE4-4460-A3A8-85EFA6F3BFD9}"/>
+                <a16:creationId xmlns:a16="http://schemas.microsoft.com/office/drawing/2014/main" id="{2E0C7671-E740-42E1-B9BC-28444FBBB33E}"/>
               </a:ext>
             </a:extLst>
           </p:cNvPr>
@@ -3416,8 +3523,8 @@
         </p:nvSpPr>
         <p:spPr>
           <a:xfrm>
-            <a:off x="2104534" y="1638959"/>
-            <a:ext cx="7982932" cy="461665"/>
+            <a:off x="2685068" y="1617931"/>
+            <a:ext cx="7982932" cy="4412875"/>
           </a:xfrm>
           <a:prstGeom prst="rect">
             <a:avLst/>
@@ -3429,65 +3536,134 @@
           </a:bodyPr>
           <a:lstStyle/>
           <a:p>
+            <a:pPr>
+              <a:lnSpc>
+                <a:spcPct val="200000"/>
+              </a:lnSpc>
+            </a:pPr>
             <a:r>
               <a:rPr lang="zh-CN" altLang="en-US" sz="2400" dirty="0">
                 <a:latin typeface="微软雅黑" panose="020B0503020204020204" pitchFamily="34" charset="-122"/>
                 <a:ea typeface="微软雅黑" panose="020B0503020204020204" pitchFamily="34" charset="-122"/>
               </a:rPr>
-              <a:t>获得支持</a:t>
+              <a:t>低效的药物投送系统</a:t>
+            </a:r>
+            <a:endParaRPr lang="en-US" sz="2400" dirty="0">
+              <a:latin typeface="微软雅黑" panose="020B0503020204020204" pitchFamily="34" charset="-122"/>
+            </a:endParaRPr>
+          </a:p>
+          <a:p>
+            <a:pPr>
+              <a:lnSpc>
+                <a:spcPct val="200000"/>
+              </a:lnSpc>
+            </a:pPr>
+            <a:r>
+              <a:rPr lang="zh-CN" altLang="en-US" sz="2400" dirty="0">
+                <a:latin typeface="微软雅黑" panose="020B0503020204020204" pitchFamily="34" charset="-122"/>
+                <a:ea typeface="微软雅黑" panose="020B0503020204020204" pitchFamily="34" charset="-122"/>
+              </a:rPr>
+              <a:t>癌细胞的“豆腐渣”血管</a:t>
+            </a:r>
+            <a:endParaRPr lang="en-US" sz="2400" dirty="0">
+              <a:latin typeface="微软雅黑" panose="020B0503020204020204" pitchFamily="34" charset="-122"/>
+            </a:endParaRPr>
+          </a:p>
+          <a:p>
+            <a:pPr>
+              <a:lnSpc>
+                <a:spcPct val="200000"/>
+              </a:lnSpc>
+            </a:pPr>
+            <a:r>
+              <a:rPr lang="zh-CN" altLang="en-US" sz="2400" dirty="0">
+                <a:latin typeface="微软雅黑" panose="020B0503020204020204" pitchFamily="34" charset="-122"/>
+                <a:ea typeface="微软雅黑" panose="020B0503020204020204" pitchFamily="34" charset="-122"/>
+              </a:rPr>
+              <a:t>导弹式投送系统</a:t>
+            </a:r>
+            <a:endParaRPr lang="en-US" sz="2400" dirty="0">
+              <a:latin typeface="微软雅黑" panose="020B0503020204020204" pitchFamily="34" charset="-122"/>
+            </a:endParaRPr>
+          </a:p>
+          <a:p>
+            <a:pPr>
+              <a:lnSpc>
+                <a:spcPct val="200000"/>
+              </a:lnSpc>
+            </a:pPr>
+            <a:r>
+              <a:rPr lang="zh-CN" altLang="en-US" sz="2400" dirty="0">
+                <a:latin typeface="微软雅黑" panose="020B0503020204020204" pitchFamily="34" charset="-122"/>
+                <a:ea typeface="微软雅黑" panose="020B0503020204020204" pitchFamily="34" charset="-122"/>
+              </a:rPr>
+              <a:t>天然精准投送系统 </a:t>
+            </a:r>
+            <a:r>
+              <a:rPr lang="en-US" altLang="zh-CN" sz="2400" dirty="0">
+                <a:latin typeface="微软雅黑" panose="020B0503020204020204" pitchFamily="34" charset="-122"/>
+                <a:ea typeface="微软雅黑" panose="020B0503020204020204" pitchFamily="34" charset="-122"/>
+              </a:rPr>
+              <a:t>—— </a:t>
+            </a:r>
+            <a:r>
+              <a:rPr lang="zh-CN" altLang="en-US" sz="2400" dirty="0">
+                <a:latin typeface="微软雅黑" panose="020B0503020204020204" pitchFamily="34" charset="-122"/>
+                <a:ea typeface="微软雅黑" panose="020B0503020204020204" pitchFamily="34" charset="-122"/>
+              </a:rPr>
+              <a:t>病毒</a:t>
             </a:r>
             <a:endParaRPr lang="en-US" altLang="zh-CN" sz="2400" dirty="0">
               <a:latin typeface="微软雅黑" panose="020B0503020204020204" pitchFamily="34" charset="-122"/>
               <a:ea typeface="微软雅黑" panose="020B0503020204020204" pitchFamily="34" charset="-122"/>
             </a:endParaRPr>
           </a:p>
-        </p:txBody>
-      </p:sp>
-      <p:sp>
-        <p:nvSpPr>
-          <p:cNvPr id="4" name="矩形 3">
-            <a:extLst>
-              <a:ext uri="{FF2B5EF4-FFF2-40B4-BE49-F238E27FC236}">
-                <a16:creationId xmlns:a16="http://schemas.microsoft.com/office/drawing/2014/main" id="{79F6F926-6153-494B-9F16-A6F8B533D7FC}"/>
-              </a:ext>
-            </a:extLst>
-          </p:cNvPr>
-          <p:cNvSpPr/>
-          <p:nvPr/>
-        </p:nvSpPr>
-        <p:spPr>
-          <a:xfrm>
-            <a:off x="2104534" y="2283504"/>
-            <a:ext cx="7982932" cy="461665"/>
-          </a:xfrm>
-          <a:prstGeom prst="rect">
-            <a:avLst/>
-          </a:prstGeom>
-        </p:spPr>
-        <p:txBody>
-          <a:bodyPr wrap="square">
-            <a:spAutoFit/>
-          </a:bodyPr>
-          <a:lstStyle/>
-          <a:p>
+          <a:p>
+            <a:pPr marL="342900" indent="-342900">
+              <a:lnSpc>
+                <a:spcPct val="200000"/>
+              </a:lnSpc>
+              <a:buFont typeface="Arial" panose="020B0604020202020204" pitchFamily="34" charset="0"/>
+              <a:buChar char="•"/>
+            </a:pPr>
             <a:r>
               <a:rPr lang="zh-CN" altLang="en-US" sz="2400" dirty="0">
                 <a:latin typeface="微软雅黑" panose="020B0503020204020204" pitchFamily="34" charset="-122"/>
                 <a:ea typeface="微软雅黑" panose="020B0503020204020204" pitchFamily="34" charset="-122"/>
               </a:rPr>
-              <a:t>逃避追杀</a:t>
+              <a:t>精确到极致的细胞识别能力 </a:t>
             </a:r>
             <a:endParaRPr lang="en-US" altLang="zh-CN" sz="2400" dirty="0">
               <a:latin typeface="微软雅黑" panose="020B0503020204020204" pitchFamily="34" charset="-122"/>
               <a:ea typeface="微软雅黑" panose="020B0503020204020204" pitchFamily="34" charset="-122"/>
             </a:endParaRPr>
           </a:p>
+          <a:p>
+            <a:pPr marL="342900" indent="-342900">
+              <a:lnSpc>
+                <a:spcPct val="200000"/>
+              </a:lnSpc>
+              <a:buFont typeface="Arial" panose="020B0604020202020204" pitchFamily="34" charset="0"/>
+              <a:buChar char="•"/>
+            </a:pPr>
+            <a:r>
+              <a:rPr lang="zh-CN" altLang="en-US" sz="2400" dirty="0">
+                <a:latin typeface="微软雅黑" panose="020B0503020204020204" pitchFamily="34" charset="-122"/>
+                <a:ea typeface="微软雅黑" panose="020B0503020204020204" pitchFamily="34" charset="-122"/>
+              </a:rPr>
+              <a:t>病毒尺寸更大，可以装更多的弹药</a:t>
+            </a:r>
+            <a:endParaRPr lang="en-US" altLang="zh-CN" sz="2400" dirty="0">
+              <a:latin typeface="微软雅黑" panose="020B0503020204020204" pitchFamily="34" charset="-122"/>
+              <a:ea typeface="微软雅黑" panose="020B0503020204020204" pitchFamily="34" charset="-122"/>
+            </a:endParaRPr>
+          </a:p>
         </p:txBody>
       </p:sp>
     </p:spTree>
     <p:extLst>
       <p:ext uri="{BB962C8B-B14F-4D97-AF65-F5344CB8AC3E}">
-        <p14:creationId xmlns:p14="http://schemas.microsoft.com/office/powerpoint/2010/main" val="95882270"/>
+        <p14:creationId xmlns:p14="http://schemas.microsoft.com/office/powerpoint/2010/main" val="3915450810"/>
       </p:ext>
     </p:extLst>
   </p:cSld>
@@ -3516,46 +3692,10 @@
       </p:grpSpPr>
       <p:sp>
         <p:nvSpPr>
-          <p:cNvPr id="6" name="标题 1">
+          <p:cNvPr id="13" name="矩形 12">
             <a:extLst>
               <a:ext uri="{FF2B5EF4-FFF2-40B4-BE49-F238E27FC236}">
-                <a16:creationId xmlns:a16="http://schemas.microsoft.com/office/drawing/2014/main" id="{F1EF0DBE-E904-49C3-AC9C-C9EBD692C0CB}"/>
-              </a:ext>
-            </a:extLst>
-          </p:cNvPr>
-          <p:cNvSpPr>
-            <a:spLocks noGrp="1"/>
-          </p:cNvSpPr>
-          <p:nvPr>
-            <p:ph type="ctrTitle"/>
-          </p:nvPr>
-        </p:nvSpPr>
-        <p:spPr>
-          <a:xfrm>
-            <a:off x="1524000" y="393894"/>
-            <a:ext cx="9144000" cy="1104388"/>
-          </a:xfrm>
-        </p:spPr>
-        <p:txBody>
-          <a:bodyPr>
-            <a:normAutofit fontScale="90000"/>
-          </a:bodyPr>
-          <a:lstStyle/>
-          <a:p>
-            <a:r>
-              <a:rPr lang="zh-CN" altLang="en-US" dirty="0"/>
-              <a:t>癌细胞获得支持的三个阶段</a:t>
-            </a:r>
-            <a:endParaRPr lang="en-US" dirty="0"/>
-          </a:p>
-        </p:txBody>
-      </p:sp>
-      <p:sp>
-        <p:nvSpPr>
-          <p:cNvPr id="7" name="矩形 6">
-            <a:extLst>
-              <a:ext uri="{FF2B5EF4-FFF2-40B4-BE49-F238E27FC236}">
-                <a16:creationId xmlns:a16="http://schemas.microsoft.com/office/drawing/2014/main" id="{6A679D39-D81A-4F17-98A3-186782BDC64D}"/>
+                <a16:creationId xmlns:a16="http://schemas.microsoft.com/office/drawing/2014/main" id="{7B272312-7D65-4DEE-B124-A2159470D05B}"/>
               </a:ext>
             </a:extLst>
           </p:cNvPr>
@@ -3564,8 +3704,8 @@
         </p:nvSpPr>
         <p:spPr>
           <a:xfrm>
-            <a:off x="2004956" y="2099329"/>
-            <a:ext cx="9466053" cy="461665"/>
+            <a:off x="1387018" y="2782669"/>
+            <a:ext cx="9417963" cy="646331"/>
           </a:xfrm>
           <a:prstGeom prst="rect">
             <a:avLst/>
@@ -3578,125 +3718,14 @@
           <a:lstStyle/>
           <a:p>
             <a:r>
-              <a:rPr lang="zh-CN" altLang="en-US" sz="2400" dirty="0">
-                <a:latin typeface="微软雅黑" panose="020B0503020204020204" pitchFamily="34" charset="-122"/>
-                <a:ea typeface="微软雅黑" panose="020B0503020204020204" pitchFamily="34" charset="-122"/>
-              </a:rPr>
-              <a:t>癌细胞疯狂分裂繁殖需要人体系统的批准放行</a:t>
-            </a:r>
-            <a:r>
-              <a:rPr lang="en-US" altLang="zh-CN" sz="2400" dirty="0">
-                <a:latin typeface="微软雅黑" panose="020B0503020204020204" pitchFamily="34" charset="-122"/>
-                <a:ea typeface="微软雅黑" panose="020B0503020204020204" pitchFamily="34" charset="-122"/>
-              </a:rPr>
-              <a:t>——</a:t>
-            </a:r>
-            <a:r>
-              <a:rPr lang="zh-CN" altLang="en-US" sz="2400" dirty="0">
-                <a:latin typeface="微软雅黑" panose="020B0503020204020204" pitchFamily="34" charset="-122"/>
-                <a:ea typeface="微软雅黑" panose="020B0503020204020204" pitchFamily="34" charset="-122"/>
-              </a:rPr>
-              <a:t>“生长因子”蛋白</a:t>
-            </a:r>
-            <a:endParaRPr lang="en-US" altLang="zh-CN" sz="2400" dirty="0">
+              <a:rPr lang="zh-CN" altLang="en-US" sz="3600" dirty="0">
+                <a:latin typeface="微软雅黑" panose="020B0503020204020204" pitchFamily="34" charset="-122"/>
+                <a:ea typeface="微软雅黑" panose="020B0503020204020204" pitchFamily="34" charset="-122"/>
+              </a:rPr>
+              <a:t>癌细胞与人体系统之间存在的千丝万缕的联系</a:t>
+            </a:r>
+            <a:endParaRPr lang="en-US" sz="3600" dirty="0">
               <a:latin typeface="微软雅黑" panose="020B0503020204020204" pitchFamily="34" charset="-122"/>
-              <a:ea typeface="微软雅黑" panose="020B0503020204020204" pitchFamily="34" charset="-122"/>
-            </a:endParaRPr>
-          </a:p>
-        </p:txBody>
-      </p:sp>
-      <p:sp>
-        <p:nvSpPr>
-          <p:cNvPr id="8" name="矩形 7">
-            <a:extLst>
-              <a:ext uri="{FF2B5EF4-FFF2-40B4-BE49-F238E27FC236}">
-                <a16:creationId xmlns:a16="http://schemas.microsoft.com/office/drawing/2014/main" id="{CC7339EB-DEBC-4AEF-B9B3-3607D1CA693C}"/>
-              </a:ext>
-            </a:extLst>
-          </p:cNvPr>
-          <p:cNvSpPr/>
-          <p:nvPr/>
-        </p:nvSpPr>
-        <p:spPr>
-          <a:xfrm>
-            <a:off x="2004956" y="2864961"/>
-            <a:ext cx="7927170" cy="461665"/>
-          </a:xfrm>
-          <a:prstGeom prst="rect">
-            <a:avLst/>
-          </a:prstGeom>
-        </p:spPr>
-        <p:txBody>
-          <a:bodyPr wrap="none">
-            <a:spAutoFit/>
-          </a:bodyPr>
-          <a:lstStyle/>
-          <a:p>
-            <a:r>
-              <a:rPr lang="zh-CN" altLang="en-US" sz="2400" dirty="0">
-                <a:latin typeface="微软雅黑" panose="020B0503020204020204" pitchFamily="34" charset="-122"/>
-                <a:ea typeface="微软雅黑" panose="020B0503020204020204" pitchFamily="34" charset="-122"/>
-              </a:rPr>
-              <a:t>肿瘤的快速生长需要人体血管系统的支持</a:t>
-            </a:r>
-            <a:r>
-              <a:rPr lang="en-US" altLang="zh-CN" sz="2400" dirty="0">
-                <a:latin typeface="微软雅黑" panose="020B0503020204020204" pitchFamily="34" charset="-122"/>
-                <a:ea typeface="微软雅黑" panose="020B0503020204020204" pitchFamily="34" charset="-122"/>
-              </a:rPr>
-              <a:t>——</a:t>
-            </a:r>
-            <a:r>
-              <a:rPr lang="zh-CN" altLang="en-US" sz="2400" dirty="0">
-                <a:latin typeface="微软雅黑" panose="020B0503020204020204" pitchFamily="34" charset="-122"/>
-                <a:ea typeface="微软雅黑" panose="020B0503020204020204" pitchFamily="34" charset="-122"/>
-              </a:rPr>
-              <a:t>养料和氧气</a:t>
-            </a:r>
-            <a:endParaRPr lang="en-US" altLang="zh-CN" sz="2400" dirty="0">
-              <a:latin typeface="微软雅黑" panose="020B0503020204020204" pitchFamily="34" charset="-122"/>
-              <a:ea typeface="微软雅黑" panose="020B0503020204020204" pitchFamily="34" charset="-122"/>
-            </a:endParaRPr>
-          </a:p>
-        </p:txBody>
-      </p:sp>
-      <p:sp>
-        <p:nvSpPr>
-          <p:cNvPr id="9" name="矩形 8">
-            <a:extLst>
-              <a:ext uri="{FF2B5EF4-FFF2-40B4-BE49-F238E27FC236}">
-                <a16:creationId xmlns:a16="http://schemas.microsoft.com/office/drawing/2014/main" id="{13F62A95-E56D-4115-8929-B080A20E210C}"/>
-              </a:ext>
-            </a:extLst>
-          </p:cNvPr>
-          <p:cNvSpPr/>
-          <p:nvPr/>
-        </p:nvSpPr>
-        <p:spPr>
-          <a:xfrm>
-            <a:off x="2004956" y="3630593"/>
-            <a:ext cx="5724644" cy="461665"/>
-          </a:xfrm>
-          <a:prstGeom prst="rect">
-            <a:avLst/>
-          </a:prstGeom>
-        </p:spPr>
-        <p:txBody>
-          <a:bodyPr wrap="none">
-            <a:spAutoFit/>
-          </a:bodyPr>
-          <a:lstStyle/>
-          <a:p>
-            <a:r>
-              <a:rPr lang="zh-CN" altLang="en-US" sz="2400" dirty="0">
-                <a:latin typeface="微软雅黑" panose="020B0503020204020204" pitchFamily="34" charset="-122"/>
-                <a:ea typeface="微软雅黑" panose="020B0503020204020204" pitchFamily="34" charset="-122"/>
-              </a:rPr>
-              <a:t>癌症的转移和扩散也需要人体系统的支持</a:t>
-            </a:r>
-            <a:endParaRPr lang="en-US" altLang="zh-CN" sz="2400" dirty="0">
-              <a:latin typeface="微软雅黑" panose="020B0503020204020204" pitchFamily="34" charset="-122"/>
-              <a:ea typeface="微软雅黑" panose="020B0503020204020204" pitchFamily="34" charset="-122"/>
             </a:endParaRPr>
           </a:p>
         </p:txBody>
@@ -3704,7 +3733,7 @@
     </p:spTree>
     <p:extLst>
       <p:ext uri="{BB962C8B-B14F-4D97-AF65-F5344CB8AC3E}">
-        <p14:creationId xmlns:p14="http://schemas.microsoft.com/office/powerpoint/2010/main" val="3372511755"/>
+        <p14:creationId xmlns:p14="http://schemas.microsoft.com/office/powerpoint/2010/main" val="1159743578"/>
       </p:ext>
     </p:extLst>
   </p:cSld>
@@ -3736,7 +3765,7 @@
           <p:cNvPr id="10" name="标题 1">
             <a:extLst>
               <a:ext uri="{FF2B5EF4-FFF2-40B4-BE49-F238E27FC236}">
-                <a16:creationId xmlns:a16="http://schemas.microsoft.com/office/drawing/2014/main" id="{633004BE-CEE6-4EDD-970A-15A6903C108E}"/>
+                <a16:creationId xmlns:a16="http://schemas.microsoft.com/office/drawing/2014/main" id="{395C3764-94DC-4578-919B-FE5F8A4E2872}"/>
               </a:ext>
             </a:extLst>
           </p:cNvPr>
@@ -3749,21 +3778,19 @@
         </p:nvSpPr>
         <p:spPr>
           <a:xfrm>
-            <a:off x="1524000" y="378283"/>
+            <a:off x="1524000" y="351691"/>
             <a:ext cx="9144000" cy="1104388"/>
           </a:xfrm>
         </p:spPr>
         <p:txBody>
-          <a:bodyPr>
-            <a:normAutofit/>
-          </a:bodyPr>
+          <a:bodyPr/>
           <a:lstStyle/>
           <a:p>
             <a:r>
               <a:rPr lang="zh-CN" altLang="en-US" dirty="0"/>
-              <a:t>免疫疗法：唤醒免疫系统</a:t>
-            </a:r>
-            <a:endParaRPr lang="en-US" dirty="0"/>
+              <a:t>癌细胞与人体系统的关系</a:t>
+            </a:r>
+            <a:endParaRPr lang="en-US" altLang="zh-CN" dirty="0"/>
           </a:p>
         </p:txBody>
       </p:sp>
@@ -3772,7 +3799,7 @@
           <p:cNvPr id="11" name="矩形 10">
             <a:extLst>
               <a:ext uri="{FF2B5EF4-FFF2-40B4-BE49-F238E27FC236}">
-                <a16:creationId xmlns:a16="http://schemas.microsoft.com/office/drawing/2014/main" id="{9F9D2A86-B300-48F6-86DB-87B0A3B181F9}"/>
+                <a16:creationId xmlns:a16="http://schemas.microsoft.com/office/drawing/2014/main" id="{6F4DB1D3-FAE4-4460-A3A8-85EFA6F3BFD9}"/>
               </a:ext>
             </a:extLst>
           </p:cNvPr>
@@ -3781,15 +3808,15 @@
         </p:nvSpPr>
         <p:spPr>
           <a:xfrm>
-            <a:off x="2008054" y="1794135"/>
-            <a:ext cx="2339102" cy="461665"/>
+            <a:off x="1963854" y="1638959"/>
+            <a:ext cx="7982932" cy="461665"/>
           </a:xfrm>
           <a:prstGeom prst="rect">
             <a:avLst/>
           </a:prstGeom>
         </p:spPr>
         <p:txBody>
-          <a:bodyPr wrap="none">
+          <a:bodyPr wrap="square">
             <a:spAutoFit/>
           </a:bodyPr>
           <a:lstStyle/>
@@ -3799,7 +3826,7 @@
                 <a:latin typeface="微软雅黑" panose="020B0503020204020204" pitchFamily="34" charset="-122"/>
                 <a:ea typeface="微软雅黑" panose="020B0503020204020204" pitchFamily="34" charset="-122"/>
               </a:rPr>
-              <a:t>人体的免疫系统</a:t>
+              <a:t>获得支持</a:t>
             </a:r>
             <a:endParaRPr lang="en-US" altLang="zh-CN" sz="2400" dirty="0">
               <a:latin typeface="微软雅黑" panose="020B0503020204020204" pitchFamily="34" charset="-122"/>
@@ -3810,10 +3837,10 @@
       </p:sp>
       <p:sp>
         <p:nvSpPr>
-          <p:cNvPr id="12" name="矩形 11">
+          <p:cNvPr id="4" name="矩形 3">
             <a:extLst>
               <a:ext uri="{FF2B5EF4-FFF2-40B4-BE49-F238E27FC236}">
-                <a16:creationId xmlns:a16="http://schemas.microsoft.com/office/drawing/2014/main" id="{AAF37E99-A88B-42C1-A887-47E8C8E5D64B}"/>
+                <a16:creationId xmlns:a16="http://schemas.microsoft.com/office/drawing/2014/main" id="{79F6F926-6153-494B-9F16-A6F8B533D7FC}"/>
               </a:ext>
             </a:extLst>
           </p:cNvPr>
@@ -3822,15 +3849,15 @@
         </p:nvSpPr>
         <p:spPr>
           <a:xfrm>
-            <a:off x="2008054" y="3534664"/>
-            <a:ext cx="3877985" cy="461665"/>
+            <a:off x="1963854" y="2283504"/>
+            <a:ext cx="7982932" cy="461665"/>
           </a:xfrm>
           <a:prstGeom prst="rect">
             <a:avLst/>
           </a:prstGeom>
         </p:spPr>
         <p:txBody>
-          <a:bodyPr wrap="none">
+          <a:bodyPr wrap="square">
             <a:spAutoFit/>
           </a:bodyPr>
           <a:lstStyle/>
@@ -3840,7 +3867,7 @@
                 <a:latin typeface="微软雅黑" panose="020B0503020204020204" pitchFamily="34" charset="-122"/>
                 <a:ea typeface="微软雅黑" panose="020B0503020204020204" pitchFamily="34" charset="-122"/>
               </a:rPr>
-              <a:t>癌细胞如何巧妙地逃避追杀</a:t>
+              <a:t>逃避追杀</a:t>
             </a:r>
             <a:endParaRPr lang="en-US" altLang="zh-CN" sz="2400" dirty="0">
               <a:latin typeface="微软雅黑" panose="020B0503020204020204" pitchFamily="34" charset="-122"/>
@@ -3849,307 +3876,10 @@
           </a:p>
         </p:txBody>
       </p:sp>
-      <p:sp>
-        <p:nvSpPr>
-          <p:cNvPr id="13" name="矩形 12">
-            <a:extLst>
-              <a:ext uri="{FF2B5EF4-FFF2-40B4-BE49-F238E27FC236}">
-                <a16:creationId xmlns:a16="http://schemas.microsoft.com/office/drawing/2014/main" id="{68D6B245-4899-40CC-950A-91EB02DA8D69}"/>
-              </a:ext>
-            </a:extLst>
-          </p:cNvPr>
-          <p:cNvSpPr/>
-          <p:nvPr/>
-        </p:nvSpPr>
-        <p:spPr>
-          <a:xfrm>
-            <a:off x="2354303" y="2360505"/>
-            <a:ext cx="2685351" cy="461665"/>
-          </a:xfrm>
-          <a:prstGeom prst="rect">
-            <a:avLst/>
-          </a:prstGeom>
-        </p:spPr>
-        <p:txBody>
-          <a:bodyPr wrap="none">
-            <a:spAutoFit/>
-          </a:bodyPr>
-          <a:lstStyle/>
-          <a:p>
-            <a:pPr marL="342900" indent="-342900">
-              <a:buFont typeface="Arial" panose="020B0604020202020204" pitchFamily="34" charset="0"/>
-              <a:buChar char="•"/>
-            </a:pPr>
-            <a:r>
-              <a:rPr lang="zh-CN" altLang="en-US" sz="2400" dirty="0">
-                <a:latin typeface="微软雅黑" panose="020B0503020204020204" pitchFamily="34" charset="-122"/>
-                <a:ea typeface="微软雅黑" panose="020B0503020204020204" pitchFamily="34" charset="-122"/>
-              </a:rPr>
-              <a:t>杀伤一切外来者</a:t>
-            </a:r>
-            <a:endParaRPr lang="en-US" altLang="zh-CN" sz="2400" dirty="0">
-              <a:latin typeface="微软雅黑" panose="020B0503020204020204" pitchFamily="34" charset="-122"/>
-              <a:ea typeface="微软雅黑" panose="020B0503020204020204" pitchFamily="34" charset="-122"/>
-            </a:endParaRPr>
-          </a:p>
-        </p:txBody>
-      </p:sp>
-      <p:sp>
-        <p:nvSpPr>
-          <p:cNvPr id="14" name="矩形 13">
-            <a:extLst>
-              <a:ext uri="{FF2B5EF4-FFF2-40B4-BE49-F238E27FC236}">
-                <a16:creationId xmlns:a16="http://schemas.microsoft.com/office/drawing/2014/main" id="{9C20809E-BAAC-4F8D-94FE-0A42218E0251}"/>
-              </a:ext>
-            </a:extLst>
-          </p:cNvPr>
-          <p:cNvSpPr/>
-          <p:nvPr/>
-        </p:nvSpPr>
-        <p:spPr>
-          <a:xfrm>
-            <a:off x="2354303" y="2926875"/>
-            <a:ext cx="3300904" cy="461665"/>
-          </a:xfrm>
-          <a:prstGeom prst="rect">
-            <a:avLst/>
-          </a:prstGeom>
-        </p:spPr>
-        <p:txBody>
-          <a:bodyPr wrap="none">
-            <a:spAutoFit/>
-          </a:bodyPr>
-          <a:lstStyle/>
-          <a:p>
-            <a:pPr marL="342900" indent="-342900">
-              <a:buFont typeface="Arial" panose="020B0604020202020204" pitchFamily="34" charset="0"/>
-              <a:buChar char="•"/>
-            </a:pPr>
-            <a:r>
-              <a:rPr lang="zh-CN" altLang="en-US" sz="2400" dirty="0">
-                <a:latin typeface="微软雅黑" panose="020B0503020204020204" pitchFamily="34" charset="-122"/>
-                <a:ea typeface="微软雅黑" panose="020B0503020204020204" pitchFamily="34" charset="-122"/>
-              </a:rPr>
-              <a:t>自带刹车，认清敌友</a:t>
-            </a:r>
-            <a:endParaRPr lang="en-US" altLang="zh-CN" sz="2400" dirty="0">
-              <a:latin typeface="微软雅黑" panose="020B0503020204020204" pitchFamily="34" charset="-122"/>
-              <a:ea typeface="微软雅黑" panose="020B0503020204020204" pitchFamily="34" charset="-122"/>
-            </a:endParaRPr>
-          </a:p>
-        </p:txBody>
-      </p:sp>
-      <p:sp>
-        <p:nvSpPr>
-          <p:cNvPr id="15" name="矩形 14">
-            <a:extLst>
-              <a:ext uri="{FF2B5EF4-FFF2-40B4-BE49-F238E27FC236}">
-                <a16:creationId xmlns:a16="http://schemas.microsoft.com/office/drawing/2014/main" id="{B7F22F70-A96F-4F52-B371-A137253EF3A5}"/>
-              </a:ext>
-            </a:extLst>
-          </p:cNvPr>
-          <p:cNvSpPr/>
-          <p:nvPr/>
-        </p:nvSpPr>
-        <p:spPr>
-          <a:xfrm>
-            <a:off x="2354303" y="4046145"/>
-            <a:ext cx="3531736" cy="461665"/>
-          </a:xfrm>
-          <a:prstGeom prst="rect">
-            <a:avLst/>
-          </a:prstGeom>
-        </p:spPr>
-        <p:txBody>
-          <a:bodyPr wrap="square">
-            <a:spAutoFit/>
-          </a:bodyPr>
-          <a:lstStyle/>
-          <a:p>
-            <a:pPr marL="342900" indent="-342900">
-              <a:buFont typeface="Arial" panose="020B0604020202020204" pitchFamily="34" charset="0"/>
-              <a:buChar char="•"/>
-            </a:pPr>
-            <a:r>
-              <a:rPr lang="zh-CN" altLang="en-US" sz="2400" dirty="0">
-                <a:latin typeface="微软雅黑" panose="020B0503020204020204" pitchFamily="34" charset="-122"/>
-                <a:ea typeface="微软雅黑" panose="020B0503020204020204" pitchFamily="34" charset="-122"/>
-              </a:rPr>
-              <a:t>踩刹车 </a:t>
-            </a:r>
-            <a:r>
-              <a:rPr lang="en-US" altLang="zh-CN" sz="2400" dirty="0">
-                <a:latin typeface="微软雅黑" panose="020B0503020204020204" pitchFamily="34" charset="-122"/>
-                <a:ea typeface="微软雅黑" panose="020B0503020204020204" pitchFamily="34" charset="-122"/>
-              </a:rPr>
-              <a:t>——</a:t>
-            </a:r>
-            <a:r>
-              <a:rPr lang="zh-CN" altLang="en-US" sz="2400" dirty="0">
-                <a:latin typeface="微软雅黑" panose="020B0503020204020204" pitchFamily="34" charset="-122"/>
-                <a:ea typeface="微软雅黑" panose="020B0503020204020204" pitchFamily="34" charset="-122"/>
-              </a:rPr>
-              <a:t>保护刹车</a:t>
-            </a:r>
-            <a:endParaRPr lang="en-US" altLang="zh-CN" sz="2400" dirty="0">
-              <a:latin typeface="微软雅黑" panose="020B0503020204020204" pitchFamily="34" charset="-122"/>
-              <a:ea typeface="微软雅黑" panose="020B0503020204020204" pitchFamily="34" charset="-122"/>
-            </a:endParaRPr>
-          </a:p>
-        </p:txBody>
-      </p:sp>
-      <p:sp>
-        <p:nvSpPr>
-          <p:cNvPr id="16" name="矩形 15">
-            <a:extLst>
-              <a:ext uri="{FF2B5EF4-FFF2-40B4-BE49-F238E27FC236}">
-                <a16:creationId xmlns:a16="http://schemas.microsoft.com/office/drawing/2014/main" id="{CB79A0BD-1093-40BD-AC39-50E6D1215B73}"/>
-              </a:ext>
-            </a:extLst>
-          </p:cNvPr>
-          <p:cNvSpPr/>
-          <p:nvPr/>
-        </p:nvSpPr>
-        <p:spPr>
-          <a:xfrm>
-            <a:off x="2354303" y="4647609"/>
-            <a:ext cx="4844596" cy="461665"/>
-          </a:xfrm>
-          <a:prstGeom prst="rect">
-            <a:avLst/>
-          </a:prstGeom>
-        </p:spPr>
-        <p:txBody>
-          <a:bodyPr wrap="none">
-            <a:spAutoFit/>
-          </a:bodyPr>
-          <a:lstStyle/>
-          <a:p>
-            <a:pPr marL="342900" indent="-342900">
-              <a:buFont typeface="Arial" panose="020B0604020202020204" pitchFamily="34" charset="0"/>
-              <a:buChar char="•"/>
-            </a:pPr>
-            <a:r>
-              <a:rPr lang="zh-CN" altLang="en-US" sz="2400" dirty="0">
-                <a:latin typeface="微软雅黑" panose="020B0503020204020204" pitchFamily="34" charset="-122"/>
-                <a:ea typeface="微软雅黑" panose="020B0503020204020204" pitchFamily="34" charset="-122"/>
-              </a:rPr>
-              <a:t>伪装</a:t>
-            </a:r>
-            <a:r>
-              <a:rPr lang="en-US" altLang="zh-CN" sz="2400" dirty="0">
-                <a:latin typeface="微软雅黑" panose="020B0503020204020204" pitchFamily="34" charset="-122"/>
-                <a:ea typeface="微软雅黑" panose="020B0503020204020204" pitchFamily="34" charset="-122"/>
-              </a:rPr>
-              <a:t>  MHC</a:t>
-            </a:r>
-            <a:r>
-              <a:rPr lang="zh-CN" altLang="en-US" sz="2400" dirty="0">
-                <a:latin typeface="微软雅黑" panose="020B0503020204020204" pitchFamily="34" charset="-122"/>
-                <a:ea typeface="微软雅黑" panose="020B0503020204020204" pitchFamily="34" charset="-122"/>
-              </a:rPr>
-              <a:t>，绑在胳臂上的毛巾</a:t>
-            </a:r>
-            <a:endParaRPr lang="en-US" altLang="zh-CN" sz="2400" dirty="0">
-              <a:latin typeface="微软雅黑" panose="020B0503020204020204" pitchFamily="34" charset="-122"/>
-              <a:ea typeface="微软雅黑" panose="020B0503020204020204" pitchFamily="34" charset="-122"/>
-            </a:endParaRPr>
-          </a:p>
-        </p:txBody>
-      </p:sp>
-      <p:sp>
-        <p:nvSpPr>
-          <p:cNvPr id="17" name="矩形 16">
-            <a:extLst>
-              <a:ext uri="{FF2B5EF4-FFF2-40B4-BE49-F238E27FC236}">
-                <a16:creationId xmlns:a16="http://schemas.microsoft.com/office/drawing/2014/main" id="{D4D7D3A9-DBB8-4CC8-BA5B-BFFF8F5E5C6B}"/>
-              </a:ext>
-            </a:extLst>
-          </p:cNvPr>
-          <p:cNvSpPr/>
-          <p:nvPr/>
-        </p:nvSpPr>
-        <p:spPr>
-          <a:xfrm>
-            <a:off x="2599641" y="5249073"/>
-            <a:ext cx="9386034" cy="830997"/>
-          </a:xfrm>
-          <a:prstGeom prst="rect">
-            <a:avLst/>
-          </a:prstGeom>
-        </p:spPr>
-        <p:txBody>
-          <a:bodyPr wrap="square">
-            <a:spAutoFit/>
-          </a:bodyPr>
-          <a:lstStyle/>
-          <a:p>
-            <a:r>
-              <a:rPr lang="en-US" altLang="zh-CN" sz="2400" dirty="0">
-                <a:latin typeface="微软雅黑" panose="020B0503020204020204" pitchFamily="34" charset="-122"/>
-                <a:ea typeface="微软雅黑" panose="020B0503020204020204" pitchFamily="34" charset="-122"/>
-              </a:rPr>
-              <a:t>CAR-T, </a:t>
-            </a:r>
-            <a:r>
-              <a:rPr lang="zh-CN" altLang="en-US" sz="2400" dirty="0">
-                <a:latin typeface="微软雅黑" panose="020B0503020204020204" pitchFamily="34" charset="-122"/>
-                <a:ea typeface="微软雅黑" panose="020B0503020204020204" pitchFamily="34" charset="-122"/>
-              </a:rPr>
-              <a:t>教会免疫系统用其他方式识别癌细胞，特殊性强，容易误伤正常细胞</a:t>
-            </a:r>
-            <a:endParaRPr lang="en-US" altLang="zh-CN" sz="2400" dirty="0">
-              <a:latin typeface="微软雅黑" panose="020B0503020204020204" pitchFamily="34" charset="-122"/>
-              <a:ea typeface="微软雅黑" panose="020B0503020204020204" pitchFamily="34" charset="-122"/>
-            </a:endParaRPr>
-          </a:p>
-        </p:txBody>
-      </p:sp>
-      <p:sp>
-        <p:nvSpPr>
-          <p:cNvPr id="18" name="矩形 17">
-            <a:extLst>
-              <a:ext uri="{FF2B5EF4-FFF2-40B4-BE49-F238E27FC236}">
-                <a16:creationId xmlns:a16="http://schemas.microsoft.com/office/drawing/2014/main" id="{920C6693-58FF-4541-8BD7-297FCAE906B4}"/>
-              </a:ext>
-            </a:extLst>
-          </p:cNvPr>
-          <p:cNvSpPr/>
-          <p:nvPr/>
-        </p:nvSpPr>
-        <p:spPr>
-          <a:xfrm>
-            <a:off x="2599641" y="6080070"/>
-            <a:ext cx="6032421" cy="461665"/>
-          </a:xfrm>
-          <a:prstGeom prst="rect">
-            <a:avLst/>
-          </a:prstGeom>
-        </p:spPr>
-        <p:txBody>
-          <a:bodyPr wrap="none">
-            <a:spAutoFit/>
-          </a:bodyPr>
-          <a:lstStyle/>
-          <a:p>
-            <a:r>
-              <a:rPr lang="zh-CN" altLang="en-US" sz="2400" dirty="0">
-                <a:latin typeface="微软雅黑" panose="020B0503020204020204" pitchFamily="34" charset="-122"/>
-                <a:ea typeface="微软雅黑" panose="020B0503020204020204" pitchFamily="34" charset="-122"/>
-              </a:rPr>
-              <a:t>个性化癌症疫苗，让癌细胞的蛋白呈现出来</a:t>
-            </a:r>
-            <a:endParaRPr lang="en-US" altLang="zh-CN" sz="2400" dirty="0">
-              <a:latin typeface="微软雅黑" panose="020B0503020204020204" pitchFamily="34" charset="-122"/>
-              <a:ea typeface="微软雅黑" panose="020B0503020204020204" pitchFamily="34" charset="-122"/>
-            </a:endParaRPr>
-          </a:p>
-        </p:txBody>
-      </p:sp>
     </p:spTree>
     <p:extLst>
       <p:ext uri="{BB962C8B-B14F-4D97-AF65-F5344CB8AC3E}">
-        <p14:creationId xmlns:p14="http://schemas.microsoft.com/office/powerpoint/2010/main" val="3641466144"/>
+        <p14:creationId xmlns:p14="http://schemas.microsoft.com/office/powerpoint/2010/main" val="95882270"/>
       </p:ext>
     </p:extLst>
   </p:cSld>
@@ -4178,10 +3908,10 @@
       </p:grpSpPr>
       <p:sp>
         <p:nvSpPr>
-          <p:cNvPr id="19" name="标题 1">
+          <p:cNvPr id="6" name="标题 1">
             <a:extLst>
               <a:ext uri="{FF2B5EF4-FFF2-40B4-BE49-F238E27FC236}">
-                <a16:creationId xmlns:a16="http://schemas.microsoft.com/office/drawing/2014/main" id="{2DF9121E-4C4A-4772-ADF8-F5DAC8D6F695}"/>
+                <a16:creationId xmlns:a16="http://schemas.microsoft.com/office/drawing/2014/main" id="{F1EF0DBE-E904-49C3-AC9C-C9EBD692C0CB}"/>
               </a:ext>
             </a:extLst>
           </p:cNvPr>
@@ -4194,7 +3924,7 @@
         </p:nvSpPr>
         <p:spPr>
           <a:xfrm>
-            <a:off x="1524000" y="805567"/>
+            <a:off x="1524000" y="393894"/>
             <a:ext cx="9144000" cy="1104388"/>
           </a:xfrm>
         </p:spPr>
@@ -4206,7 +3936,7 @@
           <a:p>
             <a:r>
               <a:rPr lang="zh-CN" altLang="en-US" dirty="0"/>
-              <a:t>预测、预防、预警：把癌症提前关进笼子</a:t>
+              <a:t>癌细胞获得支持的三个阶段</a:t>
             </a:r>
             <a:endParaRPr lang="en-US" dirty="0"/>
           </a:p>
@@ -4214,10 +3944,10 @@
       </p:sp>
       <p:sp>
         <p:nvSpPr>
-          <p:cNvPr id="20" name="矩形 19">
+          <p:cNvPr id="7" name="矩形 6">
             <a:extLst>
               <a:ext uri="{FF2B5EF4-FFF2-40B4-BE49-F238E27FC236}">
-                <a16:creationId xmlns:a16="http://schemas.microsoft.com/office/drawing/2014/main" id="{CA43A220-9EDA-4DAF-9782-6C8686F19CFC}"/>
+                <a16:creationId xmlns:a16="http://schemas.microsoft.com/office/drawing/2014/main" id="{6A679D39-D81A-4F17-98A3-186782BDC64D}"/>
               </a:ext>
             </a:extLst>
           </p:cNvPr>
@@ -4226,8 +3956,8 @@
         </p:nvSpPr>
         <p:spPr>
           <a:xfrm>
-            <a:off x="2004956" y="2245534"/>
-            <a:ext cx="2031325" cy="461665"/>
+            <a:off x="2004956" y="1803907"/>
+            <a:ext cx="9466053" cy="581057"/>
           </a:xfrm>
           <a:prstGeom prst="rect">
             <a:avLst/>
@@ -4239,12 +3969,31 @@
           </a:bodyPr>
           <a:lstStyle/>
           <a:p>
+            <a:pPr>
+              <a:lnSpc>
+                <a:spcPct val="150000"/>
+              </a:lnSpc>
+            </a:pPr>
             <a:r>
               <a:rPr lang="zh-CN" altLang="en-US" sz="2400" dirty="0">
                 <a:latin typeface="微软雅黑" panose="020B0503020204020204" pitchFamily="34" charset="-122"/>
                 <a:ea typeface="微软雅黑" panose="020B0503020204020204" pitchFamily="34" charset="-122"/>
               </a:rPr>
-              <a:t>安吉丽娜朱莉</a:t>
+              <a:t>癌细胞疯狂分裂繁殖需要人体系统的批准放行</a:t>
+            </a:r>
+            <a:r>
+              <a:rPr lang="en-US" altLang="zh-CN" sz="2400" dirty="0">
+                <a:latin typeface="微软雅黑" panose="020B0503020204020204" pitchFamily="34" charset="-122"/>
+                <a:ea typeface="微软雅黑" panose="020B0503020204020204" pitchFamily="34" charset="-122"/>
+              </a:rPr>
+              <a:t>——</a:t>
+            </a:r>
+            <a:r>
+              <a:rPr lang="zh-CN" altLang="en-US" sz="2400" dirty="0">
+                <a:latin typeface="微软雅黑" panose="020B0503020204020204" pitchFamily="34" charset="-122"/>
+                <a:ea typeface="微软雅黑" panose="020B0503020204020204" pitchFamily="34" charset="-122"/>
+              </a:rPr>
+              <a:t>“生长因子”蛋白</a:t>
             </a:r>
             <a:endParaRPr lang="en-US" altLang="zh-CN" sz="2400" dirty="0">
               <a:latin typeface="微软雅黑" panose="020B0503020204020204" pitchFamily="34" charset="-122"/>
@@ -4255,10 +4004,10 @@
       </p:sp>
       <p:sp>
         <p:nvSpPr>
-          <p:cNvPr id="21" name="矩形 20">
+          <p:cNvPr id="8" name="矩形 7">
             <a:extLst>
               <a:ext uri="{FF2B5EF4-FFF2-40B4-BE49-F238E27FC236}">
-                <a16:creationId xmlns:a16="http://schemas.microsoft.com/office/drawing/2014/main" id="{B71F961E-0A34-41CF-A4D8-845E3E43C5C3}"/>
+                <a16:creationId xmlns:a16="http://schemas.microsoft.com/office/drawing/2014/main" id="{CC7339EB-DEBC-4AEF-B9B3-3607D1CA693C}"/>
               </a:ext>
             </a:extLst>
           </p:cNvPr>
@@ -4267,8 +4016,8 @@
         </p:nvSpPr>
         <p:spPr>
           <a:xfrm>
-            <a:off x="2004956" y="3042777"/>
-            <a:ext cx="4185761" cy="461665"/>
+            <a:off x="2004956" y="2569539"/>
+            <a:ext cx="7927170" cy="581057"/>
           </a:xfrm>
           <a:prstGeom prst="rect">
             <a:avLst/>
@@ -4280,12 +4029,31 @@
           </a:bodyPr>
           <a:lstStyle/>
           <a:p>
+            <a:pPr>
+              <a:lnSpc>
+                <a:spcPct val="150000"/>
+              </a:lnSpc>
+            </a:pPr>
             <a:r>
               <a:rPr lang="zh-CN" altLang="en-US" sz="2400" dirty="0">
                 <a:latin typeface="微软雅黑" panose="020B0503020204020204" pitchFamily="34" charset="-122"/>
                 <a:ea typeface="微软雅黑" panose="020B0503020204020204" pitchFamily="34" charset="-122"/>
               </a:rPr>
-              <a:t>基因突变：癌细胞产生的原因</a:t>
+              <a:t>肿瘤的快速生长需要人体血管系统的支持</a:t>
+            </a:r>
+            <a:r>
+              <a:rPr lang="en-US" altLang="zh-CN" sz="2400" dirty="0">
+                <a:latin typeface="微软雅黑" panose="020B0503020204020204" pitchFamily="34" charset="-122"/>
+                <a:ea typeface="微软雅黑" panose="020B0503020204020204" pitchFamily="34" charset="-122"/>
+              </a:rPr>
+              <a:t>——</a:t>
+            </a:r>
+            <a:r>
+              <a:rPr lang="zh-CN" altLang="en-US" sz="2400" dirty="0">
+                <a:latin typeface="微软雅黑" panose="020B0503020204020204" pitchFamily="34" charset="-122"/>
+                <a:ea typeface="微软雅黑" panose="020B0503020204020204" pitchFamily="34" charset="-122"/>
+              </a:rPr>
+              <a:t>养料和氧气</a:t>
             </a:r>
             <a:endParaRPr lang="en-US" altLang="zh-CN" sz="2400" dirty="0">
               <a:latin typeface="微软雅黑" panose="020B0503020204020204" pitchFamily="34" charset="-122"/>
@@ -4296,10 +4064,10 @@
       </p:sp>
       <p:sp>
         <p:nvSpPr>
-          <p:cNvPr id="22" name="矩形 21">
+          <p:cNvPr id="9" name="矩形 8">
             <a:extLst>
               <a:ext uri="{FF2B5EF4-FFF2-40B4-BE49-F238E27FC236}">
-                <a16:creationId xmlns:a16="http://schemas.microsoft.com/office/drawing/2014/main" id="{2D26C9FB-3DF1-4BF3-98CA-6FA4DB463663}"/>
+                <a16:creationId xmlns:a16="http://schemas.microsoft.com/office/drawing/2014/main" id="{13F62A95-E56D-4115-8929-B080A20E210C}"/>
               </a:ext>
             </a:extLst>
           </p:cNvPr>
@@ -4308,8 +4076,8 @@
         </p:nvSpPr>
         <p:spPr>
           <a:xfrm>
-            <a:off x="2004956" y="3840021"/>
-            <a:ext cx="4185761" cy="461665"/>
+            <a:off x="2004956" y="3335171"/>
+            <a:ext cx="5724644" cy="581057"/>
           </a:xfrm>
           <a:prstGeom prst="rect">
             <a:avLst/>
@@ -4321,12 +4089,17 @@
           </a:bodyPr>
           <a:lstStyle/>
           <a:p>
+            <a:pPr>
+              <a:lnSpc>
+                <a:spcPct val="150000"/>
+              </a:lnSpc>
+            </a:pPr>
             <a:r>
               <a:rPr lang="zh-CN" altLang="en-US" sz="2400" dirty="0">
                 <a:latin typeface="微软雅黑" panose="020B0503020204020204" pitchFamily="34" charset="-122"/>
                 <a:ea typeface="微软雅黑" panose="020B0503020204020204" pitchFamily="34" charset="-122"/>
               </a:rPr>
-              <a:t>早起预警：打击弱小的癌细胞</a:t>
+              <a:t>癌症的转移和扩散也需要人体系统的支持</a:t>
             </a:r>
             <a:endParaRPr lang="en-US" altLang="zh-CN" sz="2400" dirty="0">
               <a:latin typeface="微软雅黑" panose="020B0503020204020204" pitchFamily="34" charset="-122"/>
@@ -4335,64 +4108,10 @@
           </a:p>
         </p:txBody>
       </p:sp>
-      <p:sp>
-        <p:nvSpPr>
-          <p:cNvPr id="23" name="矩形 22">
-            <a:extLst>
-              <a:ext uri="{FF2B5EF4-FFF2-40B4-BE49-F238E27FC236}">
-                <a16:creationId xmlns:a16="http://schemas.microsoft.com/office/drawing/2014/main" id="{1F0D2810-739C-4BFE-A966-B24106B0AF8E}"/>
-              </a:ext>
-            </a:extLst>
-          </p:cNvPr>
-          <p:cNvSpPr/>
-          <p:nvPr/>
-        </p:nvSpPr>
-        <p:spPr>
-          <a:xfrm>
-            <a:off x="2004956" y="4637264"/>
-            <a:ext cx="9614958" cy="830997"/>
-          </a:xfrm>
-          <a:prstGeom prst="rect">
-            <a:avLst/>
-          </a:prstGeom>
-        </p:spPr>
-        <p:txBody>
-          <a:bodyPr wrap="square">
-            <a:spAutoFit/>
-          </a:bodyPr>
-          <a:lstStyle/>
-          <a:p>
-            <a:r>
-              <a:rPr lang="zh-CN" altLang="en-US" sz="2400" dirty="0">
-                <a:latin typeface="微软雅黑" panose="020B0503020204020204" pitchFamily="34" charset="-122"/>
-                <a:ea typeface="微软雅黑" panose="020B0503020204020204" pitchFamily="34" charset="-122"/>
-              </a:rPr>
-              <a:t>预测和预防：降低癌症出现概率</a:t>
-            </a:r>
-            <a:endParaRPr lang="en-US" altLang="zh-CN" sz="2400" dirty="0">
-              <a:latin typeface="微软雅黑" panose="020B0503020204020204" pitchFamily="34" charset="-122"/>
-              <a:ea typeface="微软雅黑" panose="020B0503020204020204" pitchFamily="34" charset="-122"/>
-            </a:endParaRPr>
-          </a:p>
-          <a:p>
-            <a:r>
-              <a:rPr lang="zh-CN" altLang="en-US" sz="2400" dirty="0">
-                <a:latin typeface="微软雅黑" panose="020B0503020204020204" pitchFamily="34" charset="-122"/>
-                <a:ea typeface="微软雅黑" panose="020B0503020204020204" pitchFamily="34" charset="-122"/>
-              </a:rPr>
-              <a:t>烟、酒、咸鱼、泡菜和空气污染</a:t>
-            </a:r>
-            <a:endParaRPr lang="en-US" altLang="zh-CN" sz="2400" dirty="0">
-              <a:latin typeface="微软雅黑" panose="020B0503020204020204" pitchFamily="34" charset="-122"/>
-              <a:ea typeface="微软雅黑" panose="020B0503020204020204" pitchFamily="34" charset="-122"/>
-            </a:endParaRPr>
-          </a:p>
-        </p:txBody>
-      </p:sp>
     </p:spTree>
     <p:extLst>
       <p:ext uri="{BB962C8B-B14F-4D97-AF65-F5344CB8AC3E}">
-        <p14:creationId xmlns:p14="http://schemas.microsoft.com/office/powerpoint/2010/main" val="290369599"/>
+        <p14:creationId xmlns:p14="http://schemas.microsoft.com/office/powerpoint/2010/main" val="3372511755"/>
       </p:ext>
     </p:extLst>
   </p:cSld>
@@ -4421,10 +4140,10 @@
       </p:grpSpPr>
       <p:sp>
         <p:nvSpPr>
-          <p:cNvPr id="19" name="标题 1">
+          <p:cNvPr id="10" name="标题 1">
             <a:extLst>
               <a:ext uri="{FF2B5EF4-FFF2-40B4-BE49-F238E27FC236}">
-                <a16:creationId xmlns:a16="http://schemas.microsoft.com/office/drawing/2014/main" id="{2DF9121E-4C4A-4772-ADF8-F5DAC8D6F695}"/>
+                <a16:creationId xmlns:a16="http://schemas.microsoft.com/office/drawing/2014/main" id="{633004BE-CEE6-4EDD-970A-15A6903C108E}"/>
               </a:ext>
             </a:extLst>
           </p:cNvPr>
@@ -4437,7 +4156,7 @@
         </p:nvSpPr>
         <p:spPr>
           <a:xfrm>
-            <a:off x="1524000" y="604837"/>
+            <a:off x="1524000" y="378283"/>
             <a:ext cx="9144000" cy="1104388"/>
           </a:xfrm>
         </p:spPr>
@@ -4449,7 +4168,7 @@
           <a:p>
             <a:r>
               <a:rPr lang="zh-CN" altLang="en-US" dirty="0"/>
-              <a:t>对抗癌症的借鉴意义</a:t>
+              <a:t>人体免疫系统</a:t>
             </a:r>
             <a:endParaRPr lang="en-US" dirty="0"/>
           </a:p>
@@ -4457,10 +4176,10 @@
       </p:sp>
       <p:sp>
         <p:nvSpPr>
-          <p:cNvPr id="20" name="矩形 19">
+          <p:cNvPr id="2" name="矩形 1">
             <a:extLst>
               <a:ext uri="{FF2B5EF4-FFF2-40B4-BE49-F238E27FC236}">
-                <a16:creationId xmlns:a16="http://schemas.microsoft.com/office/drawing/2014/main" id="{CA43A220-9EDA-4DAF-9782-6C8686F19CFC}"/>
+                <a16:creationId xmlns:a16="http://schemas.microsoft.com/office/drawing/2014/main" id="{8D490974-739E-4FB3-87DB-C8E272CB4CA5}"/>
               </a:ext>
             </a:extLst>
           </p:cNvPr>
@@ -4469,25 +4188,436 @@
         </p:nvSpPr>
         <p:spPr>
           <a:xfrm>
-            <a:off x="2004956" y="2245534"/>
-            <a:ext cx="2954655" cy="461665"/>
+            <a:off x="2354301" y="1701690"/>
+            <a:ext cx="9143999" cy="1135054"/>
           </a:xfrm>
           <a:prstGeom prst="rect">
             <a:avLst/>
           </a:prstGeom>
         </p:spPr>
         <p:txBody>
-          <a:bodyPr wrap="none" numCol="1" anchor="t">
+          <a:bodyPr wrap="square">
             <a:spAutoFit/>
           </a:bodyPr>
           <a:lstStyle/>
           <a:p>
+            <a:pPr>
+              <a:lnSpc>
+                <a:spcPct val="150000"/>
+              </a:lnSpc>
+            </a:pPr>
+            <a:r>
+              <a:rPr lang="en-US" sz="2400" dirty="0">
+                <a:latin typeface="微软雅黑" panose="020B0503020204020204" pitchFamily="34" charset="-122"/>
+                <a:ea typeface="微软雅黑" panose="020B0503020204020204" pitchFamily="34" charset="-122"/>
+              </a:rPr>
+              <a:t>免疫系统不光需要油门，还需要刹车。不光需要知道谁是敌人，还需要知道谁是朋友</a:t>
+            </a:r>
+          </a:p>
+        </p:txBody>
+      </p:sp>
+      <p:sp>
+        <p:nvSpPr>
+          <p:cNvPr id="6" name="矩形 5">
+            <a:extLst>
+              <a:ext uri="{FF2B5EF4-FFF2-40B4-BE49-F238E27FC236}">
+                <a16:creationId xmlns:a16="http://schemas.microsoft.com/office/drawing/2014/main" id="{0C121F29-6F16-4BDC-887D-A9A03E8D9093}"/>
+              </a:ext>
+            </a:extLst>
+          </p:cNvPr>
+          <p:cNvSpPr/>
+          <p:nvPr/>
+        </p:nvSpPr>
+        <p:spPr>
+          <a:xfrm>
+            <a:off x="2354301" y="3055764"/>
+            <a:ext cx="9143999" cy="581057"/>
+          </a:xfrm>
+          <a:prstGeom prst="rect">
+            <a:avLst/>
+          </a:prstGeom>
+        </p:spPr>
+        <p:txBody>
+          <a:bodyPr wrap="square">
+            <a:spAutoFit/>
+          </a:bodyPr>
+          <a:lstStyle/>
+          <a:p>
+            <a:pPr>
+              <a:lnSpc>
+                <a:spcPct val="150000"/>
+              </a:lnSpc>
+            </a:pPr>
             <a:r>
               <a:rPr lang="zh-CN" altLang="en-US" sz="2400" dirty="0">
                 <a:latin typeface="微软雅黑" panose="020B0503020204020204" pitchFamily="34" charset="-122"/>
                 <a:ea typeface="微软雅黑" panose="020B0503020204020204" pitchFamily="34" charset="-122"/>
               </a:rPr>
-              <a:t>从多个角度考虑问题</a:t>
+              <a:t>癌细胞要么给免疫系统踩刹车，要么伪装成正常细胞</a:t>
+            </a:r>
+            <a:endParaRPr lang="en-US" sz="2400" dirty="0">
+              <a:latin typeface="微软雅黑" panose="020B0503020204020204" pitchFamily="34" charset="-122"/>
+              <a:ea typeface="微软雅黑" panose="020B0503020204020204" pitchFamily="34" charset="-122"/>
+            </a:endParaRPr>
+          </a:p>
+        </p:txBody>
+      </p:sp>
+    </p:spTree>
+    <p:extLst>
+      <p:ext uri="{BB962C8B-B14F-4D97-AF65-F5344CB8AC3E}">
+        <p14:creationId xmlns:p14="http://schemas.microsoft.com/office/powerpoint/2010/main" val="3641466144"/>
+      </p:ext>
+    </p:extLst>
+  </p:cSld>
+  <p:clrMapOvr>
+    <a:masterClrMapping/>
+  </p:clrMapOvr>
+</p:sld>
+</file>
+
+<file path=ppt/slides/slide17.xml><?xml version="1.0" encoding="utf-8"?>
+<p:sld xmlns:a="http://schemas.openxmlformats.org/drawingml/2006/main" xmlns:r="http://schemas.openxmlformats.org/officeDocument/2006/relationships" xmlns:p="http://schemas.openxmlformats.org/presentationml/2006/main">
+  <p:cSld>
+    <p:spTree>
+      <p:nvGrpSpPr>
+        <p:cNvPr id="1" name=""/>
+        <p:cNvGrpSpPr/>
+        <p:nvPr/>
+      </p:nvGrpSpPr>
+      <p:grpSpPr>
+        <a:xfrm>
+          <a:off x="0" y="0"/>
+          <a:ext cx="0" cy="0"/>
+          <a:chOff x="0" y="0"/>
+          <a:chExt cx="0" cy="0"/>
+        </a:xfrm>
+      </p:grpSpPr>
+      <p:sp>
+        <p:nvSpPr>
+          <p:cNvPr id="10" name="标题 1">
+            <a:extLst>
+              <a:ext uri="{FF2B5EF4-FFF2-40B4-BE49-F238E27FC236}">
+                <a16:creationId xmlns:a16="http://schemas.microsoft.com/office/drawing/2014/main" id="{633004BE-CEE6-4EDD-970A-15A6903C108E}"/>
+              </a:ext>
+            </a:extLst>
+          </p:cNvPr>
+          <p:cNvSpPr>
+            <a:spLocks noGrp="1"/>
+          </p:cNvSpPr>
+          <p:nvPr>
+            <p:ph type="ctrTitle"/>
+          </p:nvPr>
+        </p:nvSpPr>
+        <p:spPr>
+          <a:xfrm>
+            <a:off x="1524000" y="378283"/>
+            <a:ext cx="9144000" cy="1104388"/>
+          </a:xfrm>
+        </p:spPr>
+        <p:txBody>
+          <a:bodyPr>
+            <a:normAutofit/>
+          </a:bodyPr>
+          <a:lstStyle/>
+          <a:p>
+            <a:r>
+              <a:rPr lang="zh-CN" altLang="en-US" dirty="0"/>
+              <a:t>免疫疗法：唤醒免疫系统</a:t>
+            </a:r>
+            <a:endParaRPr lang="en-US" dirty="0"/>
+          </a:p>
+        </p:txBody>
+      </p:sp>
+      <p:sp>
+        <p:nvSpPr>
+          <p:cNvPr id="6" name="矩形 5">
+            <a:extLst>
+              <a:ext uri="{FF2B5EF4-FFF2-40B4-BE49-F238E27FC236}">
+                <a16:creationId xmlns:a16="http://schemas.microsoft.com/office/drawing/2014/main" id="{A312DFA4-4E80-4CB8-A42A-C5367015DD08}"/>
+              </a:ext>
+            </a:extLst>
+          </p:cNvPr>
+          <p:cNvSpPr/>
+          <p:nvPr/>
+        </p:nvSpPr>
+        <p:spPr>
+          <a:xfrm>
+            <a:off x="2596336" y="2088329"/>
+            <a:ext cx="9143999" cy="461665"/>
+          </a:xfrm>
+          <a:prstGeom prst="rect">
+            <a:avLst/>
+          </a:prstGeom>
+        </p:spPr>
+        <p:txBody>
+          <a:bodyPr wrap="square">
+            <a:spAutoFit/>
+          </a:bodyPr>
+          <a:lstStyle/>
+          <a:p>
+            <a:r>
+              <a:rPr lang="zh-CN" altLang="en-US" sz="2400" dirty="0">
+                <a:latin typeface="微软雅黑" panose="020B0503020204020204" pitchFamily="34" charset="-122"/>
+                <a:ea typeface="微软雅黑" panose="020B0503020204020204" pitchFamily="34" charset="-122"/>
+              </a:rPr>
+              <a:t>吉米 卡特</a:t>
+            </a:r>
+            <a:endParaRPr lang="en-US" sz="2400" dirty="0">
+              <a:latin typeface="微软雅黑" panose="020B0503020204020204" pitchFamily="34" charset="-122"/>
+              <a:ea typeface="微软雅黑" panose="020B0503020204020204" pitchFamily="34" charset="-122"/>
+            </a:endParaRPr>
+          </a:p>
+        </p:txBody>
+      </p:sp>
+      <p:sp>
+        <p:nvSpPr>
+          <p:cNvPr id="7" name="矩形 6">
+            <a:extLst>
+              <a:ext uri="{FF2B5EF4-FFF2-40B4-BE49-F238E27FC236}">
+                <a16:creationId xmlns:a16="http://schemas.microsoft.com/office/drawing/2014/main" id="{75C002E5-5576-43D6-AAA7-EE44F155103C}"/>
+              </a:ext>
+            </a:extLst>
+          </p:cNvPr>
+          <p:cNvSpPr/>
+          <p:nvPr/>
+        </p:nvSpPr>
+        <p:spPr>
+          <a:xfrm>
+            <a:off x="2596335" y="3591937"/>
+            <a:ext cx="9143999" cy="461665"/>
+          </a:xfrm>
+          <a:prstGeom prst="rect">
+            <a:avLst/>
+          </a:prstGeom>
+        </p:spPr>
+        <p:txBody>
+          <a:bodyPr wrap="square">
+            <a:spAutoFit/>
+          </a:bodyPr>
+          <a:lstStyle/>
+          <a:p>
+            <a:r>
+              <a:rPr lang="en-US" altLang="zh-CN" sz="2400" dirty="0">
+                <a:latin typeface="微软雅黑" panose="020B0503020204020204" pitchFamily="34" charset="-122"/>
+                <a:ea typeface="微软雅黑" panose="020B0503020204020204" pitchFamily="34" charset="-122"/>
+              </a:rPr>
+              <a:t>PD-1  —— </a:t>
+            </a:r>
+            <a:r>
+              <a:rPr lang="zh-CN" altLang="en-US" sz="2400" dirty="0">
+                <a:latin typeface="微软雅黑" panose="020B0503020204020204" pitchFamily="34" charset="-122"/>
+                <a:ea typeface="微软雅黑" panose="020B0503020204020204" pitchFamily="34" charset="-122"/>
+              </a:rPr>
+              <a:t>本庶佑</a:t>
+            </a:r>
+            <a:endParaRPr lang="en-US" sz="2400" dirty="0">
+              <a:latin typeface="微软雅黑" panose="020B0503020204020204" pitchFamily="34" charset="-122"/>
+              <a:ea typeface="微软雅黑" panose="020B0503020204020204" pitchFamily="34" charset="-122"/>
+            </a:endParaRPr>
+          </a:p>
+        </p:txBody>
+      </p:sp>
+      <p:sp>
+        <p:nvSpPr>
+          <p:cNvPr id="8" name="矩形 7">
+            <a:extLst>
+              <a:ext uri="{FF2B5EF4-FFF2-40B4-BE49-F238E27FC236}">
+                <a16:creationId xmlns:a16="http://schemas.microsoft.com/office/drawing/2014/main" id="{751F7E8A-1990-4247-8B2A-AA18EBDBB6E2}"/>
+              </a:ext>
+            </a:extLst>
+          </p:cNvPr>
+          <p:cNvSpPr/>
+          <p:nvPr/>
+        </p:nvSpPr>
+        <p:spPr>
+          <a:xfrm>
+            <a:off x="2596335" y="2804399"/>
+            <a:ext cx="9143999" cy="461665"/>
+          </a:xfrm>
+          <a:prstGeom prst="rect">
+            <a:avLst/>
+          </a:prstGeom>
+        </p:spPr>
+        <p:txBody>
+          <a:bodyPr wrap="square">
+            <a:spAutoFit/>
+          </a:bodyPr>
+          <a:lstStyle/>
+          <a:p>
+            <a:r>
+              <a:rPr lang="en-US" altLang="zh-CN" sz="2400" dirty="0">
+                <a:latin typeface="微软雅黑" panose="020B0503020204020204" pitchFamily="34" charset="-122"/>
+                <a:ea typeface="微软雅黑" panose="020B0503020204020204" pitchFamily="34" charset="-122"/>
+              </a:rPr>
+              <a:t>CTLA-4  —— </a:t>
+            </a:r>
+            <a:r>
+              <a:rPr lang="zh-CN" altLang="en-US" sz="2400" dirty="0">
+                <a:latin typeface="微软雅黑" panose="020B0503020204020204" pitchFamily="34" charset="-122"/>
+                <a:ea typeface="微软雅黑" panose="020B0503020204020204" pitchFamily="34" charset="-122"/>
+              </a:rPr>
+              <a:t>艾莉森</a:t>
+            </a:r>
+            <a:endParaRPr lang="en-US" sz="2400" dirty="0">
+              <a:latin typeface="微软雅黑" panose="020B0503020204020204" pitchFamily="34" charset="-122"/>
+              <a:ea typeface="微软雅黑" panose="020B0503020204020204" pitchFamily="34" charset="-122"/>
+            </a:endParaRPr>
+          </a:p>
+        </p:txBody>
+      </p:sp>
+      <p:pic>
+        <p:nvPicPr>
+          <p:cNvPr id="9" name="Picture 2" descr="https://ss2.baidu.com/6ONYsjip0QIZ8tyhnq/it/u=2039143811,3811898093&amp;fm=173&amp;app=25&amp;f=JPEG?w=600&amp;h=390&amp;s=811B579562AA711BDC1911EF0300F010">
+            <a:extLst>
+              <a:ext uri="{FF2B5EF4-FFF2-40B4-BE49-F238E27FC236}">
+                <a16:creationId xmlns:a16="http://schemas.microsoft.com/office/drawing/2014/main" id="{986FB8B8-CCA0-4B24-8BE2-13F65C71F4FE}"/>
+              </a:ext>
+            </a:extLst>
+          </p:cNvPr>
+          <p:cNvPicPr>
+            <a:picLocks noChangeAspect="1" noChangeArrowheads="1"/>
+          </p:cNvPicPr>
+          <p:nvPr/>
+        </p:nvPicPr>
+        <p:blipFill>
+          <a:blip r:embed="rId2">
+            <a:extLst>
+              <a:ext uri="{28A0092B-C50C-407E-A947-70E740481C1C}">
+                <a14:useLocalDpi xmlns:a14="http://schemas.microsoft.com/office/drawing/2010/main" val="0"/>
+              </a:ext>
+            </a:extLst>
+          </a:blip>
+          <a:srcRect/>
+          <a:stretch>
+            <a:fillRect/>
+          </a:stretch>
+        </p:blipFill>
+        <p:spPr bwMode="auto">
+          <a:xfrm>
+            <a:off x="6096000" y="2933488"/>
+            <a:ext cx="5311432" cy="3452431"/>
+          </a:xfrm>
+          <a:prstGeom prst="rect">
+            <a:avLst/>
+          </a:prstGeom>
+          <a:noFill/>
+          <a:extLst>
+            <a:ext uri="{909E8E84-426E-40DD-AFC4-6F175D3DCCD1}">
+              <a14:hiddenFill xmlns:a14="http://schemas.microsoft.com/office/drawing/2010/main">
+                <a:solidFill>
+                  <a:srgbClr val="FFFFFF"/>
+                </a:solidFill>
+              </a14:hiddenFill>
+            </a:ext>
+          </a:extLst>
+        </p:spPr>
+      </p:pic>
+    </p:spTree>
+    <p:extLst>
+      <p:ext uri="{BB962C8B-B14F-4D97-AF65-F5344CB8AC3E}">
+        <p14:creationId xmlns:p14="http://schemas.microsoft.com/office/powerpoint/2010/main" val="766904784"/>
+      </p:ext>
+    </p:extLst>
+  </p:cSld>
+  <p:clrMapOvr>
+    <a:masterClrMapping/>
+  </p:clrMapOvr>
+</p:sld>
+</file>
+
+<file path=ppt/slides/slide18.xml><?xml version="1.0" encoding="utf-8"?>
+<p:sld xmlns:a="http://schemas.openxmlformats.org/drawingml/2006/main" xmlns:r="http://schemas.openxmlformats.org/officeDocument/2006/relationships" xmlns:p="http://schemas.openxmlformats.org/presentationml/2006/main">
+  <p:cSld>
+    <p:spTree>
+      <p:nvGrpSpPr>
+        <p:cNvPr id="1" name=""/>
+        <p:cNvGrpSpPr/>
+        <p:nvPr/>
+      </p:nvGrpSpPr>
+      <p:grpSpPr>
+        <a:xfrm>
+          <a:off x="0" y="0"/>
+          <a:ext cx="0" cy="0"/>
+          <a:chOff x="0" y="0"/>
+          <a:chExt cx="0" cy="0"/>
+        </a:xfrm>
+      </p:grpSpPr>
+      <p:sp>
+        <p:nvSpPr>
+          <p:cNvPr id="10" name="标题 1">
+            <a:extLst>
+              <a:ext uri="{FF2B5EF4-FFF2-40B4-BE49-F238E27FC236}">
+                <a16:creationId xmlns:a16="http://schemas.microsoft.com/office/drawing/2014/main" id="{633004BE-CEE6-4EDD-970A-15A6903C108E}"/>
+              </a:ext>
+            </a:extLst>
+          </p:cNvPr>
+          <p:cNvSpPr>
+            <a:spLocks noGrp="1"/>
+          </p:cNvSpPr>
+          <p:nvPr>
+            <p:ph type="ctrTitle"/>
+          </p:nvPr>
+        </p:nvSpPr>
+        <p:spPr>
+          <a:xfrm>
+            <a:off x="1524000" y="378283"/>
+            <a:ext cx="9144000" cy="1104388"/>
+          </a:xfrm>
+        </p:spPr>
+        <p:txBody>
+          <a:bodyPr>
+            <a:normAutofit fontScale="90000"/>
+          </a:bodyPr>
+          <a:lstStyle/>
+          <a:p>
+            <a:r>
+              <a:rPr lang="zh-CN" altLang="en-US" dirty="0"/>
+              <a:t>免疫疗法：戳破癌细胞的伪装</a:t>
+            </a:r>
+            <a:endParaRPr lang="en-US" dirty="0"/>
+          </a:p>
+        </p:txBody>
+      </p:sp>
+      <p:sp>
+        <p:nvSpPr>
+          <p:cNvPr id="17" name="矩形 16">
+            <a:extLst>
+              <a:ext uri="{FF2B5EF4-FFF2-40B4-BE49-F238E27FC236}">
+                <a16:creationId xmlns:a16="http://schemas.microsoft.com/office/drawing/2014/main" id="{D4D7D3A9-DBB8-4CC8-BA5B-BFFF8F5E5C6B}"/>
+              </a:ext>
+            </a:extLst>
+          </p:cNvPr>
+          <p:cNvSpPr/>
+          <p:nvPr/>
+        </p:nvSpPr>
+        <p:spPr>
+          <a:xfrm>
+            <a:off x="2072949" y="3043498"/>
+            <a:ext cx="9386034" cy="830997"/>
+          </a:xfrm>
+          <a:prstGeom prst="rect">
+            <a:avLst/>
+          </a:prstGeom>
+        </p:spPr>
+        <p:txBody>
+          <a:bodyPr wrap="square">
+            <a:spAutoFit/>
+          </a:bodyPr>
+          <a:lstStyle/>
+          <a:p>
+            <a:r>
+              <a:rPr lang="en-US" altLang="zh-CN" sz="2400" dirty="0">
+                <a:latin typeface="微软雅黑" panose="020B0503020204020204" pitchFamily="34" charset="-122"/>
+                <a:ea typeface="微软雅黑" panose="020B0503020204020204" pitchFamily="34" charset="-122"/>
+              </a:rPr>
+              <a:t>CAR-T, </a:t>
+            </a:r>
+            <a:r>
+              <a:rPr lang="zh-CN" altLang="en-US" sz="2400" dirty="0">
+                <a:latin typeface="微软雅黑" panose="020B0503020204020204" pitchFamily="34" charset="-122"/>
+                <a:ea typeface="微软雅黑" panose="020B0503020204020204" pitchFamily="34" charset="-122"/>
+              </a:rPr>
+              <a:t>教会免疫系统用其他方式识别癌细胞，特殊性强，容易误伤正常细胞</a:t>
             </a:r>
             <a:endParaRPr lang="en-US" altLang="zh-CN" sz="2400" dirty="0">
               <a:latin typeface="微软雅黑" panose="020B0503020204020204" pitchFamily="34" charset="-122"/>
@@ -4498,10 +4628,10 @@
       </p:sp>
       <p:sp>
         <p:nvSpPr>
-          <p:cNvPr id="21" name="矩形 20">
+          <p:cNvPr id="18" name="矩形 17">
             <a:extLst>
               <a:ext uri="{FF2B5EF4-FFF2-40B4-BE49-F238E27FC236}">
-                <a16:creationId xmlns:a16="http://schemas.microsoft.com/office/drawing/2014/main" id="{B71F961E-0A34-41CF-A4D8-845E3E43C5C3}"/>
+                <a16:creationId xmlns:a16="http://schemas.microsoft.com/office/drawing/2014/main" id="{920C6693-58FF-4541-8BD7-297FCAE906B4}"/>
               </a:ext>
             </a:extLst>
           </p:cNvPr>
@@ -4510,15 +4640,15 @@
         </p:nvSpPr>
         <p:spPr>
           <a:xfrm>
-            <a:off x="2004956" y="3042777"/>
-            <a:ext cx="5724644" cy="461665"/>
+            <a:off x="2072949" y="4304157"/>
+            <a:ext cx="6032421" cy="461665"/>
           </a:xfrm>
           <a:prstGeom prst="rect">
             <a:avLst/>
           </a:prstGeom>
         </p:spPr>
         <p:txBody>
-          <a:bodyPr wrap="none" numCol="1" anchor="t">
+          <a:bodyPr wrap="none">
             <a:spAutoFit/>
           </a:bodyPr>
           <a:lstStyle/>
@@ -4528,7 +4658,7 @@
                 <a:latin typeface="微软雅黑" panose="020B0503020204020204" pitchFamily="34" charset="-122"/>
                 <a:ea typeface="微软雅黑" panose="020B0503020204020204" pitchFamily="34" charset="-122"/>
               </a:rPr>
-              <a:t>对基本原理的认知限制你解决问题的思路</a:t>
+              <a:t>个性化癌症疫苗，让癌细胞的蛋白呈现出来</a:t>
             </a:r>
             <a:endParaRPr lang="en-US" altLang="zh-CN" sz="2400" dirty="0">
               <a:latin typeface="微软雅黑" panose="020B0503020204020204" pitchFamily="34" charset="-122"/>
@@ -4537,10 +4667,326 @@
           </a:p>
         </p:txBody>
       </p:sp>
+      <p:sp>
+        <p:nvSpPr>
+          <p:cNvPr id="3" name="矩形 2">
+            <a:extLst>
+              <a:ext uri="{FF2B5EF4-FFF2-40B4-BE49-F238E27FC236}">
+                <a16:creationId xmlns:a16="http://schemas.microsoft.com/office/drawing/2014/main" id="{FCDD449A-EE20-47F6-897B-6E4CF4D925BD}"/>
+              </a:ext>
+            </a:extLst>
+          </p:cNvPr>
+          <p:cNvSpPr/>
+          <p:nvPr/>
+        </p:nvSpPr>
+        <p:spPr>
+          <a:xfrm>
+            <a:off x="2072949" y="2152171"/>
+            <a:ext cx="3700052" cy="461665"/>
+          </a:xfrm>
+          <a:prstGeom prst="rect">
+            <a:avLst/>
+          </a:prstGeom>
+        </p:spPr>
+        <p:txBody>
+          <a:bodyPr wrap="none">
+            <a:spAutoFit/>
+          </a:bodyPr>
+          <a:lstStyle/>
+          <a:p>
+            <a:r>
+              <a:rPr lang="en-US" altLang="zh-CN" sz="2400" dirty="0">
+                <a:latin typeface="微软雅黑" panose="020B0503020204020204" pitchFamily="34" charset="-122"/>
+                <a:ea typeface="微软雅黑" panose="020B0503020204020204" pitchFamily="34" charset="-122"/>
+              </a:rPr>
+              <a:t>MHC</a:t>
+            </a:r>
+            <a:r>
+              <a:rPr lang="zh-CN" altLang="en-US" sz="2400" dirty="0">
+                <a:latin typeface="微软雅黑" panose="020B0503020204020204" pitchFamily="34" charset="-122"/>
+                <a:ea typeface="微软雅黑" panose="020B0503020204020204" pitchFamily="34" charset="-122"/>
+              </a:rPr>
+              <a:t>，人类细胞识别系统</a:t>
+            </a:r>
+            <a:endParaRPr lang="en-US" sz="2400" dirty="0"/>
+          </a:p>
+        </p:txBody>
+      </p:sp>
     </p:spTree>
     <p:extLst>
       <p:ext uri="{BB962C8B-B14F-4D97-AF65-F5344CB8AC3E}">
-        <p14:creationId xmlns:p14="http://schemas.microsoft.com/office/powerpoint/2010/main" val="3739814444"/>
+        <p14:creationId xmlns:p14="http://schemas.microsoft.com/office/powerpoint/2010/main" val="2349101139"/>
+      </p:ext>
+    </p:extLst>
+  </p:cSld>
+  <p:clrMapOvr>
+    <a:masterClrMapping/>
+  </p:clrMapOvr>
+</p:sld>
+</file>
+
+<file path=ppt/slides/slide19.xml><?xml version="1.0" encoding="utf-8"?>
+<p:sld xmlns:a="http://schemas.openxmlformats.org/drawingml/2006/main" xmlns:r="http://schemas.openxmlformats.org/officeDocument/2006/relationships" xmlns:p="http://schemas.openxmlformats.org/presentationml/2006/main">
+  <p:cSld>
+    <p:spTree>
+      <p:nvGrpSpPr>
+        <p:cNvPr id="1" name=""/>
+        <p:cNvGrpSpPr/>
+        <p:nvPr/>
+      </p:nvGrpSpPr>
+      <p:grpSpPr>
+        <a:xfrm>
+          <a:off x="0" y="0"/>
+          <a:ext cx="0" cy="0"/>
+          <a:chOff x="0" y="0"/>
+          <a:chExt cx="0" cy="0"/>
+        </a:xfrm>
+      </p:grpSpPr>
+      <p:sp>
+        <p:nvSpPr>
+          <p:cNvPr id="19" name="标题 1">
+            <a:extLst>
+              <a:ext uri="{FF2B5EF4-FFF2-40B4-BE49-F238E27FC236}">
+                <a16:creationId xmlns:a16="http://schemas.microsoft.com/office/drawing/2014/main" id="{2DF9121E-4C4A-4772-ADF8-F5DAC8D6F695}"/>
+              </a:ext>
+            </a:extLst>
+          </p:cNvPr>
+          <p:cNvSpPr>
+            <a:spLocks noGrp="1"/>
+          </p:cNvSpPr>
+          <p:nvPr>
+            <p:ph type="ctrTitle"/>
+          </p:nvPr>
+        </p:nvSpPr>
+        <p:spPr>
+          <a:xfrm>
+            <a:off x="1524000" y="805567"/>
+            <a:ext cx="9144000" cy="1104388"/>
+          </a:xfrm>
+        </p:spPr>
+        <p:txBody>
+          <a:bodyPr>
+            <a:normAutofit fontScale="90000"/>
+          </a:bodyPr>
+          <a:lstStyle/>
+          <a:p>
+            <a:r>
+              <a:rPr lang="zh-CN" altLang="en-US" dirty="0"/>
+              <a:t>预测、预防、预警：把癌症提前关进笼子</a:t>
+            </a:r>
+            <a:endParaRPr lang="en-US" dirty="0"/>
+          </a:p>
+        </p:txBody>
+      </p:sp>
+      <p:sp>
+        <p:nvSpPr>
+          <p:cNvPr id="20" name="矩形 19">
+            <a:extLst>
+              <a:ext uri="{FF2B5EF4-FFF2-40B4-BE49-F238E27FC236}">
+                <a16:creationId xmlns:a16="http://schemas.microsoft.com/office/drawing/2014/main" id="{CA43A220-9EDA-4DAF-9782-6C8686F19CFC}"/>
+              </a:ext>
+            </a:extLst>
+          </p:cNvPr>
+          <p:cNvSpPr/>
+          <p:nvPr/>
+        </p:nvSpPr>
+        <p:spPr>
+          <a:xfrm>
+            <a:off x="2004956" y="2245534"/>
+            <a:ext cx="3650256" cy="581057"/>
+          </a:xfrm>
+          <a:prstGeom prst="rect">
+            <a:avLst/>
+          </a:prstGeom>
+        </p:spPr>
+        <p:txBody>
+          <a:bodyPr wrap="square">
+            <a:spAutoFit/>
+          </a:bodyPr>
+          <a:lstStyle/>
+          <a:p>
+            <a:pPr>
+              <a:lnSpc>
+                <a:spcPct val="150000"/>
+              </a:lnSpc>
+            </a:pPr>
+            <a:r>
+              <a:rPr lang="zh-CN" altLang="en-US" sz="2400" dirty="0">
+                <a:latin typeface="微软雅黑" panose="020B0503020204020204" pitchFamily="34" charset="-122"/>
+                <a:ea typeface="微软雅黑" panose="020B0503020204020204" pitchFamily="34" charset="-122"/>
+              </a:rPr>
+              <a:t>安吉丽娜朱莉 </a:t>
+            </a:r>
+            <a:r>
+              <a:rPr lang="en-US" altLang="zh-CN" sz="2400" dirty="0">
+                <a:latin typeface="微软雅黑" panose="020B0503020204020204" pitchFamily="34" charset="-122"/>
+                <a:ea typeface="微软雅黑" panose="020B0503020204020204" pitchFamily="34" charset="-122"/>
+              </a:rPr>
+              <a:t>BRCA1</a:t>
+            </a:r>
+          </a:p>
+        </p:txBody>
+      </p:sp>
+      <p:sp>
+        <p:nvSpPr>
+          <p:cNvPr id="21" name="矩形 20">
+            <a:extLst>
+              <a:ext uri="{FF2B5EF4-FFF2-40B4-BE49-F238E27FC236}">
+                <a16:creationId xmlns:a16="http://schemas.microsoft.com/office/drawing/2014/main" id="{B71F961E-0A34-41CF-A4D8-845E3E43C5C3}"/>
+              </a:ext>
+            </a:extLst>
+          </p:cNvPr>
+          <p:cNvSpPr/>
+          <p:nvPr/>
+        </p:nvSpPr>
+        <p:spPr>
+          <a:xfrm>
+            <a:off x="2004956" y="3042777"/>
+            <a:ext cx="4185761" cy="581057"/>
+          </a:xfrm>
+          <a:prstGeom prst="rect">
+            <a:avLst/>
+          </a:prstGeom>
+        </p:spPr>
+        <p:txBody>
+          <a:bodyPr wrap="none">
+            <a:spAutoFit/>
+          </a:bodyPr>
+          <a:lstStyle/>
+          <a:p>
+            <a:pPr>
+              <a:lnSpc>
+                <a:spcPct val="150000"/>
+              </a:lnSpc>
+            </a:pPr>
+            <a:r>
+              <a:rPr lang="zh-CN" altLang="en-US" sz="2400" dirty="0">
+                <a:latin typeface="微软雅黑" panose="020B0503020204020204" pitchFamily="34" charset="-122"/>
+                <a:ea typeface="微软雅黑" panose="020B0503020204020204" pitchFamily="34" charset="-122"/>
+              </a:rPr>
+              <a:t>基因突变：癌细胞产生的原因</a:t>
+            </a:r>
+            <a:endParaRPr lang="en-US" altLang="zh-CN" sz="2400" dirty="0">
+              <a:latin typeface="微软雅黑" panose="020B0503020204020204" pitchFamily="34" charset="-122"/>
+              <a:ea typeface="微软雅黑" panose="020B0503020204020204" pitchFamily="34" charset="-122"/>
+            </a:endParaRPr>
+          </a:p>
+        </p:txBody>
+      </p:sp>
+      <p:sp>
+        <p:nvSpPr>
+          <p:cNvPr id="22" name="矩形 21">
+            <a:extLst>
+              <a:ext uri="{FF2B5EF4-FFF2-40B4-BE49-F238E27FC236}">
+                <a16:creationId xmlns:a16="http://schemas.microsoft.com/office/drawing/2014/main" id="{2D26C9FB-3DF1-4BF3-98CA-6FA4DB463663}"/>
+              </a:ext>
+            </a:extLst>
+          </p:cNvPr>
+          <p:cNvSpPr/>
+          <p:nvPr/>
+        </p:nvSpPr>
+        <p:spPr>
+          <a:xfrm>
+            <a:off x="2004956" y="3840021"/>
+            <a:ext cx="4185761" cy="581057"/>
+          </a:xfrm>
+          <a:prstGeom prst="rect">
+            <a:avLst/>
+          </a:prstGeom>
+        </p:spPr>
+        <p:txBody>
+          <a:bodyPr wrap="none">
+            <a:spAutoFit/>
+          </a:bodyPr>
+          <a:lstStyle/>
+          <a:p>
+            <a:pPr>
+              <a:lnSpc>
+                <a:spcPct val="150000"/>
+              </a:lnSpc>
+            </a:pPr>
+            <a:r>
+              <a:rPr lang="zh-CN" altLang="en-US" sz="2400" dirty="0">
+                <a:latin typeface="微软雅黑" panose="020B0503020204020204" pitchFamily="34" charset="-122"/>
+                <a:ea typeface="微软雅黑" panose="020B0503020204020204" pitchFamily="34" charset="-122"/>
+              </a:rPr>
+              <a:t>早起预警：打击弱小的癌细胞</a:t>
+            </a:r>
+            <a:endParaRPr lang="en-US" altLang="zh-CN" sz="2400" dirty="0">
+              <a:latin typeface="微软雅黑" panose="020B0503020204020204" pitchFamily="34" charset="-122"/>
+              <a:ea typeface="微软雅黑" panose="020B0503020204020204" pitchFamily="34" charset="-122"/>
+            </a:endParaRPr>
+          </a:p>
+        </p:txBody>
+      </p:sp>
+      <p:sp>
+        <p:nvSpPr>
+          <p:cNvPr id="23" name="矩形 22">
+            <a:extLst>
+              <a:ext uri="{FF2B5EF4-FFF2-40B4-BE49-F238E27FC236}">
+                <a16:creationId xmlns:a16="http://schemas.microsoft.com/office/drawing/2014/main" id="{1F0D2810-739C-4BFE-A966-B24106B0AF8E}"/>
+              </a:ext>
+            </a:extLst>
+          </p:cNvPr>
+          <p:cNvSpPr/>
+          <p:nvPr/>
+        </p:nvSpPr>
+        <p:spPr>
+          <a:xfrm>
+            <a:off x="2004956" y="4751582"/>
+            <a:ext cx="9614958" cy="1135054"/>
+          </a:xfrm>
+          <a:prstGeom prst="rect">
+            <a:avLst/>
+          </a:prstGeom>
+        </p:spPr>
+        <p:txBody>
+          <a:bodyPr wrap="square">
+            <a:spAutoFit/>
+          </a:bodyPr>
+          <a:lstStyle/>
+          <a:p>
+            <a:pPr>
+              <a:lnSpc>
+                <a:spcPct val="150000"/>
+              </a:lnSpc>
+            </a:pPr>
+            <a:r>
+              <a:rPr lang="zh-CN" altLang="en-US" sz="2400" dirty="0">
+                <a:latin typeface="微软雅黑" panose="020B0503020204020204" pitchFamily="34" charset="-122"/>
+                <a:ea typeface="微软雅黑" panose="020B0503020204020204" pitchFamily="34" charset="-122"/>
+              </a:rPr>
+              <a:t>预测和预防：降低癌症出现概率</a:t>
+            </a:r>
+            <a:endParaRPr lang="en-US" altLang="zh-CN" sz="2400" dirty="0">
+              <a:latin typeface="微软雅黑" panose="020B0503020204020204" pitchFamily="34" charset="-122"/>
+              <a:ea typeface="微软雅黑" panose="020B0503020204020204" pitchFamily="34" charset="-122"/>
+            </a:endParaRPr>
+          </a:p>
+          <a:p>
+            <a:pPr>
+              <a:lnSpc>
+                <a:spcPct val="150000"/>
+              </a:lnSpc>
+            </a:pPr>
+            <a:r>
+              <a:rPr lang="zh-CN" altLang="en-US" sz="2400" dirty="0">
+                <a:latin typeface="微软雅黑" panose="020B0503020204020204" pitchFamily="34" charset="-122"/>
+                <a:ea typeface="微软雅黑" panose="020B0503020204020204" pitchFamily="34" charset="-122"/>
+              </a:rPr>
+              <a:t>烟、酒、咸鱼、泡菜和空气污染</a:t>
+            </a:r>
+            <a:endParaRPr lang="en-US" altLang="zh-CN" sz="2400" dirty="0">
+              <a:latin typeface="微软雅黑" panose="020B0503020204020204" pitchFamily="34" charset="-122"/>
+              <a:ea typeface="微软雅黑" panose="020B0503020204020204" pitchFamily="34" charset="-122"/>
+            </a:endParaRPr>
+          </a:p>
+        </p:txBody>
+      </p:sp>
+    </p:spTree>
+    <p:extLst>
+      <p:ext uri="{BB962C8B-B14F-4D97-AF65-F5344CB8AC3E}">
+        <p14:creationId xmlns:p14="http://schemas.microsoft.com/office/powerpoint/2010/main" val="290369599"/>
       </p:ext>
     </p:extLst>
   </p:cSld>
@@ -4581,8 +5027,8 @@
         </p:nvSpPr>
         <p:spPr>
           <a:xfrm>
-            <a:off x="2016760" y="1471803"/>
-            <a:ext cx="5759910" cy="461665"/>
+            <a:off x="2016760" y="788313"/>
+            <a:ext cx="5745484" cy="581057"/>
           </a:xfrm>
           <a:prstGeom prst="rect">
             <a:avLst/>
@@ -4594,6 +5040,11 @@
           </a:bodyPr>
           <a:lstStyle/>
           <a:p>
+            <a:pPr>
+              <a:lnSpc>
+                <a:spcPct val="150000"/>
+              </a:lnSpc>
+            </a:pPr>
             <a:r>
               <a:rPr lang="en-US" sz="2400" dirty="0">
                 <a:latin typeface="微软雅黑" panose="020B0503020204020204" pitchFamily="34" charset="-122"/>
@@ -4634,8 +5085,8 @@
         </p:nvSpPr>
         <p:spPr>
           <a:xfrm>
-            <a:off x="2016760" y="2135684"/>
-            <a:ext cx="7641836" cy="461665"/>
+            <a:off x="2021449" y="1520727"/>
+            <a:ext cx="7608173" cy="581057"/>
           </a:xfrm>
           <a:prstGeom prst="rect">
             <a:avLst/>
@@ -4647,6 +5098,11 @@
           </a:bodyPr>
           <a:lstStyle/>
           <a:p>
+            <a:pPr>
+              <a:lnSpc>
+                <a:spcPct val="150000"/>
+              </a:lnSpc>
+            </a:pPr>
             <a:r>
               <a:rPr lang="zh-CN" altLang="en-US" sz="2400" dirty="0">
                 <a:latin typeface="微软雅黑" panose="020B0503020204020204" pitchFamily="34" charset="-122"/>
@@ -4702,8 +5158,8 @@
         </p:nvSpPr>
         <p:spPr>
           <a:xfrm>
-            <a:off x="2016760" y="2848261"/>
-            <a:ext cx="2954655" cy="461665"/>
+            <a:off x="2087100" y="3732048"/>
+            <a:ext cx="2954655" cy="581057"/>
           </a:xfrm>
           <a:prstGeom prst="rect">
             <a:avLst/>
@@ -4715,6 +5171,11 @@
           </a:bodyPr>
           <a:lstStyle/>
           <a:p>
+            <a:pPr>
+              <a:lnSpc>
+                <a:spcPct val="150000"/>
+              </a:lnSpc>
+            </a:pPr>
             <a:r>
               <a:rPr lang="zh-CN" altLang="en-US" sz="2400" dirty="0">
                 <a:latin typeface="微软雅黑" panose="020B0503020204020204" pitchFamily="34" charset="-122"/>
@@ -4742,8 +5203,8 @@
         </p:nvSpPr>
         <p:spPr>
           <a:xfrm>
-            <a:off x="2016760" y="3560838"/>
-            <a:ext cx="6070893" cy="461665"/>
+            <a:off x="2087956" y="4549603"/>
+            <a:ext cx="6070893" cy="581057"/>
           </a:xfrm>
           <a:prstGeom prst="rect">
             <a:avLst/>
@@ -4756,6 +5217,9 @@
           <a:lstStyle/>
           <a:p>
             <a:pPr marL="342900" indent="-342900">
+              <a:lnSpc>
+                <a:spcPct val="150000"/>
+              </a:lnSpc>
               <a:buFont typeface="Arial" panose="020B0604020202020204" pitchFamily="34" charset="0"/>
               <a:buChar char="•"/>
             </a:pPr>
@@ -4786,8 +5250,8 @@
         </p:nvSpPr>
         <p:spPr>
           <a:xfrm>
-            <a:off x="2016760" y="4273415"/>
-            <a:ext cx="5763116" cy="461665"/>
+            <a:off x="2089857" y="5296774"/>
+            <a:ext cx="5763116" cy="581057"/>
           </a:xfrm>
           <a:prstGeom prst="rect">
             <a:avLst/>
@@ -4800,6 +5264,9 @@
           <a:lstStyle/>
           <a:p>
             <a:pPr marL="342900" indent="-342900">
+              <a:lnSpc>
+                <a:spcPct val="150000"/>
+              </a:lnSpc>
               <a:buFont typeface="Arial" panose="020B0604020202020204" pitchFamily="34" charset="0"/>
               <a:buChar char="•"/>
             </a:pPr>
@@ -4809,6 +5276,121 @@
                 <a:ea typeface="微软雅黑" panose="020B0503020204020204" pitchFamily="34" charset="-122"/>
               </a:rPr>
               <a:t>如何消灭癌细胞但不伤及人体正常器官</a:t>
+            </a:r>
+            <a:endParaRPr lang="en-US" sz="2400" dirty="0">
+              <a:latin typeface="微软雅黑" panose="020B0503020204020204" pitchFamily="34" charset="-122"/>
+            </a:endParaRPr>
+          </a:p>
+        </p:txBody>
+      </p:sp>
+      <p:sp>
+        <p:nvSpPr>
+          <p:cNvPr id="2" name="矩形 1">
+            <a:extLst>
+              <a:ext uri="{FF2B5EF4-FFF2-40B4-BE49-F238E27FC236}">
+                <a16:creationId xmlns:a16="http://schemas.microsoft.com/office/drawing/2014/main" id="{628DE17A-2089-4B14-9613-F129571AE8BE}"/>
+              </a:ext>
+            </a:extLst>
+          </p:cNvPr>
+          <p:cNvSpPr/>
+          <p:nvPr/>
+        </p:nvSpPr>
+        <p:spPr>
+          <a:xfrm>
+            <a:off x="2087956" y="2946897"/>
+            <a:ext cx="8687240" cy="581057"/>
+          </a:xfrm>
+          <a:prstGeom prst="rect">
+            <a:avLst/>
+          </a:prstGeom>
+        </p:spPr>
+        <p:txBody>
+          <a:bodyPr wrap="square">
+            <a:spAutoFit/>
+          </a:bodyPr>
+          <a:lstStyle/>
+          <a:p>
+            <a:pPr>
+              <a:lnSpc>
+                <a:spcPct val="150000"/>
+              </a:lnSpc>
+            </a:pPr>
+            <a:r>
+              <a:rPr lang="en-US" sz="2400" dirty="0">
+                <a:latin typeface="微软雅黑" panose="020B0503020204020204" pitchFamily="34" charset="-122"/>
+                <a:ea typeface="微软雅黑" panose="020B0503020204020204" pitchFamily="34" charset="-122"/>
+              </a:rPr>
+              <a:t>整个生物医药产业的投资，有接近一半都投入了这个领域当中</a:t>
+            </a:r>
+          </a:p>
+        </p:txBody>
+      </p:sp>
+      <p:sp>
+        <p:nvSpPr>
+          <p:cNvPr id="11" name="矩形 10">
+            <a:extLst>
+              <a:ext uri="{FF2B5EF4-FFF2-40B4-BE49-F238E27FC236}">
+                <a16:creationId xmlns:a16="http://schemas.microsoft.com/office/drawing/2014/main" id="{AF492964-B82D-46E8-B8FF-F6B8159ED1FD}"/>
+              </a:ext>
+            </a:extLst>
+          </p:cNvPr>
+          <p:cNvSpPr/>
+          <p:nvPr/>
+        </p:nvSpPr>
+        <p:spPr>
+          <a:xfrm>
+            <a:off x="2059820" y="2223594"/>
+            <a:ext cx="8549135" cy="581057"/>
+          </a:xfrm>
+          <a:prstGeom prst="rect">
+            <a:avLst/>
+          </a:prstGeom>
+        </p:spPr>
+        <p:txBody>
+          <a:bodyPr wrap="none">
+            <a:spAutoFit/>
+          </a:bodyPr>
+          <a:lstStyle/>
+          <a:p>
+            <a:pPr>
+              <a:lnSpc>
+                <a:spcPct val="150000"/>
+              </a:lnSpc>
+            </a:pPr>
+            <a:r>
+              <a:rPr lang="zh-CN" altLang="en-US" sz="2400" dirty="0">
+                <a:latin typeface="微软雅黑" panose="020B0503020204020204" pitchFamily="34" charset="-122"/>
+                <a:ea typeface="微软雅黑" panose="020B0503020204020204" pitchFamily="34" charset="-122"/>
+              </a:rPr>
+              <a:t>在中国，每分钟有</a:t>
+            </a:r>
+            <a:r>
+              <a:rPr lang="en-US" altLang="zh-CN" sz="2400" dirty="0">
+                <a:latin typeface="微软雅黑" panose="020B0503020204020204" pitchFamily="34" charset="-122"/>
+                <a:ea typeface="微软雅黑" panose="020B0503020204020204" pitchFamily="34" charset="-122"/>
+              </a:rPr>
+              <a:t>8</a:t>
+            </a:r>
+            <a:r>
+              <a:rPr lang="zh-CN" altLang="en-US" sz="2400" dirty="0">
+                <a:latin typeface="微软雅黑" panose="020B0503020204020204" pitchFamily="34" charset="-122"/>
+                <a:ea typeface="微软雅黑" panose="020B0503020204020204" pitchFamily="34" charset="-122"/>
+              </a:rPr>
+              <a:t>个人被诊断为癌症，有</a:t>
+            </a:r>
+            <a:r>
+              <a:rPr lang="en-US" altLang="zh-CN" sz="2400" dirty="0">
+                <a:latin typeface="微软雅黑" panose="020B0503020204020204" pitchFamily="34" charset="-122"/>
+                <a:ea typeface="微软雅黑" panose="020B0503020204020204" pitchFamily="34" charset="-122"/>
+              </a:rPr>
+              <a:t>5</a:t>
+            </a:r>
+            <a:r>
+              <a:rPr lang="zh-CN" altLang="en-US" sz="2400" dirty="0">
+                <a:latin typeface="微软雅黑" panose="020B0503020204020204" pitchFamily="34" charset="-122"/>
+                <a:ea typeface="微软雅黑" panose="020B0503020204020204" pitchFamily="34" charset="-122"/>
+              </a:rPr>
+              <a:t>个人因为癌症离去</a:t>
             </a:r>
             <a:endParaRPr lang="en-US" sz="2400" dirty="0">
               <a:latin typeface="微软雅黑" panose="020B0503020204020204" pitchFamily="34" charset="-122"/>
@@ -4820,6 +5402,458 @@
     <p:extLst>
       <p:ext uri="{BB962C8B-B14F-4D97-AF65-F5344CB8AC3E}">
         <p14:creationId xmlns:p14="http://schemas.microsoft.com/office/powerpoint/2010/main" val="4707298"/>
+      </p:ext>
+    </p:extLst>
+  </p:cSld>
+  <p:clrMapOvr>
+    <a:masterClrMapping/>
+  </p:clrMapOvr>
+</p:sld>
+</file>
+
+<file path=ppt/slides/slide20.xml><?xml version="1.0" encoding="utf-8"?>
+<p:sld xmlns:a="http://schemas.openxmlformats.org/drawingml/2006/main" xmlns:r="http://schemas.openxmlformats.org/officeDocument/2006/relationships" xmlns:p="http://schemas.openxmlformats.org/presentationml/2006/main">
+  <p:cSld>
+    <p:spTree>
+      <p:nvGrpSpPr>
+        <p:cNvPr id="1" name=""/>
+        <p:cNvGrpSpPr/>
+        <p:nvPr/>
+      </p:nvGrpSpPr>
+      <p:grpSpPr>
+        <a:xfrm>
+          <a:off x="0" y="0"/>
+          <a:ext cx="0" cy="0"/>
+          <a:chOff x="0" y="0"/>
+          <a:chExt cx="0" cy="0"/>
+        </a:xfrm>
+      </p:grpSpPr>
+      <p:sp>
+        <p:nvSpPr>
+          <p:cNvPr id="9" name="标题 1">
+            <a:extLst>
+              <a:ext uri="{FF2B5EF4-FFF2-40B4-BE49-F238E27FC236}">
+                <a16:creationId xmlns:a16="http://schemas.microsoft.com/office/drawing/2014/main" id="{39903DE5-A822-4FC1-BB0D-D7D8E209CA15}"/>
+              </a:ext>
+            </a:extLst>
+          </p:cNvPr>
+          <p:cNvSpPr>
+            <a:spLocks noGrp="1"/>
+          </p:cNvSpPr>
+          <p:nvPr>
+            <p:ph type="ctrTitle"/>
+          </p:nvPr>
+        </p:nvSpPr>
+        <p:spPr>
+          <a:xfrm>
+            <a:off x="1523999" y="1308294"/>
+            <a:ext cx="9294055" cy="2700997"/>
+          </a:xfrm>
+        </p:spPr>
+        <p:txBody>
+          <a:bodyPr>
+            <a:normAutofit/>
+          </a:bodyPr>
+          <a:lstStyle/>
+          <a:p>
+            <a:r>
+              <a:rPr lang="zh-CN" altLang="en-US" dirty="0"/>
+              <a:t>人类对抗癌症的每一步进步都是基于对癌症基本原理的进一步了解</a:t>
+            </a:r>
+            <a:endParaRPr lang="en-US" dirty="0"/>
+          </a:p>
+        </p:txBody>
+      </p:sp>
+    </p:spTree>
+    <p:extLst>
+      <p:ext uri="{BB962C8B-B14F-4D97-AF65-F5344CB8AC3E}">
+        <p14:creationId xmlns:p14="http://schemas.microsoft.com/office/powerpoint/2010/main" val="1372295836"/>
+      </p:ext>
+    </p:extLst>
+  </p:cSld>
+  <p:clrMapOvr>
+    <a:masterClrMapping/>
+  </p:clrMapOvr>
+</p:sld>
+</file>
+
+<file path=ppt/slides/slide21.xml><?xml version="1.0" encoding="utf-8"?>
+<p:sld xmlns:a="http://schemas.openxmlformats.org/drawingml/2006/main" xmlns:r="http://schemas.openxmlformats.org/officeDocument/2006/relationships" xmlns:p="http://schemas.openxmlformats.org/presentationml/2006/main">
+  <p:cSld>
+    <p:spTree>
+      <p:nvGrpSpPr>
+        <p:cNvPr id="1" name=""/>
+        <p:cNvGrpSpPr/>
+        <p:nvPr/>
+      </p:nvGrpSpPr>
+      <p:grpSpPr>
+        <a:xfrm>
+          <a:off x="0" y="0"/>
+          <a:ext cx="0" cy="0"/>
+          <a:chOff x="0" y="0"/>
+          <a:chExt cx="0" cy="0"/>
+        </a:xfrm>
+      </p:grpSpPr>
+      <p:sp>
+        <p:nvSpPr>
+          <p:cNvPr id="19" name="标题 1">
+            <a:extLst>
+              <a:ext uri="{FF2B5EF4-FFF2-40B4-BE49-F238E27FC236}">
+                <a16:creationId xmlns:a16="http://schemas.microsoft.com/office/drawing/2014/main" id="{2DF9121E-4C4A-4772-ADF8-F5DAC8D6F695}"/>
+              </a:ext>
+            </a:extLst>
+          </p:cNvPr>
+          <p:cNvSpPr>
+            <a:spLocks noGrp="1"/>
+          </p:cNvSpPr>
+          <p:nvPr>
+            <p:ph type="ctrTitle"/>
+          </p:nvPr>
+        </p:nvSpPr>
+        <p:spPr>
+          <a:xfrm>
+            <a:off x="1524000" y="604837"/>
+            <a:ext cx="9144000" cy="1104388"/>
+          </a:xfrm>
+        </p:spPr>
+        <p:txBody>
+          <a:bodyPr>
+            <a:normAutofit/>
+          </a:bodyPr>
+          <a:lstStyle/>
+          <a:p>
+            <a:r>
+              <a:rPr lang="zh-CN" altLang="en-US" dirty="0"/>
+              <a:t>人类对抗癌症的借鉴意义</a:t>
+            </a:r>
+            <a:endParaRPr lang="en-US" dirty="0"/>
+          </a:p>
+        </p:txBody>
+      </p:sp>
+      <p:sp>
+        <p:nvSpPr>
+          <p:cNvPr id="20" name="矩形 19">
+            <a:extLst>
+              <a:ext uri="{FF2B5EF4-FFF2-40B4-BE49-F238E27FC236}">
+                <a16:creationId xmlns:a16="http://schemas.microsoft.com/office/drawing/2014/main" id="{CA43A220-9EDA-4DAF-9782-6C8686F19CFC}"/>
+              </a:ext>
+            </a:extLst>
+          </p:cNvPr>
+          <p:cNvSpPr/>
+          <p:nvPr/>
+        </p:nvSpPr>
+        <p:spPr>
+          <a:xfrm>
+            <a:off x="2004956" y="2245534"/>
+            <a:ext cx="2954655" cy="461665"/>
+          </a:xfrm>
+          <a:prstGeom prst="rect">
+            <a:avLst/>
+          </a:prstGeom>
+        </p:spPr>
+        <p:txBody>
+          <a:bodyPr wrap="none" numCol="1" anchor="t">
+            <a:spAutoFit/>
+          </a:bodyPr>
+          <a:lstStyle/>
+          <a:p>
+            <a:r>
+              <a:rPr lang="zh-CN" altLang="en-US" sz="2400" dirty="0">
+                <a:latin typeface="微软雅黑" panose="020B0503020204020204" pitchFamily="34" charset="-122"/>
+                <a:ea typeface="微软雅黑" panose="020B0503020204020204" pitchFamily="34" charset="-122"/>
+              </a:rPr>
+              <a:t>从多个角度考虑问题</a:t>
+            </a:r>
+            <a:endParaRPr lang="en-US" altLang="zh-CN" sz="2400" dirty="0">
+              <a:latin typeface="微软雅黑" panose="020B0503020204020204" pitchFamily="34" charset="-122"/>
+              <a:ea typeface="微软雅黑" panose="020B0503020204020204" pitchFamily="34" charset="-122"/>
+            </a:endParaRPr>
+          </a:p>
+        </p:txBody>
+      </p:sp>
+      <p:sp>
+        <p:nvSpPr>
+          <p:cNvPr id="21" name="矩形 20">
+            <a:extLst>
+              <a:ext uri="{FF2B5EF4-FFF2-40B4-BE49-F238E27FC236}">
+                <a16:creationId xmlns:a16="http://schemas.microsoft.com/office/drawing/2014/main" id="{B71F961E-0A34-41CF-A4D8-845E3E43C5C3}"/>
+              </a:ext>
+            </a:extLst>
+          </p:cNvPr>
+          <p:cNvSpPr/>
+          <p:nvPr/>
+        </p:nvSpPr>
+        <p:spPr>
+          <a:xfrm>
+            <a:off x="2004956" y="3042777"/>
+            <a:ext cx="5724644" cy="461665"/>
+          </a:xfrm>
+          <a:prstGeom prst="rect">
+            <a:avLst/>
+          </a:prstGeom>
+        </p:spPr>
+        <p:txBody>
+          <a:bodyPr wrap="none" numCol="1" anchor="t">
+            <a:spAutoFit/>
+          </a:bodyPr>
+          <a:lstStyle/>
+          <a:p>
+            <a:r>
+              <a:rPr lang="zh-CN" altLang="en-US" sz="2400" dirty="0">
+                <a:latin typeface="微软雅黑" panose="020B0503020204020204" pitchFamily="34" charset="-122"/>
+                <a:ea typeface="微软雅黑" panose="020B0503020204020204" pitchFamily="34" charset="-122"/>
+              </a:rPr>
+              <a:t>对基本原理的认知限制你解决问题的思路</a:t>
+            </a:r>
+            <a:endParaRPr lang="en-US" altLang="zh-CN" sz="2400" dirty="0">
+              <a:latin typeface="微软雅黑" panose="020B0503020204020204" pitchFamily="34" charset="-122"/>
+              <a:ea typeface="微软雅黑" panose="020B0503020204020204" pitchFamily="34" charset="-122"/>
+            </a:endParaRPr>
+          </a:p>
+        </p:txBody>
+      </p:sp>
+    </p:spTree>
+    <p:extLst>
+      <p:ext uri="{BB962C8B-B14F-4D97-AF65-F5344CB8AC3E}">
+        <p14:creationId xmlns:p14="http://schemas.microsoft.com/office/powerpoint/2010/main" val="3739814444"/>
+      </p:ext>
+    </p:extLst>
+  </p:cSld>
+  <p:clrMapOvr>
+    <a:masterClrMapping/>
+  </p:clrMapOvr>
+</p:sld>
+</file>
+
+<file path=ppt/slides/slide22.xml><?xml version="1.0" encoding="utf-8"?>
+<p:sld xmlns:a="http://schemas.openxmlformats.org/drawingml/2006/main" xmlns:r="http://schemas.openxmlformats.org/officeDocument/2006/relationships" xmlns:p="http://schemas.openxmlformats.org/presentationml/2006/main">
+  <p:cSld>
+    <p:spTree>
+      <p:nvGrpSpPr>
+        <p:cNvPr id="1" name=""/>
+        <p:cNvGrpSpPr/>
+        <p:nvPr/>
+      </p:nvGrpSpPr>
+      <p:grpSpPr>
+        <a:xfrm>
+          <a:off x="0" y="0"/>
+          <a:ext cx="0" cy="0"/>
+          <a:chOff x="0" y="0"/>
+          <a:chExt cx="0" cy="0"/>
+        </a:xfrm>
+      </p:grpSpPr>
+      <p:sp>
+        <p:nvSpPr>
+          <p:cNvPr id="19" name="标题 1">
+            <a:extLst>
+              <a:ext uri="{FF2B5EF4-FFF2-40B4-BE49-F238E27FC236}">
+                <a16:creationId xmlns:a16="http://schemas.microsoft.com/office/drawing/2014/main" id="{2DF9121E-4C4A-4772-ADF8-F5DAC8D6F695}"/>
+              </a:ext>
+            </a:extLst>
+          </p:cNvPr>
+          <p:cNvSpPr>
+            <a:spLocks noGrp="1"/>
+          </p:cNvSpPr>
+          <p:nvPr>
+            <p:ph type="ctrTitle"/>
+          </p:nvPr>
+        </p:nvSpPr>
+        <p:spPr>
+          <a:xfrm>
+            <a:off x="1524000" y="604837"/>
+            <a:ext cx="9144000" cy="1104388"/>
+          </a:xfrm>
+        </p:spPr>
+        <p:txBody>
+          <a:bodyPr>
+            <a:normAutofit/>
+          </a:bodyPr>
+          <a:lstStyle/>
+          <a:p>
+            <a:r>
+              <a:rPr lang="zh-CN" altLang="en-US" dirty="0"/>
+              <a:t>中医能不能治癌症</a:t>
+            </a:r>
+            <a:endParaRPr lang="en-US" dirty="0"/>
+          </a:p>
+        </p:txBody>
+      </p:sp>
+      <p:sp>
+        <p:nvSpPr>
+          <p:cNvPr id="3" name="矩形 2">
+            <a:extLst>
+              <a:ext uri="{FF2B5EF4-FFF2-40B4-BE49-F238E27FC236}">
+                <a16:creationId xmlns:a16="http://schemas.microsoft.com/office/drawing/2014/main" id="{9118DCF3-37B2-4A99-BB2E-29B9AB8FA9EC}"/>
+              </a:ext>
+            </a:extLst>
+          </p:cNvPr>
+          <p:cNvSpPr/>
+          <p:nvPr/>
+        </p:nvSpPr>
+        <p:spPr>
+          <a:xfrm>
+            <a:off x="2441053" y="1987134"/>
+            <a:ext cx="800219" cy="581057"/>
+          </a:xfrm>
+          <a:prstGeom prst="rect">
+            <a:avLst/>
+          </a:prstGeom>
+        </p:spPr>
+        <p:txBody>
+          <a:bodyPr wrap="none">
+            <a:spAutoFit/>
+          </a:bodyPr>
+          <a:lstStyle/>
+          <a:p>
+            <a:pPr>
+              <a:lnSpc>
+                <a:spcPct val="150000"/>
+              </a:lnSpc>
+            </a:pPr>
+            <a:r>
+              <a:rPr lang="en-US" sz="2400" dirty="0">
+                <a:latin typeface="微软雅黑" panose="020B0503020204020204" pitchFamily="34" charset="-122"/>
+                <a:ea typeface="微软雅黑" panose="020B0503020204020204" pitchFamily="34" charset="-122"/>
+              </a:rPr>
+              <a:t>砒霜</a:t>
+            </a:r>
+          </a:p>
+        </p:txBody>
+      </p:sp>
+      <p:sp>
+        <p:nvSpPr>
+          <p:cNvPr id="4" name="矩形 3">
+            <a:extLst>
+              <a:ext uri="{FF2B5EF4-FFF2-40B4-BE49-F238E27FC236}">
+                <a16:creationId xmlns:a16="http://schemas.microsoft.com/office/drawing/2014/main" id="{48347389-619E-4FF6-BFA6-04A7D5ABE6AD}"/>
+              </a:ext>
+            </a:extLst>
+          </p:cNvPr>
+          <p:cNvSpPr/>
+          <p:nvPr/>
+        </p:nvSpPr>
+        <p:spPr>
+          <a:xfrm>
+            <a:off x="2441053" y="2613567"/>
+            <a:ext cx="6096000" cy="581057"/>
+          </a:xfrm>
+          <a:prstGeom prst="rect">
+            <a:avLst/>
+          </a:prstGeom>
+        </p:spPr>
+        <p:txBody>
+          <a:bodyPr>
+            <a:spAutoFit/>
+          </a:bodyPr>
+          <a:lstStyle/>
+          <a:p>
+            <a:pPr>
+              <a:lnSpc>
+                <a:spcPct val="150000"/>
+              </a:lnSpc>
+            </a:pPr>
+            <a:r>
+              <a:rPr lang="en-US" sz="2400" dirty="0">
+                <a:latin typeface="微软雅黑" panose="020B0503020204020204" pitchFamily="34" charset="-122"/>
+                <a:ea typeface="微软雅黑" panose="020B0503020204020204" pitchFamily="34" charset="-122"/>
+              </a:rPr>
+              <a:t>轻粉，就是含有水银成分的氯化亚汞</a:t>
+            </a:r>
+          </a:p>
+        </p:txBody>
+      </p:sp>
+      <p:sp>
+        <p:nvSpPr>
+          <p:cNvPr id="5" name="矩形 4">
+            <a:extLst>
+              <a:ext uri="{FF2B5EF4-FFF2-40B4-BE49-F238E27FC236}">
+                <a16:creationId xmlns:a16="http://schemas.microsoft.com/office/drawing/2014/main" id="{8D05371C-516F-4A9D-BADB-EF2251F93777}"/>
+              </a:ext>
+            </a:extLst>
+          </p:cNvPr>
+          <p:cNvSpPr/>
+          <p:nvPr/>
+        </p:nvSpPr>
+        <p:spPr>
+          <a:xfrm>
+            <a:off x="2441053" y="3253447"/>
+            <a:ext cx="2954655" cy="581057"/>
+          </a:xfrm>
+          <a:prstGeom prst="rect">
+            <a:avLst/>
+          </a:prstGeom>
+        </p:spPr>
+        <p:txBody>
+          <a:bodyPr wrap="none">
+            <a:spAutoFit/>
+          </a:bodyPr>
+          <a:lstStyle/>
+          <a:p>
+            <a:pPr>
+              <a:lnSpc>
+                <a:spcPct val="150000"/>
+              </a:lnSpc>
+            </a:pPr>
+            <a:r>
+              <a:rPr lang="en-US" sz="2400" dirty="0">
+                <a:latin typeface="微软雅黑" panose="020B0503020204020204" pitchFamily="34" charset="-122"/>
+                <a:ea typeface="微软雅黑" panose="020B0503020204020204" pitchFamily="34" charset="-122"/>
+              </a:rPr>
+              <a:t>蟾酥，蟾蜍的分泌物</a:t>
+            </a:r>
+          </a:p>
+        </p:txBody>
+      </p:sp>
+      <p:sp>
+        <p:nvSpPr>
+          <p:cNvPr id="8" name="矩形 7">
+            <a:extLst>
+              <a:ext uri="{FF2B5EF4-FFF2-40B4-BE49-F238E27FC236}">
+                <a16:creationId xmlns:a16="http://schemas.microsoft.com/office/drawing/2014/main" id="{2BA43A8C-455A-4DDD-B8DE-CCD5960ECF7D}"/>
+              </a:ext>
+            </a:extLst>
+          </p:cNvPr>
+          <p:cNvSpPr/>
+          <p:nvPr/>
+        </p:nvSpPr>
+        <p:spPr>
+          <a:xfrm>
+            <a:off x="2441052" y="3893327"/>
+            <a:ext cx="2646878" cy="581057"/>
+          </a:xfrm>
+          <a:prstGeom prst="rect">
+            <a:avLst/>
+          </a:prstGeom>
+        </p:spPr>
+        <p:txBody>
+          <a:bodyPr wrap="none">
+            <a:spAutoFit/>
+          </a:bodyPr>
+          <a:lstStyle/>
+          <a:p>
+            <a:pPr>
+              <a:lnSpc>
+                <a:spcPct val="150000"/>
+              </a:lnSpc>
+            </a:pPr>
+            <a:r>
+              <a:rPr lang="zh-CN" altLang="en-US" sz="2400" dirty="0">
+                <a:latin typeface="微软雅黑" panose="020B0503020204020204" pitchFamily="34" charset="-122"/>
+                <a:ea typeface="微软雅黑" panose="020B0503020204020204" pitchFamily="34" charset="-122"/>
+              </a:rPr>
+              <a:t>急性早幼粒白血病</a:t>
+            </a:r>
+            <a:endParaRPr lang="en-US" sz="2400" dirty="0">
+              <a:latin typeface="微软雅黑" panose="020B0503020204020204" pitchFamily="34" charset="-122"/>
+              <a:ea typeface="微软雅黑" panose="020B0503020204020204" pitchFamily="34" charset="-122"/>
+            </a:endParaRPr>
+          </a:p>
+        </p:txBody>
+      </p:sp>
+    </p:spTree>
+    <p:extLst>
+      <p:ext uri="{BB962C8B-B14F-4D97-AF65-F5344CB8AC3E}">
+        <p14:creationId xmlns:p14="http://schemas.microsoft.com/office/powerpoint/2010/main" val="110016183"/>
       </p:ext>
     </p:extLst>
   </p:cSld>
@@ -4895,7 +5929,7 @@
         <p:spPr>
           <a:xfrm>
             <a:off x="2016760" y="1865700"/>
-            <a:ext cx="7263527" cy="461665"/>
+            <a:ext cx="6647974" cy="461665"/>
           </a:xfrm>
           <a:prstGeom prst="rect">
             <a:avLst/>
@@ -4912,7 +5946,7 @@
                 <a:latin typeface="微软雅黑" panose="020B0503020204020204" pitchFamily="34" charset="-122"/>
                 <a:ea typeface="微软雅黑" panose="020B0503020204020204" pitchFamily="34" charset="-122"/>
               </a:rPr>
-              <a:t>对于单细胞生物，不停生长、分裂、繁殖，才是常态</a:t>
+              <a:t>单细胞生物，不停生长、分裂、繁殖，才是常态</a:t>
             </a:r>
             <a:endParaRPr lang="en-US" sz="2400" dirty="0">
               <a:latin typeface="微软雅黑" panose="020B0503020204020204" pitchFamily="34" charset="-122"/>
@@ -5112,44 +6146,10 @@
       </p:grpSpPr>
       <p:sp>
         <p:nvSpPr>
-          <p:cNvPr id="10" name="标题 1">
+          <p:cNvPr id="11" name="矩形 10">
             <a:extLst>
               <a:ext uri="{FF2B5EF4-FFF2-40B4-BE49-F238E27FC236}">
-                <a16:creationId xmlns:a16="http://schemas.microsoft.com/office/drawing/2014/main" id="{83956643-06BD-4EF5-9411-ABE8717015DD}"/>
-              </a:ext>
-            </a:extLst>
-          </p:cNvPr>
-          <p:cNvSpPr>
-            <a:spLocks noGrp="1"/>
-          </p:cNvSpPr>
-          <p:nvPr>
-            <p:ph type="ctrTitle"/>
-          </p:nvPr>
-        </p:nvSpPr>
-        <p:spPr>
-          <a:xfrm>
-            <a:off x="1524000" y="428995"/>
-            <a:ext cx="9144000" cy="1104388"/>
-          </a:xfrm>
-        </p:spPr>
-        <p:txBody>
-          <a:bodyPr/>
-          <a:lstStyle/>
-          <a:p>
-            <a:r>
-              <a:rPr lang="zh-CN" altLang="en-US" dirty="0"/>
-              <a:t>疯狂的手术技术大赛</a:t>
-            </a:r>
-            <a:endParaRPr lang="en-US" dirty="0"/>
-          </a:p>
-        </p:txBody>
-      </p:sp>
-      <p:sp>
-        <p:nvSpPr>
-          <p:cNvPr id="17" name="矩形 16">
-            <a:extLst>
-              <a:ext uri="{FF2B5EF4-FFF2-40B4-BE49-F238E27FC236}">
-                <a16:creationId xmlns:a16="http://schemas.microsoft.com/office/drawing/2014/main" id="{4BF92C54-3E72-4720-89FF-876732166314}"/>
+                <a16:creationId xmlns:a16="http://schemas.microsoft.com/office/drawing/2014/main" id="{C0B9D6F2-6F21-4FCA-9229-DBDA8AB5C647}"/>
               </a:ext>
             </a:extLst>
           </p:cNvPr>
@@ -5158,137 +6158,27 @@
         </p:nvSpPr>
         <p:spPr>
           <a:xfrm>
-            <a:off x="2002692" y="1729053"/>
-            <a:ext cx="4493538" cy="461665"/>
+            <a:off x="2465605" y="2683803"/>
+            <a:ext cx="8358070" cy="646331"/>
           </a:xfrm>
           <a:prstGeom prst="rect">
             <a:avLst/>
           </a:prstGeom>
         </p:spPr>
         <p:txBody>
-          <a:bodyPr wrap="none">
-            <a:spAutoFit/>
-          </a:bodyPr>
-          <a:lstStyle/>
-          <a:p>
-            <a:r>
-              <a:rPr lang="zh-CN" altLang="en-US" sz="2400" dirty="0">
-                <a:latin typeface="微软雅黑" panose="020B0503020204020204" pitchFamily="34" charset="-122"/>
-                <a:ea typeface="微软雅黑" panose="020B0503020204020204" pitchFamily="34" charset="-122"/>
-              </a:rPr>
-              <a:t>越彻底，越全面，切得越多越好</a:t>
-            </a:r>
-            <a:endParaRPr lang="en-US" sz="2400" dirty="0">
-              <a:latin typeface="微软雅黑" panose="020B0503020204020204" pitchFamily="34" charset="-122"/>
-            </a:endParaRPr>
-          </a:p>
-        </p:txBody>
-      </p:sp>
-      <p:pic>
-        <p:nvPicPr>
-          <p:cNvPr id="18" name="图片 17">
-            <a:extLst>
-              <a:ext uri="{FF2B5EF4-FFF2-40B4-BE49-F238E27FC236}">
-                <a16:creationId xmlns:a16="http://schemas.microsoft.com/office/drawing/2014/main" id="{37B84566-751A-4F3D-BBCA-78E39EB84DD2}"/>
-              </a:ext>
-            </a:extLst>
-          </p:cNvPr>
-          <p:cNvPicPr>
-            <a:picLocks noChangeAspect="1"/>
-          </p:cNvPicPr>
-          <p:nvPr/>
-        </p:nvPicPr>
-        <p:blipFill>
-          <a:blip r:embed="rId2">
-            <a:extLst>
-              <a:ext uri="{28A0092B-C50C-407E-A947-70E740481C1C}">
-                <a14:useLocalDpi xmlns:a14="http://schemas.microsoft.com/office/drawing/2010/main" val="0"/>
-              </a:ext>
-            </a:extLst>
-          </a:blip>
-          <a:stretch>
-            <a:fillRect/>
-          </a:stretch>
-        </p:blipFill>
-        <p:spPr>
-          <a:xfrm>
-            <a:off x="2037161" y="3858745"/>
-            <a:ext cx="4459069" cy="2633637"/>
-          </a:xfrm>
-          <a:prstGeom prst="rect">
-            <a:avLst/>
-          </a:prstGeom>
-        </p:spPr>
-      </p:pic>
-      <p:sp>
-        <p:nvSpPr>
-          <p:cNvPr id="20" name="矩形 19">
-            <a:extLst>
-              <a:ext uri="{FF2B5EF4-FFF2-40B4-BE49-F238E27FC236}">
-                <a16:creationId xmlns:a16="http://schemas.microsoft.com/office/drawing/2014/main" id="{1472A612-B0F1-4642-A47B-4052DE650EAB}"/>
-              </a:ext>
-            </a:extLst>
-          </p:cNvPr>
-          <p:cNvSpPr/>
-          <p:nvPr/>
-        </p:nvSpPr>
-        <p:spPr>
-          <a:xfrm>
-            <a:off x="2002692" y="2424567"/>
-            <a:ext cx="8665308" cy="1200329"/>
-          </a:xfrm>
-          <a:prstGeom prst="rect">
-            <a:avLst/>
-          </a:prstGeom>
-        </p:spPr>
-        <p:txBody>
           <a:bodyPr wrap="square">
             <a:spAutoFit/>
           </a:bodyPr>
           <a:lstStyle/>
           <a:p>
             <a:r>
-              <a:rPr lang="zh-CN" altLang="en-US" sz="2400" dirty="0">
-                <a:latin typeface="微软雅黑" panose="020B0503020204020204" pitchFamily="34" charset="-122"/>
-                <a:ea typeface="微软雅黑" panose="020B0503020204020204" pitchFamily="34" charset="-122"/>
-              </a:rPr>
-              <a:t>效果如何</a:t>
-            </a:r>
-            <a:endParaRPr lang="en-US" altLang="zh-CN" sz="2400" dirty="0">
-              <a:latin typeface="微软雅黑" panose="020B0503020204020204" pitchFamily="34" charset="-122"/>
-              <a:ea typeface="微软雅黑" panose="020B0503020204020204" pitchFamily="34" charset="-122"/>
-            </a:endParaRPr>
-          </a:p>
-          <a:p>
-            <a:pPr marL="342900" indent="-342900">
-              <a:buFont typeface="Arial" panose="020B0604020202020204" pitchFamily="34" charset="0"/>
-              <a:buChar char="•"/>
-            </a:pPr>
-            <a:r>
-              <a:rPr lang="zh-CN" altLang="en-US" sz="2400" dirty="0">
-                <a:latin typeface="微软雅黑" panose="020B0503020204020204" pitchFamily="34" charset="-122"/>
-                <a:ea typeface="微软雅黑" panose="020B0503020204020204" pitchFamily="34" charset="-122"/>
-              </a:rPr>
-              <a:t>误伤正常组织</a:t>
-            </a:r>
-            <a:endParaRPr lang="en-US" altLang="zh-CN" sz="2400" dirty="0">
-              <a:latin typeface="微软雅黑" panose="020B0503020204020204" pitchFamily="34" charset="-122"/>
-              <a:ea typeface="微软雅黑" panose="020B0503020204020204" pitchFamily="34" charset="-122"/>
-            </a:endParaRPr>
-          </a:p>
-          <a:p>
-            <a:pPr marL="342900" indent="-342900">
-              <a:buFont typeface="Arial" panose="020B0604020202020204" pitchFamily="34" charset="0"/>
-              <a:buChar char="•"/>
-            </a:pPr>
-            <a:r>
-              <a:rPr lang="zh-CN" altLang="en-US" sz="2400" dirty="0">
-                <a:latin typeface="微软雅黑" panose="020B0503020204020204" pitchFamily="34" charset="-122"/>
-                <a:ea typeface="微软雅黑" panose="020B0503020204020204" pitchFamily="34" charset="-122"/>
-              </a:rPr>
-              <a:t>无法阻止癌细胞转移，卷土重来</a:t>
-            </a:r>
-            <a:endParaRPr lang="en-US" sz="2400" dirty="0">
+              <a:rPr lang="zh-CN" altLang="en-US" sz="3600" dirty="0">
+                <a:latin typeface="微软雅黑" panose="020B0503020204020204" pitchFamily="34" charset="-122"/>
+                <a:ea typeface="微软雅黑" panose="020B0503020204020204" pitchFamily="34" charset="-122"/>
+              </a:rPr>
+              <a:t>癌症仍是众病之王，但已见希望之光</a:t>
+            </a:r>
+            <a:endParaRPr lang="en-US" sz="3600" dirty="0">
               <a:latin typeface="微软雅黑" panose="020B0503020204020204" pitchFamily="34" charset="-122"/>
             </a:endParaRPr>
           </a:p>
@@ -5297,7 +6187,7 @@
     </p:spTree>
     <p:extLst>
       <p:ext uri="{BB962C8B-B14F-4D97-AF65-F5344CB8AC3E}">
-        <p14:creationId xmlns:p14="http://schemas.microsoft.com/office/powerpoint/2010/main" val="1236670195"/>
+        <p14:creationId xmlns:p14="http://schemas.microsoft.com/office/powerpoint/2010/main" val="2638859751"/>
       </p:ext>
     </p:extLst>
   </p:cSld>
@@ -5342,7 +6232,7 @@
         </p:nvSpPr>
         <p:spPr>
           <a:xfrm>
-            <a:off x="1524000" y="464234"/>
+            <a:off x="1524000" y="428995"/>
             <a:ext cx="9144000" cy="1104388"/>
           </a:xfrm>
         </p:spPr>
@@ -5352,7 +6242,7 @@
           <a:p>
             <a:r>
               <a:rPr lang="zh-CN" altLang="en-US" dirty="0"/>
-              <a:t>切哪儿</a:t>
+              <a:t>疯狂的手术技术大赛</a:t>
             </a:r>
             <a:endParaRPr lang="en-US" dirty="0"/>
           </a:p>
@@ -5360,10 +6250,10 @@
       </p:sp>
       <p:sp>
         <p:nvSpPr>
-          <p:cNvPr id="2" name="矩形 1">
+          <p:cNvPr id="17" name="矩形 16">
             <a:extLst>
               <a:ext uri="{FF2B5EF4-FFF2-40B4-BE49-F238E27FC236}">
-                <a16:creationId xmlns:a16="http://schemas.microsoft.com/office/drawing/2014/main" id="{AD141B27-EAB0-4D65-9376-D20536788EA9}"/>
+                <a16:creationId xmlns:a16="http://schemas.microsoft.com/office/drawing/2014/main" id="{4BF92C54-3E72-4720-89FF-876732166314}"/>
               </a:ext>
             </a:extLst>
           </p:cNvPr>
@@ -5372,8 +6262,8 @@
         </p:nvSpPr>
         <p:spPr>
           <a:xfrm>
-            <a:off x="1998003" y="1835156"/>
-            <a:ext cx="2646878" cy="461665"/>
+            <a:off x="2002692" y="1729053"/>
+            <a:ext cx="2339102" cy="461665"/>
           </a:xfrm>
           <a:prstGeom prst="rect">
             <a:avLst/>
@@ -5386,54 +6276,58 @@
           <a:lstStyle/>
           <a:p>
             <a:r>
-              <a:rPr lang="en-US" sz="2400" dirty="0">
-                <a:latin typeface="微软雅黑" panose="020B0503020204020204" pitchFamily="34" charset="-122"/>
-              </a:rPr>
-              <a:t>冰冻切片病理诊断</a:t>
-            </a:r>
-          </a:p>
-        </p:txBody>
-      </p:sp>
-      <p:sp>
-        <p:nvSpPr>
-          <p:cNvPr id="3" name="矩形 2">
+              <a:rPr lang="zh-CN" altLang="en-US" sz="2400" dirty="0">
+                <a:latin typeface="微软雅黑" panose="020B0503020204020204" pitchFamily="34" charset="-122"/>
+                <a:ea typeface="微软雅黑" panose="020B0503020204020204" pitchFamily="34" charset="-122"/>
+              </a:rPr>
+              <a:t>切得越彻底越好</a:t>
+            </a:r>
+            <a:endParaRPr lang="en-US" sz="2400" dirty="0">
+              <a:latin typeface="微软雅黑" panose="020B0503020204020204" pitchFamily="34" charset="-122"/>
+            </a:endParaRPr>
+          </a:p>
+        </p:txBody>
+      </p:sp>
+      <p:pic>
+        <p:nvPicPr>
+          <p:cNvPr id="18" name="图片 17">
             <a:extLst>
               <a:ext uri="{FF2B5EF4-FFF2-40B4-BE49-F238E27FC236}">
-                <a16:creationId xmlns:a16="http://schemas.microsoft.com/office/drawing/2014/main" id="{E6FFADED-12CC-4F91-9E3D-64CE4D40CDB0}"/>
+                <a16:creationId xmlns:a16="http://schemas.microsoft.com/office/drawing/2014/main" id="{37B84566-751A-4F3D-BBCA-78E39EB84DD2}"/>
               </a:ext>
             </a:extLst>
           </p:cNvPr>
-          <p:cNvSpPr/>
+          <p:cNvPicPr>
+            <a:picLocks noChangeAspect="1"/>
+          </p:cNvPicPr>
           <p:nvPr/>
-        </p:nvSpPr>
-        <p:spPr>
-          <a:xfrm>
-            <a:off x="1998003" y="2597220"/>
-            <a:ext cx="2031325" cy="461665"/>
+        </p:nvPicPr>
+        <p:blipFill>
+          <a:blip r:embed="rId2">
+            <a:extLst>
+              <a:ext uri="{28A0092B-C50C-407E-A947-70E740481C1C}">
+                <a14:useLocalDpi xmlns:a14="http://schemas.microsoft.com/office/drawing/2010/main" val="0"/>
+              </a:ext>
+            </a:extLst>
+          </a:blip>
+          <a:stretch>
+            <a:fillRect/>
+          </a:stretch>
+        </p:blipFill>
+        <p:spPr>
+          <a:xfrm>
+            <a:off x="2037161" y="2386388"/>
+            <a:ext cx="6839553" cy="4039610"/>
           </a:xfrm>
           <a:prstGeom prst="rect">
             <a:avLst/>
           </a:prstGeom>
         </p:spPr>
-        <p:txBody>
-          <a:bodyPr wrap="none">
-            <a:spAutoFit/>
-          </a:bodyPr>
-          <a:lstStyle/>
-          <a:p>
-            <a:r>
-              <a:rPr lang="en-US" sz="2400" dirty="0">
-                <a:latin typeface="微软雅黑" panose="020B0503020204020204" pitchFamily="34" charset="-122"/>
-              </a:rPr>
-              <a:t>人工智能技术</a:t>
-            </a:r>
-          </a:p>
-        </p:txBody>
-      </p:sp>
+      </p:pic>
     </p:spTree>
     <p:extLst>
       <p:ext uri="{BB962C8B-B14F-4D97-AF65-F5344CB8AC3E}">
-        <p14:creationId xmlns:p14="http://schemas.microsoft.com/office/powerpoint/2010/main" val="1832910982"/>
+        <p14:creationId xmlns:p14="http://schemas.microsoft.com/office/powerpoint/2010/main" val="1236670195"/>
       </p:ext>
     </p:extLst>
   </p:cSld>
@@ -5478,7 +6372,7 @@
         </p:nvSpPr>
         <p:spPr>
           <a:xfrm>
-            <a:off x="1524000" y="359616"/>
+            <a:off x="1524000" y="428995"/>
             <a:ext cx="9144000" cy="1104388"/>
           </a:xfrm>
         </p:spPr>
@@ -5487,8 +6381,8 @@
           <a:lstStyle/>
           <a:p>
             <a:r>
-              <a:rPr lang="zh-CN" altLang="en-US" dirty="0"/>
-              <a:t>怎么切</a:t>
+              <a:rPr lang="zh-CN" altLang="en-US"/>
+              <a:t>手术的效果如何</a:t>
             </a:r>
             <a:endParaRPr lang="en-US" dirty="0"/>
           </a:p>
@@ -5496,10 +6390,10 @@
       </p:sp>
       <p:sp>
         <p:nvSpPr>
-          <p:cNvPr id="16" name="矩形 15">
+          <p:cNvPr id="20" name="矩形 19">
             <a:extLst>
               <a:ext uri="{FF2B5EF4-FFF2-40B4-BE49-F238E27FC236}">
-                <a16:creationId xmlns:a16="http://schemas.microsoft.com/office/drawing/2014/main" id="{80F1CE45-F38E-4954-8210-6376C463A299}"/>
+                <a16:creationId xmlns:a16="http://schemas.microsoft.com/office/drawing/2014/main" id="{1472A612-B0F1-4642-A47B-4052DE650EAB}"/>
               </a:ext>
             </a:extLst>
           </p:cNvPr>
@@ -5508,8 +6402,8 @@
         </p:nvSpPr>
         <p:spPr>
           <a:xfrm>
-            <a:off x="1524000" y="2391435"/>
-            <a:ext cx="7640618" cy="461665"/>
+            <a:off x="2002692" y="2516900"/>
+            <a:ext cx="8665308" cy="461665"/>
           </a:xfrm>
           <a:prstGeom prst="rect">
             <a:avLst/>
@@ -5522,20 +6416,24 @@
           <a:lstStyle/>
           <a:p>
             <a:r>
-              <a:rPr lang="en-US" sz="2400" dirty="0">
-                <a:latin typeface="微软雅黑" panose="020B0503020204020204" pitchFamily="34" charset="-122"/>
-              </a:rPr>
-              <a:t>很多肿瘤实际上是非常难做手术的——比如脑瘤</a:t>
-            </a:r>
-          </a:p>
-        </p:txBody>
-      </p:sp>
-      <p:sp>
-        <p:nvSpPr>
-          <p:cNvPr id="18" name="矩形 17">
+              <a:rPr lang="zh-CN" altLang="en-US" sz="2400" dirty="0">
+                <a:latin typeface="微软雅黑" panose="020B0503020204020204" pitchFamily="34" charset="-122"/>
+                <a:ea typeface="微软雅黑" panose="020B0503020204020204" pitchFamily="34" charset="-122"/>
+              </a:rPr>
+              <a:t>无法阻止癌细胞转移，卷土重来</a:t>
+            </a:r>
+            <a:endParaRPr lang="en-US" sz="2400" dirty="0">
+              <a:latin typeface="微软雅黑" panose="020B0503020204020204" pitchFamily="34" charset="-122"/>
+            </a:endParaRPr>
+          </a:p>
+        </p:txBody>
+      </p:sp>
+      <p:sp>
+        <p:nvSpPr>
+          <p:cNvPr id="2" name="矩形 1">
             <a:extLst>
               <a:ext uri="{FF2B5EF4-FFF2-40B4-BE49-F238E27FC236}">
-                <a16:creationId xmlns:a16="http://schemas.microsoft.com/office/drawing/2014/main" id="{FFA1DFD6-6F06-42B9-8106-C9FCE7075087}"/>
+                <a16:creationId xmlns:a16="http://schemas.microsoft.com/office/drawing/2014/main" id="{4BBF568F-6099-47FA-BD23-2874455C7A88}"/>
               </a:ext>
             </a:extLst>
           </p:cNvPr>
@@ -5544,195 +6442,37 @@
         </p:nvSpPr>
         <p:spPr>
           <a:xfrm>
-            <a:off x="1524000" y="5225648"/>
-            <a:ext cx="2720617" cy="461665"/>
+            <a:off x="2002691" y="1794309"/>
+            <a:ext cx="5256237" cy="461665"/>
           </a:xfrm>
           <a:prstGeom prst="rect">
             <a:avLst/>
           </a:prstGeom>
         </p:spPr>
         <p:txBody>
-          <a:bodyPr wrap="none">
-            <a:spAutoFit/>
-          </a:bodyPr>
-          <a:lstStyle/>
-          <a:p>
-            <a:r>
-              <a:rPr lang="en-US" sz="2400" dirty="0">
-                <a:latin typeface="微软雅黑" panose="020B0503020204020204" pitchFamily="34" charset="-122"/>
-              </a:rPr>
-              <a:t>CT，核磁共振成像</a:t>
-            </a:r>
-          </a:p>
-        </p:txBody>
-      </p:sp>
-      <p:sp>
-        <p:nvSpPr>
-          <p:cNvPr id="19" name="矩形 18">
-            <a:extLst>
-              <a:ext uri="{FF2B5EF4-FFF2-40B4-BE49-F238E27FC236}">
-                <a16:creationId xmlns:a16="http://schemas.microsoft.com/office/drawing/2014/main" id="{F6A4A38B-A233-4475-A541-5C9CEEC186B4}"/>
-              </a:ext>
-            </a:extLst>
-          </p:cNvPr>
-          <p:cNvSpPr/>
-          <p:nvPr/>
-        </p:nvSpPr>
-        <p:spPr>
-          <a:xfrm>
-            <a:off x="1524000" y="5932101"/>
-            <a:ext cx="2537874" cy="461665"/>
-          </a:xfrm>
-          <a:prstGeom prst="rect">
-            <a:avLst/>
-          </a:prstGeom>
-        </p:spPr>
-        <p:txBody>
-          <a:bodyPr wrap="none">
-            <a:spAutoFit/>
-          </a:bodyPr>
-          <a:lstStyle/>
-          <a:p>
-            <a:r>
-              <a:rPr lang="en-US" sz="2400" dirty="0">
-                <a:latin typeface="微软雅黑" panose="020B0503020204020204" pitchFamily="34" charset="-122"/>
-              </a:rPr>
-              <a:t>碳原子替代X射线</a:t>
-            </a:r>
-          </a:p>
-        </p:txBody>
-      </p:sp>
-      <p:sp>
-        <p:nvSpPr>
-          <p:cNvPr id="3" name="矩形 2">
-            <a:extLst>
-              <a:ext uri="{FF2B5EF4-FFF2-40B4-BE49-F238E27FC236}">
-                <a16:creationId xmlns:a16="http://schemas.microsoft.com/office/drawing/2014/main" id="{0D89607A-73AD-44AE-B3A6-8AAE1A78582F}"/>
-              </a:ext>
-            </a:extLst>
-          </p:cNvPr>
-          <p:cNvSpPr/>
-          <p:nvPr/>
-        </p:nvSpPr>
-        <p:spPr>
-          <a:xfrm>
-            <a:off x="1523999" y="1622710"/>
-            <a:ext cx="8745415" cy="461665"/>
-          </a:xfrm>
-          <a:prstGeom prst="rect">
-            <a:avLst/>
-          </a:prstGeom>
-        </p:spPr>
-        <p:txBody>
           <a:bodyPr wrap="square">
             <a:spAutoFit/>
           </a:bodyPr>
           <a:lstStyle/>
           <a:p>
             <a:r>
-              <a:rPr lang="en-US" sz="2400" dirty="0" err="1">
-                <a:latin typeface="微软雅黑" panose="020B0503020204020204" pitchFamily="34" charset="-122"/>
-              </a:rPr>
-              <a:t>再精致锋利的手术刀，用在切除肿瘤的手术都是很“粗糙”的</a:t>
-            </a:r>
-            <a:endParaRPr lang="en-US" sz="2400" dirty="0">
+              <a:rPr lang="zh-CN" altLang="en-US" sz="2400" dirty="0">
+                <a:latin typeface="微软雅黑" panose="020B0503020204020204" pitchFamily="34" charset="-122"/>
+                <a:ea typeface="微软雅黑" panose="020B0503020204020204" pitchFamily="34" charset="-122"/>
+              </a:rPr>
+              <a:t>误伤正常组织</a:t>
+            </a:r>
+            <a:endParaRPr lang="en-US" altLang="zh-CN" sz="2400" dirty="0">
               <a:latin typeface="微软雅黑" panose="020B0503020204020204" pitchFamily="34" charset="-122"/>
+              <a:ea typeface="微软雅黑" panose="020B0503020204020204" pitchFamily="34" charset="-122"/>
             </a:endParaRPr>
-          </a:p>
-        </p:txBody>
-      </p:sp>
-      <p:sp>
-        <p:nvSpPr>
-          <p:cNvPr id="4" name="矩形 3">
-            <a:extLst>
-              <a:ext uri="{FF2B5EF4-FFF2-40B4-BE49-F238E27FC236}">
-                <a16:creationId xmlns:a16="http://schemas.microsoft.com/office/drawing/2014/main" id="{C47258FF-251D-49D4-9B25-B81C9A77F8B9}"/>
-              </a:ext>
-            </a:extLst>
-          </p:cNvPr>
-          <p:cNvSpPr/>
-          <p:nvPr/>
-        </p:nvSpPr>
-        <p:spPr>
-          <a:xfrm>
-            <a:off x="1523999" y="3160160"/>
-            <a:ext cx="6833922" cy="461665"/>
-          </a:xfrm>
-          <a:prstGeom prst="rect">
-            <a:avLst/>
-          </a:prstGeom>
-        </p:spPr>
-        <p:txBody>
-          <a:bodyPr wrap="none">
-            <a:spAutoFit/>
-          </a:bodyPr>
-          <a:lstStyle/>
-          <a:p>
-            <a:r>
-              <a:rPr lang="en-US" sz="2400" dirty="0">
-                <a:latin typeface="微软雅黑" panose="020B0503020204020204" pitchFamily="34" charset="-122"/>
-              </a:rPr>
-              <a:t>用高强度的放射线照射和杀死肿瘤组织 —— 放疗</a:t>
-            </a:r>
-          </a:p>
-        </p:txBody>
-      </p:sp>
-      <p:sp>
-        <p:nvSpPr>
-          <p:cNvPr id="20" name="矩形 19">
-            <a:extLst>
-              <a:ext uri="{FF2B5EF4-FFF2-40B4-BE49-F238E27FC236}">
-                <a16:creationId xmlns:a16="http://schemas.microsoft.com/office/drawing/2014/main" id="{C98A5933-7F2C-453D-BE05-11AF4C626BA0}"/>
-              </a:ext>
-            </a:extLst>
-          </p:cNvPr>
-          <p:cNvSpPr/>
-          <p:nvPr/>
-        </p:nvSpPr>
-        <p:spPr>
-          <a:xfrm>
-            <a:off x="1523999" y="3856758"/>
-            <a:ext cx="10025576" cy="1200329"/>
-          </a:xfrm>
-          <a:prstGeom prst="rect">
-            <a:avLst/>
-          </a:prstGeom>
-        </p:spPr>
-        <p:txBody>
-          <a:bodyPr wrap="square">
-            <a:spAutoFit/>
-          </a:bodyPr>
-          <a:lstStyle/>
-          <a:p>
-            <a:r>
-              <a:rPr lang="en-US" sz="2400" dirty="0">
-                <a:latin typeface="微软雅黑" panose="020B0503020204020204" pitchFamily="34" charset="-122"/>
-              </a:rPr>
-              <a:t>放疗致命问题</a:t>
-            </a:r>
-          </a:p>
-          <a:p>
-            <a:r>
-              <a:rPr lang="en-US" sz="2400" dirty="0">
-                <a:latin typeface="微软雅黑" panose="020B0503020204020204" pitchFamily="34" charset="-122"/>
-              </a:rPr>
-              <a:t>癌症大多数时候是深深隐藏在人体内部的</a:t>
-            </a:r>
-          </a:p>
-          <a:p>
-            <a:r>
-              <a:rPr lang="en-US" sz="2400" dirty="0">
-                <a:latin typeface="微软雅黑" panose="020B0503020204020204" pitchFamily="34" charset="-122"/>
-              </a:rPr>
-              <a:t>高强度射线也会释放能量，产生强烈的杀伤作用</a:t>
-            </a:r>
           </a:p>
         </p:txBody>
       </p:sp>
     </p:spTree>
     <p:extLst>
       <p:ext uri="{BB962C8B-B14F-4D97-AF65-F5344CB8AC3E}">
-        <p14:creationId xmlns:p14="http://schemas.microsoft.com/office/powerpoint/2010/main" val="751749799"/>
+        <p14:creationId xmlns:p14="http://schemas.microsoft.com/office/powerpoint/2010/main" val="783715542"/>
       </p:ext>
     </p:extLst>
   </p:cSld>
@@ -5761,10 +6501,44 @@
       </p:grpSpPr>
       <p:sp>
         <p:nvSpPr>
-          <p:cNvPr id="11" name="矩形 10">
+          <p:cNvPr id="10" name="标题 1">
             <a:extLst>
               <a:ext uri="{FF2B5EF4-FFF2-40B4-BE49-F238E27FC236}">
-                <a16:creationId xmlns:a16="http://schemas.microsoft.com/office/drawing/2014/main" id="{C0B9D6F2-6F21-4FCA-9229-DBDA8AB5C647}"/>
+                <a16:creationId xmlns:a16="http://schemas.microsoft.com/office/drawing/2014/main" id="{83956643-06BD-4EF5-9411-ABE8717015DD}"/>
+              </a:ext>
+            </a:extLst>
+          </p:cNvPr>
+          <p:cNvSpPr>
+            <a:spLocks noGrp="1"/>
+          </p:cNvSpPr>
+          <p:nvPr>
+            <p:ph type="ctrTitle"/>
+          </p:nvPr>
+        </p:nvSpPr>
+        <p:spPr>
+          <a:xfrm>
+            <a:off x="1524000" y="464234"/>
+            <a:ext cx="9144000" cy="1104388"/>
+          </a:xfrm>
+        </p:spPr>
+        <p:txBody>
+          <a:bodyPr/>
+          <a:lstStyle/>
+          <a:p>
+            <a:r>
+              <a:rPr lang="zh-CN" altLang="en-US" dirty="0"/>
+              <a:t>切哪儿</a:t>
+            </a:r>
+            <a:endParaRPr lang="en-US" dirty="0"/>
+          </a:p>
+        </p:txBody>
+      </p:sp>
+      <p:sp>
+        <p:nvSpPr>
+          <p:cNvPr id="2" name="矩形 1">
+            <a:extLst>
+              <a:ext uri="{FF2B5EF4-FFF2-40B4-BE49-F238E27FC236}">
+                <a16:creationId xmlns:a16="http://schemas.microsoft.com/office/drawing/2014/main" id="{AD141B27-EAB0-4D65-9376-D20536788EA9}"/>
               </a:ext>
             </a:extLst>
           </p:cNvPr>
@@ -5773,36 +6547,68 @@
         </p:nvSpPr>
         <p:spPr>
           <a:xfrm>
-            <a:off x="1916965" y="2231459"/>
-            <a:ext cx="8358070" cy="1754326"/>
+            <a:off x="1998003" y="1835156"/>
+            <a:ext cx="2646878" cy="461665"/>
           </a:xfrm>
           <a:prstGeom prst="rect">
             <a:avLst/>
           </a:prstGeom>
         </p:spPr>
         <p:txBody>
-          <a:bodyPr wrap="square">
+          <a:bodyPr wrap="none">
             <a:spAutoFit/>
           </a:bodyPr>
           <a:lstStyle/>
           <a:p>
             <a:r>
-              <a:rPr lang="zh-CN" altLang="en-US" sz="3600" dirty="0">
-                <a:latin typeface="微软雅黑" panose="020B0503020204020204" pitchFamily="34" charset="-122"/>
-                <a:ea typeface="微软雅黑" panose="020B0503020204020204" pitchFamily="34" charset="-122"/>
-              </a:rPr>
-              <a:t>手术无法杀死单个癌细胞，很难深入到全身组织去寻找并杀死所有游离在外的癌细胞</a:t>
-            </a:r>
-            <a:endParaRPr lang="en-US" sz="3600" dirty="0">
-              <a:latin typeface="微软雅黑" panose="020B0503020204020204" pitchFamily="34" charset="-122"/>
-            </a:endParaRPr>
+              <a:rPr lang="en-US" sz="2400" dirty="0">
+                <a:latin typeface="微软雅黑" panose="020B0503020204020204" pitchFamily="34" charset="-122"/>
+              </a:rPr>
+              <a:t>冰冻切片病理诊断</a:t>
+            </a:r>
+          </a:p>
+        </p:txBody>
+      </p:sp>
+      <p:sp>
+        <p:nvSpPr>
+          <p:cNvPr id="3" name="矩形 2">
+            <a:extLst>
+              <a:ext uri="{FF2B5EF4-FFF2-40B4-BE49-F238E27FC236}">
+                <a16:creationId xmlns:a16="http://schemas.microsoft.com/office/drawing/2014/main" id="{E6FFADED-12CC-4F91-9E3D-64CE4D40CDB0}"/>
+              </a:ext>
+            </a:extLst>
+          </p:cNvPr>
+          <p:cNvSpPr/>
+          <p:nvPr/>
+        </p:nvSpPr>
+        <p:spPr>
+          <a:xfrm>
+            <a:off x="1998003" y="2563355"/>
+            <a:ext cx="2031325" cy="461665"/>
+          </a:xfrm>
+          <a:prstGeom prst="rect">
+            <a:avLst/>
+          </a:prstGeom>
+        </p:spPr>
+        <p:txBody>
+          <a:bodyPr wrap="none">
+            <a:spAutoFit/>
+          </a:bodyPr>
+          <a:lstStyle/>
+          <a:p>
+            <a:r>
+              <a:rPr lang="en-US" sz="2400" dirty="0">
+                <a:latin typeface="微软雅黑" panose="020B0503020204020204" pitchFamily="34" charset="-122"/>
+              </a:rPr>
+              <a:t>人工智能技术</a:t>
+            </a:r>
           </a:p>
         </p:txBody>
       </p:sp>
     </p:spTree>
     <p:extLst>
       <p:ext uri="{BB962C8B-B14F-4D97-AF65-F5344CB8AC3E}">
-        <p14:creationId xmlns:p14="http://schemas.microsoft.com/office/powerpoint/2010/main" val="1281482216"/>
+        <p14:creationId xmlns:p14="http://schemas.microsoft.com/office/powerpoint/2010/main" val="1832910982"/>
       </p:ext>
     </p:extLst>
   </p:cSld>
@@ -5831,10 +6637,10 @@
       </p:grpSpPr>
       <p:sp>
         <p:nvSpPr>
-          <p:cNvPr id="3" name="标题 1">
+          <p:cNvPr id="10" name="标题 1">
             <a:extLst>
               <a:ext uri="{FF2B5EF4-FFF2-40B4-BE49-F238E27FC236}">
-                <a16:creationId xmlns:a16="http://schemas.microsoft.com/office/drawing/2014/main" id="{27B3886F-49DA-444F-9299-6B72C5599E9C}"/>
+                <a16:creationId xmlns:a16="http://schemas.microsoft.com/office/drawing/2014/main" id="{83956643-06BD-4EF5-9411-ABE8717015DD}"/>
               </a:ext>
             </a:extLst>
           </p:cNvPr>
@@ -5847,7 +6653,7 @@
         </p:nvSpPr>
         <p:spPr>
           <a:xfrm>
-            <a:off x="1524000" y="393894"/>
+            <a:off x="1524000" y="359616"/>
             <a:ext cx="9144000" cy="1104388"/>
           </a:xfrm>
         </p:spPr>
@@ -5857,7 +6663,7 @@
           <a:p>
             <a:r>
               <a:rPr lang="zh-CN" altLang="en-US" dirty="0"/>
-              <a:t>癌症药物</a:t>
+              <a:t>怎么切</a:t>
             </a:r>
             <a:endParaRPr lang="en-US" dirty="0"/>
           </a:p>
@@ -5865,10 +6671,10 @@
       </p:sp>
       <p:sp>
         <p:nvSpPr>
-          <p:cNvPr id="4" name="矩形 3">
+          <p:cNvPr id="16" name="矩形 15">
             <a:extLst>
               <a:ext uri="{FF2B5EF4-FFF2-40B4-BE49-F238E27FC236}">
-                <a16:creationId xmlns:a16="http://schemas.microsoft.com/office/drawing/2014/main" id="{75782921-B590-4730-9564-61AF9BCFD50A}"/>
+                <a16:creationId xmlns:a16="http://schemas.microsoft.com/office/drawing/2014/main" id="{80F1CE45-F38E-4954-8210-6376C463A299}"/>
               </a:ext>
             </a:extLst>
           </p:cNvPr>
@@ -5877,8 +6683,8 @@
         </p:nvSpPr>
         <p:spPr>
           <a:xfrm>
-            <a:off x="2375579" y="1793921"/>
-            <a:ext cx="7982932" cy="1200329"/>
+            <a:off x="1524000" y="2391435"/>
+            <a:ext cx="7640618" cy="461665"/>
           </a:xfrm>
           <a:prstGeom prst="rect">
             <a:avLst/>
@@ -5891,58 +6697,20 @@
           <a:lstStyle/>
           <a:p>
             <a:r>
-              <a:rPr lang="zh-CN" altLang="en-US" sz="2400" dirty="0">
-                <a:latin typeface="微软雅黑" panose="020B0503020204020204" pitchFamily="34" charset="-122"/>
-                <a:ea typeface="微软雅黑" panose="020B0503020204020204" pitchFamily="34" charset="-122"/>
-              </a:rPr>
-              <a:t>完美的抗癌药物</a:t>
-            </a:r>
-            <a:endParaRPr lang="en-US" altLang="zh-CN" sz="2400" dirty="0">
-              <a:latin typeface="微软雅黑" panose="020B0503020204020204" pitchFamily="34" charset="-122"/>
-              <a:ea typeface="微软雅黑" panose="020B0503020204020204" pitchFamily="34" charset="-122"/>
-            </a:endParaRPr>
-          </a:p>
-          <a:p>
-            <a:pPr marL="342900" indent="-342900">
-              <a:buFont typeface="Arial" panose="020B0604020202020204" pitchFamily="34" charset="0"/>
-              <a:buChar char="•"/>
-            </a:pPr>
-            <a:r>
-              <a:rPr lang="zh-CN" altLang="en-US" sz="2400" dirty="0">
-                <a:latin typeface="微软雅黑" panose="020B0503020204020204" pitchFamily="34" charset="-122"/>
-                <a:ea typeface="微软雅黑" panose="020B0503020204020204" pitchFamily="34" charset="-122"/>
-              </a:rPr>
-              <a:t>杀死所有癌细胞</a:t>
-            </a:r>
-            <a:endParaRPr lang="en-US" altLang="zh-CN" sz="2400" dirty="0">
-              <a:latin typeface="微软雅黑" panose="020B0503020204020204" pitchFamily="34" charset="-122"/>
-              <a:ea typeface="微软雅黑" panose="020B0503020204020204" pitchFamily="34" charset="-122"/>
-            </a:endParaRPr>
-          </a:p>
-          <a:p>
-            <a:pPr marL="342900" indent="-342900">
-              <a:buFont typeface="Arial" panose="020B0604020202020204" pitchFamily="34" charset="0"/>
-              <a:buChar char="•"/>
-            </a:pPr>
-            <a:r>
-              <a:rPr lang="zh-CN" altLang="en-US" sz="2400" dirty="0">
-                <a:latin typeface="微软雅黑" panose="020B0503020204020204" pitchFamily="34" charset="-122"/>
-                <a:ea typeface="微软雅黑" panose="020B0503020204020204" pitchFamily="34" charset="-122"/>
-              </a:rPr>
-              <a:t>不会威胁到正常细胞</a:t>
-            </a:r>
-            <a:endParaRPr lang="en-US" sz="2400" dirty="0">
-              <a:latin typeface="微软雅黑" panose="020B0503020204020204" pitchFamily="34" charset="-122"/>
-            </a:endParaRPr>
-          </a:p>
-        </p:txBody>
-      </p:sp>
-      <p:sp>
-        <p:nvSpPr>
-          <p:cNvPr id="5" name="矩形 4">
+              <a:rPr lang="en-US" sz="2400" dirty="0">
+                <a:latin typeface="微软雅黑" panose="020B0503020204020204" pitchFamily="34" charset="-122"/>
+              </a:rPr>
+              <a:t>很多肿瘤实际上是非常难做手术的——比如脑瘤</a:t>
+            </a:r>
+          </a:p>
+        </p:txBody>
+      </p:sp>
+      <p:sp>
+        <p:nvSpPr>
+          <p:cNvPr id="18" name="矩形 17">
             <a:extLst>
               <a:ext uri="{FF2B5EF4-FFF2-40B4-BE49-F238E27FC236}">
-                <a16:creationId xmlns:a16="http://schemas.microsoft.com/office/drawing/2014/main" id="{36D68D14-D887-406F-A482-98303567E5AD}"/>
+                <a16:creationId xmlns:a16="http://schemas.microsoft.com/office/drawing/2014/main" id="{FFA1DFD6-6F06-42B9-8106-C9FCE7075087}"/>
               </a:ext>
             </a:extLst>
           </p:cNvPr>
@@ -5951,129 +6719,192 @@
         </p:nvSpPr>
         <p:spPr>
           <a:xfrm>
-            <a:off x="2375578" y="3429000"/>
-            <a:ext cx="9708570" cy="1569660"/>
+            <a:off x="1524000" y="5225648"/>
+            <a:ext cx="2720617" cy="461665"/>
           </a:xfrm>
           <a:prstGeom prst="rect">
             <a:avLst/>
           </a:prstGeom>
         </p:spPr>
         <p:txBody>
+          <a:bodyPr wrap="none">
+            <a:spAutoFit/>
+          </a:bodyPr>
+          <a:lstStyle/>
+          <a:p>
+            <a:r>
+              <a:rPr lang="en-US" sz="2400" dirty="0">
+                <a:latin typeface="微软雅黑" panose="020B0503020204020204" pitchFamily="34" charset="-122"/>
+              </a:rPr>
+              <a:t>CT，核磁共振成像</a:t>
+            </a:r>
+          </a:p>
+        </p:txBody>
+      </p:sp>
+      <p:sp>
+        <p:nvSpPr>
+          <p:cNvPr id="19" name="矩形 18">
+            <a:extLst>
+              <a:ext uri="{FF2B5EF4-FFF2-40B4-BE49-F238E27FC236}">
+                <a16:creationId xmlns:a16="http://schemas.microsoft.com/office/drawing/2014/main" id="{F6A4A38B-A233-4475-A541-5C9CEEC186B4}"/>
+              </a:ext>
+            </a:extLst>
+          </p:cNvPr>
+          <p:cNvSpPr/>
+          <p:nvPr/>
+        </p:nvSpPr>
+        <p:spPr>
+          <a:xfrm>
+            <a:off x="1524000" y="5932101"/>
+            <a:ext cx="2537874" cy="461665"/>
+          </a:xfrm>
+          <a:prstGeom prst="rect">
+            <a:avLst/>
+          </a:prstGeom>
+        </p:spPr>
+        <p:txBody>
+          <a:bodyPr wrap="none">
+            <a:spAutoFit/>
+          </a:bodyPr>
+          <a:lstStyle/>
+          <a:p>
+            <a:r>
+              <a:rPr lang="en-US" sz="2400" dirty="0">
+                <a:latin typeface="微软雅黑" panose="020B0503020204020204" pitchFamily="34" charset="-122"/>
+              </a:rPr>
+              <a:t>碳原子替代X射线</a:t>
+            </a:r>
+          </a:p>
+        </p:txBody>
+      </p:sp>
+      <p:sp>
+        <p:nvSpPr>
+          <p:cNvPr id="3" name="矩形 2">
+            <a:extLst>
+              <a:ext uri="{FF2B5EF4-FFF2-40B4-BE49-F238E27FC236}">
+                <a16:creationId xmlns:a16="http://schemas.microsoft.com/office/drawing/2014/main" id="{0D89607A-73AD-44AE-B3A6-8AAE1A78582F}"/>
+              </a:ext>
+            </a:extLst>
+          </p:cNvPr>
+          <p:cNvSpPr/>
+          <p:nvPr/>
+        </p:nvSpPr>
+        <p:spPr>
+          <a:xfrm>
+            <a:off x="1523999" y="1622710"/>
+            <a:ext cx="8745415" cy="461665"/>
+          </a:xfrm>
+          <a:prstGeom prst="rect">
+            <a:avLst/>
+          </a:prstGeom>
+        </p:spPr>
+        <p:txBody>
           <a:bodyPr wrap="square">
             <a:spAutoFit/>
           </a:bodyPr>
           <a:lstStyle/>
           <a:p>
             <a:r>
-              <a:rPr lang="zh-CN" altLang="en-US" sz="2400" dirty="0">
-                <a:latin typeface="微软雅黑" panose="020B0503020204020204" pitchFamily="34" charset="-122"/>
-                <a:ea typeface="微软雅黑" panose="020B0503020204020204" pitchFamily="34" charset="-122"/>
-              </a:rPr>
-              <a:t>癌细胞和正常细胞的区别</a:t>
-            </a:r>
-            <a:endParaRPr lang="en-US" altLang="zh-CN" sz="2400" dirty="0">
-              <a:latin typeface="微软雅黑" panose="020B0503020204020204" pitchFamily="34" charset="-122"/>
-              <a:ea typeface="微软雅黑" panose="020B0503020204020204" pitchFamily="34" charset="-122"/>
-            </a:endParaRPr>
-          </a:p>
-          <a:p>
-            <a:pPr marL="342900" indent="-342900">
-              <a:buFont typeface="Arial" panose="020B0604020202020204" pitchFamily="34" charset="0"/>
-              <a:buChar char="•"/>
-            </a:pPr>
-            <a:r>
-              <a:rPr lang="zh-CN" altLang="en-US" sz="2400" dirty="0">
-                <a:latin typeface="微软雅黑" panose="020B0503020204020204" pitchFamily="34" charset="-122"/>
-                <a:ea typeface="微软雅黑" panose="020B0503020204020204" pitchFamily="34" charset="-122"/>
-              </a:rPr>
-              <a:t>疯狂的分裂繁殖，通过化学物质破坏</a:t>
-            </a:r>
-            <a:r>
-              <a:rPr lang="en-US" altLang="zh-CN" sz="2400" dirty="0">
-                <a:latin typeface="微软雅黑" panose="020B0503020204020204" pitchFamily="34" charset="-122"/>
-                <a:ea typeface="微软雅黑" panose="020B0503020204020204" pitchFamily="34" charset="-122"/>
-              </a:rPr>
-              <a:t>DNA</a:t>
-            </a:r>
-            <a:r>
-              <a:rPr lang="zh-CN" altLang="en-US" sz="2400" dirty="0">
-                <a:latin typeface="微软雅黑" panose="020B0503020204020204" pitchFamily="34" charset="-122"/>
-                <a:ea typeface="微软雅黑" panose="020B0503020204020204" pitchFamily="34" charset="-122"/>
-              </a:rPr>
-              <a:t>复制和细胞分裂 </a:t>
-            </a:r>
-            <a:r>
-              <a:rPr lang="en-US" altLang="zh-CN" sz="2400" dirty="0">
-                <a:latin typeface="微软雅黑" panose="020B0503020204020204" pitchFamily="34" charset="-122"/>
-                <a:ea typeface="微软雅黑" panose="020B0503020204020204" pitchFamily="34" charset="-122"/>
-              </a:rPr>
-              <a:t>—— </a:t>
-            </a:r>
-            <a:r>
-              <a:rPr lang="zh-CN" altLang="en-US" sz="2400" dirty="0">
-                <a:latin typeface="微软雅黑" panose="020B0503020204020204" pitchFamily="34" charset="-122"/>
-                <a:ea typeface="微软雅黑" panose="020B0503020204020204" pitchFamily="34" charset="-122"/>
-              </a:rPr>
-              <a:t>化疗</a:t>
-            </a:r>
-            <a:endParaRPr lang="en-US" altLang="zh-CN" sz="2400" dirty="0">
-              <a:latin typeface="微软雅黑" panose="020B0503020204020204" pitchFamily="34" charset="-122"/>
-              <a:ea typeface="微软雅黑" panose="020B0503020204020204" pitchFamily="34" charset="-122"/>
-            </a:endParaRPr>
-          </a:p>
-          <a:p>
-            <a:pPr marL="342900" indent="-342900">
-              <a:buFont typeface="Arial" panose="020B0604020202020204" pitchFamily="34" charset="0"/>
-              <a:buChar char="•"/>
-            </a:pPr>
-            <a:r>
-              <a:rPr lang="zh-CN" altLang="en-US" sz="2400" dirty="0">
-                <a:latin typeface="微软雅黑" panose="020B0503020204020204" pitchFamily="34" charset="-122"/>
-                <a:ea typeface="微软雅黑" panose="020B0503020204020204" pitchFamily="34" charset="-122"/>
-              </a:rPr>
-              <a:t>除了疯狂繁殖，还有什么区别 </a:t>
-            </a:r>
-            <a:r>
-              <a:rPr lang="en-US" altLang="zh-CN" sz="2400" dirty="0">
-                <a:latin typeface="微软雅黑" panose="020B0503020204020204" pitchFamily="34" charset="-122"/>
-                <a:ea typeface="微软雅黑" panose="020B0503020204020204" pitchFamily="34" charset="-122"/>
-              </a:rPr>
-              <a:t>—— </a:t>
-            </a:r>
-            <a:r>
-              <a:rPr lang="zh-CN" altLang="en-US" sz="2400" dirty="0">
-                <a:latin typeface="微软雅黑" panose="020B0503020204020204" pitchFamily="34" charset="-122"/>
-                <a:ea typeface="微软雅黑" panose="020B0503020204020204" pitchFamily="34" charset="-122"/>
-              </a:rPr>
-              <a:t>精准的靶向药物，格列卫</a:t>
-            </a:r>
-            <a:endParaRPr lang="en-US" altLang="zh-CN" sz="2400" dirty="0">
-              <a:latin typeface="微软雅黑" panose="020B0503020204020204" pitchFamily="34" charset="-122"/>
-              <a:ea typeface="微软雅黑" panose="020B0503020204020204" pitchFamily="34" charset="-122"/>
-            </a:endParaRPr>
-          </a:p>
-          <a:p>
-            <a:pPr marL="342900" indent="-342900">
-              <a:buFont typeface="Arial" panose="020B0604020202020204" pitchFamily="34" charset="0"/>
-              <a:buChar char="•"/>
-            </a:pPr>
-            <a:r>
-              <a:rPr lang="zh-CN" altLang="en-US" sz="2400" dirty="0">
-                <a:latin typeface="微软雅黑" panose="020B0503020204020204" pitchFamily="34" charset="-122"/>
-                <a:ea typeface="微软雅黑" panose="020B0503020204020204" pitchFamily="34" charset="-122"/>
-              </a:rPr>
-              <a:t>对癌症的持续“追杀”，研究耐药癌细胞，开发新的靶向药物</a:t>
-            </a:r>
-            <a:endParaRPr lang="en-US" sz="2400" dirty="0">
-              <a:latin typeface="微软雅黑" panose="020B0503020204020204" pitchFamily="34" charset="-122"/>
-            </a:endParaRPr>
+              <a:rPr lang="en-US" sz="2400" dirty="0">
+                <a:latin typeface="微软雅黑" panose="020B0503020204020204" pitchFamily="34" charset="-122"/>
+              </a:rPr>
+              <a:t>再精致锋利的手术刀，用在切除肿瘤的手术都是很“粗糙”的</a:t>
+            </a:r>
+          </a:p>
+        </p:txBody>
+      </p:sp>
+      <p:sp>
+        <p:nvSpPr>
+          <p:cNvPr id="4" name="矩形 3">
+            <a:extLst>
+              <a:ext uri="{FF2B5EF4-FFF2-40B4-BE49-F238E27FC236}">
+                <a16:creationId xmlns:a16="http://schemas.microsoft.com/office/drawing/2014/main" id="{C47258FF-251D-49D4-9B25-B81C9A77F8B9}"/>
+              </a:ext>
+            </a:extLst>
+          </p:cNvPr>
+          <p:cNvSpPr/>
+          <p:nvPr/>
+        </p:nvSpPr>
+        <p:spPr>
+          <a:xfrm>
+            <a:off x="1523999" y="3160160"/>
+            <a:ext cx="6833922" cy="461665"/>
+          </a:xfrm>
+          <a:prstGeom prst="rect">
+            <a:avLst/>
+          </a:prstGeom>
+        </p:spPr>
+        <p:txBody>
+          <a:bodyPr wrap="none">
+            <a:spAutoFit/>
+          </a:bodyPr>
+          <a:lstStyle/>
+          <a:p>
+            <a:r>
+              <a:rPr lang="en-US" sz="2400" dirty="0">
+                <a:latin typeface="微软雅黑" panose="020B0503020204020204" pitchFamily="34" charset="-122"/>
+              </a:rPr>
+              <a:t>用高强度的放射线照射和杀死肿瘤组织 —— 放疗</a:t>
+            </a:r>
+          </a:p>
+        </p:txBody>
+      </p:sp>
+      <p:sp>
+        <p:nvSpPr>
+          <p:cNvPr id="20" name="矩形 19">
+            <a:extLst>
+              <a:ext uri="{FF2B5EF4-FFF2-40B4-BE49-F238E27FC236}">
+                <a16:creationId xmlns:a16="http://schemas.microsoft.com/office/drawing/2014/main" id="{C98A5933-7F2C-453D-BE05-11AF4C626BA0}"/>
+              </a:ext>
+            </a:extLst>
+          </p:cNvPr>
+          <p:cNvSpPr/>
+          <p:nvPr/>
+        </p:nvSpPr>
+        <p:spPr>
+          <a:xfrm>
+            <a:off x="1523999" y="3856758"/>
+            <a:ext cx="10025576" cy="1200329"/>
+          </a:xfrm>
+          <a:prstGeom prst="rect">
+            <a:avLst/>
+          </a:prstGeom>
+        </p:spPr>
+        <p:txBody>
+          <a:bodyPr wrap="square">
+            <a:spAutoFit/>
+          </a:bodyPr>
+          <a:lstStyle/>
+          <a:p>
+            <a:r>
+              <a:rPr lang="en-US" sz="2400" dirty="0">
+                <a:latin typeface="微软雅黑" panose="020B0503020204020204" pitchFamily="34" charset="-122"/>
+              </a:rPr>
+              <a:t>放疗致命问题</a:t>
+            </a:r>
+          </a:p>
+          <a:p>
+            <a:r>
+              <a:rPr lang="en-US" sz="2400" dirty="0">
+                <a:latin typeface="微软雅黑" panose="020B0503020204020204" pitchFamily="34" charset="-122"/>
+              </a:rPr>
+              <a:t>癌症大多数时候是深深隐藏在人体内部的</a:t>
+            </a:r>
+          </a:p>
+          <a:p>
+            <a:r>
+              <a:rPr lang="en-US" sz="2400" dirty="0">
+                <a:latin typeface="微软雅黑" panose="020B0503020204020204" pitchFamily="34" charset="-122"/>
+              </a:rPr>
+              <a:t>高强度射线也会释放能量，产生强烈的杀伤作用</a:t>
+            </a:r>
           </a:p>
         </p:txBody>
       </p:sp>
     </p:spTree>
     <p:extLst>
       <p:ext uri="{BB962C8B-B14F-4D97-AF65-F5344CB8AC3E}">
-        <p14:creationId xmlns:p14="http://schemas.microsoft.com/office/powerpoint/2010/main" val="560476322"/>
+        <p14:creationId xmlns:p14="http://schemas.microsoft.com/office/powerpoint/2010/main" val="751749799"/>
       </p:ext>
     </p:extLst>
   </p:cSld>
@@ -6102,10 +6933,10 @@
       </p:grpSpPr>
       <p:sp>
         <p:nvSpPr>
-          <p:cNvPr id="8" name="矩形 7">
+          <p:cNvPr id="11" name="矩形 10">
             <a:extLst>
               <a:ext uri="{FF2B5EF4-FFF2-40B4-BE49-F238E27FC236}">
-                <a16:creationId xmlns:a16="http://schemas.microsoft.com/office/drawing/2014/main" id="{8C07846B-8601-4A88-93BA-3878FD3F4B0C}"/>
+                <a16:creationId xmlns:a16="http://schemas.microsoft.com/office/drawing/2014/main" id="{C0B9D6F2-6F21-4FCA-9229-DBDA8AB5C647}"/>
               </a:ext>
             </a:extLst>
           </p:cNvPr>
@@ -6114,8 +6945,8 @@
         </p:nvSpPr>
         <p:spPr>
           <a:xfrm>
-            <a:off x="2104534" y="2598003"/>
-            <a:ext cx="7982932" cy="1754326"/>
+            <a:off x="1916965" y="2231459"/>
+            <a:ext cx="8358070" cy="1754326"/>
           </a:xfrm>
           <a:prstGeom prst="rect">
             <a:avLst/>
@@ -6132,7 +6963,7 @@
                 <a:latin typeface="微软雅黑" panose="020B0503020204020204" pitchFamily="34" charset="-122"/>
                 <a:ea typeface="微软雅黑" panose="020B0503020204020204" pitchFamily="34" charset="-122"/>
               </a:rPr>
-              <a:t>癌症药物像是爆炸力强悍的炸药，药物投送系统就是大炮、轰炸机和精确制导的炸弹</a:t>
+              <a:t>手术无法杀死单个癌细胞，很难深入到全身组织去寻找并杀死所有游离在外的癌细胞</a:t>
             </a:r>
             <a:endParaRPr lang="en-US" sz="3600" dirty="0">
               <a:latin typeface="微软雅黑" panose="020B0503020204020204" pitchFamily="34" charset="-122"/>
@@ -6143,7 +6974,7 @@
     </p:spTree>
     <p:extLst>
       <p:ext uri="{BB962C8B-B14F-4D97-AF65-F5344CB8AC3E}">
-        <p14:creationId xmlns:p14="http://schemas.microsoft.com/office/powerpoint/2010/main" val="3843516434"/>
+        <p14:creationId xmlns:p14="http://schemas.microsoft.com/office/powerpoint/2010/main" val="1281482216"/>
       </p:ext>
     </p:extLst>
   </p:cSld>
